--- a/Kotlin Programlamaya Giriş.pptx
+++ b/Kotlin Programlamaya Giriş.pptx
@@ -33,19 +33,27 @@
     <p:sldId id="270" r:id="rId27"/>
     <p:sldId id="271" r:id="rId28"/>
     <p:sldId id="272" r:id="rId29"/>
-    <p:sldId id="273" r:id="rId30"/>
-    <p:sldId id="285" r:id="rId31"/>
-    <p:sldId id="286" r:id="rId32"/>
-    <p:sldId id="288" r:id="rId33"/>
-    <p:sldId id="287" r:id="rId34"/>
-    <p:sldId id="289" r:id="rId35"/>
-    <p:sldId id="290" r:id="rId36"/>
-    <p:sldId id="291" r:id="rId37"/>
-    <p:sldId id="292" r:id="rId38"/>
-    <p:sldId id="294" r:id="rId39"/>
-    <p:sldId id="295" r:id="rId40"/>
-    <p:sldId id="293" r:id="rId41"/>
-    <p:sldId id="297" r:id="rId42"/>
+    <p:sldId id="303" r:id="rId30"/>
+    <p:sldId id="273" r:id="rId31"/>
+    <p:sldId id="291" r:id="rId32"/>
+    <p:sldId id="285" r:id="rId33"/>
+    <p:sldId id="286" r:id="rId34"/>
+    <p:sldId id="288" r:id="rId35"/>
+    <p:sldId id="299" r:id="rId36"/>
+    <p:sldId id="300" r:id="rId37"/>
+    <p:sldId id="287" r:id="rId38"/>
+    <p:sldId id="289" r:id="rId39"/>
+    <p:sldId id="301" r:id="rId40"/>
+    <p:sldId id="302" r:id="rId41"/>
+    <p:sldId id="290" r:id="rId42"/>
+    <p:sldId id="292" r:id="rId43"/>
+    <p:sldId id="304" r:id="rId44"/>
+    <p:sldId id="305" r:id="rId45"/>
+    <p:sldId id="298" r:id="rId46"/>
+    <p:sldId id="294" r:id="rId47"/>
+    <p:sldId id="295" r:id="rId48"/>
+    <p:sldId id="293" r:id="rId49"/>
+    <p:sldId id="297" r:id="rId50"/>
   </p:sldIdLst>
   <p:sldSz cx="9144000" cy="6858000" type="screen4x3"/>
   <p:notesSz cx="6858000" cy="9144000"/>
@@ -3987,8 +3995,8 @@
         </p:blipFill>
         <p:spPr bwMode="auto">
           <a:xfrm>
-            <a:off x="467544" y="1844824"/>
-            <a:ext cx="8402126" cy="2232248"/>
+            <a:off x="323528" y="2348880"/>
+            <a:ext cx="8673162" cy="2304256"/>
           </a:xfrm>
           <a:prstGeom prst="rect">
             <a:avLst/>
@@ -4030,7 +4038,7 @@
         </p:blipFill>
         <p:spPr bwMode="auto">
           <a:xfrm>
-            <a:off x="5580112" y="3717032"/>
+            <a:off x="5724128" y="4293096"/>
             <a:ext cx="3095625" cy="638175"/>
           </a:xfrm>
           <a:prstGeom prst="rect">
@@ -4494,8 +4502,8 @@
         </p:blipFill>
         <p:spPr bwMode="auto">
           <a:xfrm>
-            <a:off x="4788024" y="1196752"/>
-            <a:ext cx="4176464" cy="1148333"/>
+            <a:off x="4572000" y="1412776"/>
+            <a:ext cx="4438356" cy="1220341"/>
           </a:xfrm>
           <a:prstGeom prst="rect">
             <a:avLst/>
@@ -4537,7 +4545,7 @@
         </p:blipFill>
         <p:spPr bwMode="auto">
           <a:xfrm>
-            <a:off x="5436096" y="2204864"/>
+            <a:off x="5940152" y="2492896"/>
             <a:ext cx="2664296" cy="556467"/>
           </a:xfrm>
           <a:prstGeom prst="rect">
@@ -6579,7 +6587,7 @@
         </p:blipFill>
         <p:spPr bwMode="auto">
           <a:xfrm>
-            <a:off x="251520" y="1268760"/>
+            <a:off x="971600" y="1268760"/>
             <a:ext cx="6192688" cy="2701510"/>
           </a:xfrm>
           <a:prstGeom prst="rect">
@@ -6622,7 +6630,7 @@
         </p:blipFill>
         <p:spPr bwMode="auto">
           <a:xfrm>
-            <a:off x="6012160" y="2204864"/>
+            <a:off x="6732240" y="2204864"/>
             <a:ext cx="761769" cy="648072"/>
           </a:xfrm>
           <a:prstGeom prst="rect">
@@ -6665,7 +6673,7 @@
         </p:blipFill>
         <p:spPr bwMode="auto">
           <a:xfrm>
-            <a:off x="251520" y="4077072"/>
+            <a:off x="971600" y="4077072"/>
             <a:ext cx="6142282" cy="2635303"/>
           </a:xfrm>
           <a:prstGeom prst="rect">
@@ -6708,7 +6716,7 @@
         </p:blipFill>
         <p:spPr bwMode="auto">
           <a:xfrm>
-            <a:off x="6084168" y="4941168"/>
+            <a:off x="6804248" y="4941168"/>
             <a:ext cx="1114425" cy="781050"/>
           </a:xfrm>
           <a:prstGeom prst="rect">
@@ -6819,7 +6827,7 @@
         </p:blipFill>
         <p:spPr bwMode="auto">
           <a:xfrm>
-            <a:off x="251520" y="1196190"/>
+            <a:off x="611560" y="1196190"/>
             <a:ext cx="7560840" cy="2539970"/>
           </a:xfrm>
           <a:prstGeom prst="rect">
@@ -6862,7 +6870,7 @@
         </p:blipFill>
         <p:spPr bwMode="auto">
           <a:xfrm>
-            <a:off x="4860032" y="3284984"/>
+            <a:off x="5220072" y="3284984"/>
             <a:ext cx="3314700" cy="590550"/>
           </a:xfrm>
           <a:prstGeom prst="rect">
@@ -6905,7 +6913,7 @@
         </p:blipFill>
         <p:spPr bwMode="auto">
           <a:xfrm>
-            <a:off x="251520" y="4005064"/>
+            <a:off x="611560" y="4005064"/>
             <a:ext cx="5832648" cy="2619235"/>
           </a:xfrm>
           <a:prstGeom prst="rect">
@@ -6948,7 +6956,7 @@
         </p:blipFill>
         <p:spPr bwMode="auto">
           <a:xfrm>
-            <a:off x="3563888" y="6093296"/>
+            <a:off x="3923928" y="6093296"/>
             <a:ext cx="4210050" cy="600075"/>
           </a:xfrm>
           <a:prstGeom prst="rect">
@@ -7800,7 +7808,7 @@
           <a:p>
             <a:r>
               <a:rPr lang="tr-TR" dirty="0" err="1" smtClean="0"/>
-              <a:t>Infix</a:t>
+              <a:t>Extension</a:t>
             </a:r>
             <a:r>
               <a:rPr lang="tr-TR" dirty="0" smtClean="0"/>
@@ -7808,7 +7816,7 @@
             </a:r>
             <a:r>
               <a:rPr lang="tr-TR" dirty="0" err="1" smtClean="0"/>
-              <a:t>Operator</a:t>
+              <a:t>Function</a:t>
             </a:r>
             <a:endParaRPr lang="tr-TR" dirty="0"/>
           </a:p>
@@ -7816,7 +7824,7 @@
       </p:sp>
       <p:pic>
         <p:nvPicPr>
-          <p:cNvPr id="11266" name="Picture 2"/>
+          <p:cNvPr id="28674" name="Picture 2"/>
           <p:cNvPicPr>
             <a:picLocks noChangeAspect="1" noChangeArrowheads="1"/>
           </p:cNvPicPr>
@@ -7831,8 +7839,8 @@
         </p:blipFill>
         <p:spPr bwMode="auto">
           <a:xfrm>
-            <a:off x="251520" y="1844824"/>
-            <a:ext cx="8655361" cy="2520280"/>
+            <a:off x="683568" y="1772816"/>
+            <a:ext cx="7739318" cy="2277988"/>
           </a:xfrm>
           <a:prstGeom prst="rect">
             <a:avLst/>
@@ -7874,7 +7882,7 @@
         </p:blipFill>
         <p:spPr bwMode="auto">
           <a:xfrm>
-            <a:off x="5292080" y="4077072"/>
+            <a:off x="4860032" y="3861048"/>
             <a:ext cx="3438525" cy="666750"/>
           </a:xfrm>
           <a:prstGeom prst="rect">
@@ -7894,6 +7902,92 @@
           </a:fillRef>
           <a:effectRef idx="0">
             <a:schemeClr val="accent2"/>
+          </a:effectRef>
+          <a:fontRef idx="minor">
+            <a:schemeClr val="dk1"/>
+          </a:fontRef>
+        </p:style>
+      </p:pic>
+      <p:pic>
+        <p:nvPicPr>
+          <p:cNvPr id="28675" name="Picture 3"/>
+          <p:cNvPicPr>
+            <a:picLocks noChangeAspect="1" noChangeArrowheads="1"/>
+          </p:cNvPicPr>
+          <p:nvPr/>
+        </p:nvPicPr>
+        <p:blipFill>
+          <a:blip r:embed="rId4" cstate="print"/>
+          <a:srcRect/>
+          <a:stretch>
+            <a:fillRect/>
+          </a:stretch>
+        </p:blipFill>
+        <p:spPr bwMode="auto">
+          <a:xfrm>
+            <a:off x="683568" y="4653136"/>
+            <a:ext cx="4968552" cy="1855724"/>
+          </a:xfrm>
+          <a:prstGeom prst="rect">
+            <a:avLst/>
+          </a:prstGeom>
+          <a:ln>
+            <a:headEnd/>
+            <a:tailEnd/>
+          </a:ln>
+        </p:spPr>
+        <p:style>
+          <a:lnRef idx="2">
+            <a:schemeClr val="accent5"/>
+          </a:lnRef>
+          <a:fillRef idx="1">
+            <a:schemeClr val="lt1"/>
+          </a:fillRef>
+          <a:effectRef idx="0">
+            <a:schemeClr val="accent5"/>
+          </a:effectRef>
+          <a:fontRef idx="minor">
+            <a:schemeClr val="dk1"/>
+          </a:fontRef>
+        </p:style>
+      </p:pic>
+      <p:pic>
+        <p:nvPicPr>
+          <p:cNvPr id="28676" name="Picture 4"/>
+          <p:cNvPicPr>
+            <a:picLocks noChangeAspect="1" noChangeArrowheads="1"/>
+          </p:cNvPicPr>
+          <p:nvPr/>
+        </p:nvPicPr>
+        <p:blipFill>
+          <a:blip r:embed="rId5" cstate="print"/>
+          <a:srcRect/>
+          <a:stretch>
+            <a:fillRect/>
+          </a:stretch>
+        </p:blipFill>
+        <p:spPr bwMode="auto">
+          <a:xfrm>
+            <a:off x="3707904" y="6165304"/>
+            <a:ext cx="2914650" cy="571500"/>
+          </a:xfrm>
+          <a:prstGeom prst="rect">
+            <a:avLst/>
+          </a:prstGeom>
+          <a:ln>
+            <a:headEnd/>
+            <a:tailEnd/>
+          </a:ln>
+        </p:spPr>
+        <p:style>
+          <a:lnRef idx="2">
+            <a:schemeClr val="accent5"/>
+          </a:lnRef>
+          <a:fillRef idx="1">
+            <a:schemeClr val="lt1"/>
+          </a:fillRef>
+          <a:effectRef idx="0">
+            <a:schemeClr val="accent5"/>
           </a:effectRef>
           <a:fontRef idx="minor">
             <a:schemeClr val="dk1"/>
@@ -7935,19 +8029,14 @@
             <p:ph type="title"/>
           </p:nvPr>
         </p:nvSpPr>
-        <p:spPr>
-          <a:xfrm>
-            <a:off x="457200" y="188640"/>
-            <a:ext cx="8229600" cy="864096"/>
-          </a:xfrm>
-        </p:spPr>
+        <p:spPr/>
         <p:txBody>
           <a:bodyPr/>
           <a:lstStyle/>
           <a:p>
             <a:r>
               <a:rPr lang="tr-TR" dirty="0" err="1" smtClean="0"/>
-              <a:t>Lambda</a:t>
+              <a:t>Infix</a:t>
             </a:r>
             <a:r>
               <a:rPr lang="tr-TR" dirty="0" smtClean="0"/>
@@ -7955,7 +8044,7 @@
             </a:r>
             <a:r>
               <a:rPr lang="tr-TR" dirty="0" err="1" smtClean="0"/>
-              <a:t>Functions</a:t>
+              <a:t>Operator</a:t>
             </a:r>
             <a:endParaRPr lang="tr-TR" dirty="0"/>
           </a:p>
@@ -7963,7 +8052,7 @@
       </p:sp>
       <p:pic>
         <p:nvPicPr>
-          <p:cNvPr id="1029" name="Picture 5"/>
+          <p:cNvPr id="11266" name="Picture 2"/>
           <p:cNvPicPr>
             <a:picLocks noChangeAspect="1" noChangeArrowheads="1"/>
           </p:cNvPicPr>
@@ -7978,8 +8067,8 @@
         </p:blipFill>
         <p:spPr bwMode="auto">
           <a:xfrm>
-            <a:off x="179512" y="1124744"/>
-            <a:ext cx="8240620" cy="5327898"/>
+            <a:off x="251520" y="1844824"/>
+            <a:ext cx="8655361" cy="2520280"/>
           </a:xfrm>
           <a:prstGeom prst="rect">
             <a:avLst/>
@@ -8006,7 +8095,7 @@
       </p:pic>
       <p:pic>
         <p:nvPicPr>
-          <p:cNvPr id="1030" name="Picture 6"/>
+          <p:cNvPr id="11267" name="Picture 3"/>
           <p:cNvPicPr>
             <a:picLocks noChangeAspect="1" noChangeArrowheads="1"/>
           </p:cNvPicPr>
@@ -8021,8 +8110,8 @@
         </p:blipFill>
         <p:spPr bwMode="auto">
           <a:xfrm>
-            <a:off x="7380312" y="1268760"/>
-            <a:ext cx="1478136" cy="1944216"/>
+            <a:off x="5292080" y="4077072"/>
+            <a:ext cx="3438525" cy="666750"/>
           </a:xfrm>
           <a:prstGeom prst="rect">
             <a:avLst/>
@@ -8280,14 +8369,27 @@
             <p:ph type="title"/>
           </p:nvPr>
         </p:nvSpPr>
-        <p:spPr/>
+        <p:spPr>
+          <a:xfrm>
+            <a:off x="457200" y="188640"/>
+            <a:ext cx="8229600" cy="864096"/>
+          </a:xfrm>
+        </p:spPr>
         <p:txBody>
           <a:bodyPr/>
           <a:lstStyle/>
           <a:p>
             <a:r>
               <a:rPr lang="tr-TR" dirty="0" err="1" smtClean="0"/>
-              <a:t>Classes</a:t>
+              <a:t>Lambda</a:t>
+            </a:r>
+            <a:r>
+              <a:rPr lang="tr-TR" dirty="0" smtClean="0"/>
+              <a:t> </a:t>
+            </a:r>
+            <a:r>
+              <a:rPr lang="tr-TR" dirty="0" err="1" smtClean="0"/>
+              <a:t>Functions</a:t>
             </a:r>
             <a:endParaRPr lang="tr-TR" dirty="0"/>
           </a:p>
@@ -8295,7 +8397,7 @@
       </p:sp>
       <p:pic>
         <p:nvPicPr>
-          <p:cNvPr id="12290" name="Picture 2"/>
+          <p:cNvPr id="1029" name="Picture 5"/>
           <p:cNvPicPr>
             <a:picLocks noChangeAspect="1" noChangeArrowheads="1"/>
           </p:cNvPicPr>
@@ -8310,8 +8412,8 @@
         </p:blipFill>
         <p:spPr bwMode="auto">
           <a:xfrm>
-            <a:off x="827584" y="1412776"/>
-            <a:ext cx="5328591" cy="2199101"/>
+            <a:off x="179512" y="1124744"/>
+            <a:ext cx="8240620" cy="5327898"/>
           </a:xfrm>
           <a:prstGeom prst="rect">
             <a:avLst/>
@@ -8338,7 +8440,7 @@
       </p:pic>
       <p:pic>
         <p:nvPicPr>
-          <p:cNvPr id="12291" name="Picture 3"/>
+          <p:cNvPr id="1030" name="Picture 6"/>
           <p:cNvPicPr>
             <a:picLocks noChangeAspect="1" noChangeArrowheads="1"/>
           </p:cNvPicPr>
@@ -8353,8 +8455,8 @@
         </p:blipFill>
         <p:spPr bwMode="auto">
           <a:xfrm>
-            <a:off x="827584" y="3861048"/>
-            <a:ext cx="7492124" cy="2492627"/>
+            <a:off x="7380312" y="1268760"/>
+            <a:ext cx="1478136" cy="1944216"/>
           </a:xfrm>
           <a:prstGeom prst="rect">
             <a:avLst/>
@@ -8366,56 +8468,13 @@
         </p:spPr>
         <p:style>
           <a:lnRef idx="2">
-            <a:schemeClr val="accent5"/>
+            <a:schemeClr val="accent2"/>
           </a:lnRef>
           <a:fillRef idx="1">
             <a:schemeClr val="lt1"/>
           </a:fillRef>
           <a:effectRef idx="0">
-            <a:schemeClr val="accent5"/>
-          </a:effectRef>
-          <a:fontRef idx="minor">
-            <a:schemeClr val="dk1"/>
-          </a:fontRef>
-        </p:style>
-      </p:pic>
-      <p:pic>
-        <p:nvPicPr>
-          <p:cNvPr id="12292" name="Picture 4"/>
-          <p:cNvPicPr>
-            <a:picLocks noChangeAspect="1" noChangeArrowheads="1"/>
-          </p:cNvPicPr>
-          <p:nvPr/>
-        </p:nvPicPr>
-        <p:blipFill>
-          <a:blip r:embed="rId4" cstate="print"/>
-          <a:srcRect/>
-          <a:stretch>
-            <a:fillRect/>
-          </a:stretch>
-        </p:blipFill>
-        <p:spPr bwMode="auto">
-          <a:xfrm>
-            <a:off x="7380312" y="5805264"/>
-            <a:ext cx="647700" cy="762000"/>
-          </a:xfrm>
-          <a:prstGeom prst="rect">
-            <a:avLst/>
-          </a:prstGeom>
-          <a:ln>
-            <a:headEnd/>
-            <a:tailEnd/>
-          </a:ln>
-        </p:spPr>
-        <p:style>
-          <a:lnRef idx="2">
-            <a:schemeClr val="accent5"/>
-          </a:lnRef>
-          <a:fillRef idx="1">
-            <a:schemeClr val="lt1"/>
-          </a:fillRef>
-          <a:effectRef idx="0">
-            <a:schemeClr val="accent5"/>
+            <a:schemeClr val="accent2"/>
           </a:effectRef>
           <a:fontRef idx="minor">
             <a:schemeClr val="dk1"/>
@@ -8457,27 +8516,20 @@
             <p:ph type="title"/>
           </p:nvPr>
         </p:nvSpPr>
-        <p:spPr>
-          <a:xfrm>
-            <a:off x="457200" y="116632"/>
-            <a:ext cx="8229600" cy="1080120"/>
-          </a:xfrm>
-        </p:spPr>
+        <p:spPr/>
         <p:txBody>
-          <a:bodyPr/>
+          <a:bodyPr>
+            <a:normAutofit/>
+          </a:bodyPr>
           <a:lstStyle/>
           <a:p>
             <a:r>
-              <a:rPr lang="tr-TR" dirty="0" err="1" smtClean="0"/>
-              <a:t>Classes</a:t>
-            </a:r>
-            <a:r>
-              <a:rPr lang="tr-TR" dirty="0" smtClean="0"/>
-              <a:t> - </a:t>
-            </a:r>
-            <a:r>
-              <a:rPr lang="tr-TR" dirty="0" err="1" smtClean="0"/>
-              <a:t>Constructors</a:t>
+              <a:rPr lang="en-US" dirty="0" smtClean="0"/>
+              <a:t>Builder-style usage of methods that return </a:t>
+            </a:r>
+            <a:r>
+              <a:rPr lang="en-US" dirty="0" smtClean="0"/>
+              <a:t>Unit</a:t>
             </a:r>
             <a:endParaRPr lang="tr-TR" dirty="0"/>
           </a:p>
@@ -8485,7 +8537,7 @@
       </p:sp>
       <p:pic>
         <p:nvPicPr>
-          <p:cNvPr id="13314" name="Picture 2"/>
+          <p:cNvPr id="17410" name="Picture 2"/>
           <p:cNvPicPr>
             <a:picLocks noChangeAspect="1" noChangeArrowheads="1"/>
           </p:cNvPicPr>
@@ -8500,8 +8552,8 @@
         </p:blipFill>
         <p:spPr bwMode="auto">
           <a:xfrm>
-            <a:off x="323527" y="1268760"/>
-            <a:ext cx="6584777" cy="2520280"/>
+            <a:off x="323528" y="2060848"/>
+            <a:ext cx="8509181" cy="2304256"/>
           </a:xfrm>
           <a:prstGeom prst="rect">
             <a:avLst/>
@@ -8528,7 +8580,7 @@
       </p:pic>
       <p:pic>
         <p:nvPicPr>
-          <p:cNvPr id="4" name="Picture 4"/>
+          <p:cNvPr id="17411" name="Picture 3"/>
           <p:cNvPicPr>
             <a:picLocks noChangeAspect="1" noChangeArrowheads="1"/>
           </p:cNvPicPr>
@@ -8543,8 +8595,8 @@
         </p:blipFill>
         <p:spPr bwMode="auto">
           <a:xfrm>
-            <a:off x="6084168" y="3284984"/>
-            <a:ext cx="647700" cy="762000"/>
+            <a:off x="5292080" y="4077072"/>
+            <a:ext cx="3410529" cy="936104"/>
           </a:xfrm>
           <a:prstGeom prst="rect">
             <a:avLst/>
@@ -8563,92 +8615,6 @@
           </a:fillRef>
           <a:effectRef idx="0">
             <a:schemeClr val="accent2"/>
-          </a:effectRef>
-          <a:fontRef idx="minor">
-            <a:schemeClr val="dk1"/>
-          </a:fontRef>
-        </p:style>
-      </p:pic>
-      <p:pic>
-        <p:nvPicPr>
-          <p:cNvPr id="13315" name="Picture 3"/>
-          <p:cNvPicPr>
-            <a:picLocks noChangeAspect="1" noChangeArrowheads="1"/>
-          </p:cNvPicPr>
-          <p:nvPr/>
-        </p:nvPicPr>
-        <p:blipFill>
-          <a:blip r:embed="rId4" cstate="print"/>
-          <a:srcRect/>
-          <a:stretch>
-            <a:fillRect/>
-          </a:stretch>
-        </p:blipFill>
-        <p:spPr bwMode="auto">
-          <a:xfrm>
-            <a:off x="323528" y="4293096"/>
-            <a:ext cx="8377401" cy="1800200"/>
-          </a:xfrm>
-          <a:prstGeom prst="rect">
-            <a:avLst/>
-          </a:prstGeom>
-          <a:ln>
-            <a:headEnd/>
-            <a:tailEnd/>
-          </a:ln>
-        </p:spPr>
-        <p:style>
-          <a:lnRef idx="2">
-            <a:schemeClr val="accent5"/>
-          </a:lnRef>
-          <a:fillRef idx="1">
-            <a:schemeClr val="lt1"/>
-          </a:fillRef>
-          <a:effectRef idx="0">
-            <a:schemeClr val="accent5"/>
-          </a:effectRef>
-          <a:fontRef idx="minor">
-            <a:schemeClr val="dk1"/>
-          </a:fontRef>
-        </p:style>
-      </p:pic>
-      <p:pic>
-        <p:nvPicPr>
-          <p:cNvPr id="6" name="Picture 4"/>
-          <p:cNvPicPr>
-            <a:picLocks noChangeAspect="1" noChangeArrowheads="1"/>
-          </p:cNvPicPr>
-          <p:nvPr/>
-        </p:nvPicPr>
-        <p:blipFill>
-          <a:blip r:embed="rId3" cstate="print"/>
-          <a:srcRect/>
-          <a:stretch>
-            <a:fillRect/>
-          </a:stretch>
-        </p:blipFill>
-        <p:spPr bwMode="auto">
-          <a:xfrm>
-            <a:off x="7740352" y="5517232"/>
-            <a:ext cx="647700" cy="762000"/>
-          </a:xfrm>
-          <a:prstGeom prst="rect">
-            <a:avLst/>
-          </a:prstGeom>
-          <a:ln>
-            <a:headEnd/>
-            <a:tailEnd/>
-          </a:ln>
-        </p:spPr>
-        <p:style>
-          <a:lnRef idx="2">
-            <a:schemeClr val="accent5"/>
-          </a:lnRef>
-          <a:fillRef idx="1">
-            <a:schemeClr val="lt1"/>
-          </a:fillRef>
-          <a:effectRef idx="0">
-            <a:schemeClr val="accent5"/>
           </a:effectRef>
           <a:fontRef idx="minor">
             <a:schemeClr val="dk1"/>
@@ -8699,21 +8665,13 @@
               <a:rPr lang="tr-TR" dirty="0" err="1" smtClean="0"/>
               <a:t>Classes</a:t>
             </a:r>
-            <a:r>
-              <a:rPr lang="tr-TR" dirty="0" smtClean="0"/>
-              <a:t> </a:t>
-            </a:r>
-            <a:r>
-              <a:rPr lang="tr-TR" dirty="0" err="1" smtClean="0"/>
-              <a:t>Constructors</a:t>
-            </a:r>
             <a:endParaRPr lang="tr-TR" dirty="0"/>
           </a:p>
         </p:txBody>
       </p:sp>
       <p:pic>
         <p:nvPicPr>
-          <p:cNvPr id="15362" name="Picture 2"/>
+          <p:cNvPr id="12290" name="Picture 2"/>
           <p:cNvPicPr>
             <a:picLocks noChangeAspect="1" noChangeArrowheads="1"/>
           </p:cNvPicPr>
@@ -8728,8 +8686,8 @@
         </p:blipFill>
         <p:spPr bwMode="auto">
           <a:xfrm>
-            <a:off x="827584" y="1412777"/>
-            <a:ext cx="6336704" cy="2927220"/>
+            <a:off x="827584" y="1412776"/>
+            <a:ext cx="5328591" cy="2199101"/>
           </a:xfrm>
           <a:prstGeom prst="rect">
             <a:avLst/>
@@ -8756,7 +8714,7 @@
       </p:pic>
       <p:pic>
         <p:nvPicPr>
-          <p:cNvPr id="15363" name="Picture 3"/>
+          <p:cNvPr id="12291" name="Picture 3"/>
           <p:cNvPicPr>
             <a:picLocks noChangeAspect="1" noChangeArrowheads="1"/>
           </p:cNvPicPr>
@@ -8771,8 +8729,8 @@
         </p:blipFill>
         <p:spPr bwMode="auto">
           <a:xfrm>
-            <a:off x="6228184" y="3933056"/>
-            <a:ext cx="762000" cy="581025"/>
+            <a:off x="827584" y="3861048"/>
+            <a:ext cx="7492124" cy="2492627"/>
           </a:xfrm>
           <a:prstGeom prst="rect">
             <a:avLst/>
@@ -8784,13 +8742,13 @@
         </p:spPr>
         <p:style>
           <a:lnRef idx="2">
-            <a:schemeClr val="accent2"/>
+            <a:schemeClr val="accent5"/>
           </a:lnRef>
           <a:fillRef idx="1">
             <a:schemeClr val="lt1"/>
           </a:fillRef>
           <a:effectRef idx="0">
-            <a:schemeClr val="accent2"/>
+            <a:schemeClr val="accent5"/>
           </a:effectRef>
           <a:fontRef idx="minor">
             <a:schemeClr val="dk1"/>
@@ -8799,7 +8757,7 @@
       </p:pic>
       <p:pic>
         <p:nvPicPr>
-          <p:cNvPr id="5" name="Picture 4"/>
+          <p:cNvPr id="12292" name="Picture 4"/>
           <p:cNvPicPr>
             <a:picLocks noChangeAspect="1" noChangeArrowheads="1"/>
           </p:cNvPicPr>
@@ -8814,8 +8772,8 @@
         </p:blipFill>
         <p:spPr bwMode="auto">
           <a:xfrm>
-            <a:off x="755576" y="4653136"/>
-            <a:ext cx="8030924" cy="1745357"/>
+            <a:off x="7380312" y="5805264"/>
+            <a:ext cx="647700" cy="762000"/>
           </a:xfrm>
           <a:prstGeom prst="rect">
             <a:avLst/>
@@ -8827,56 +8785,13 @@
         </p:spPr>
         <p:style>
           <a:lnRef idx="2">
-            <a:schemeClr val="accent3"/>
+            <a:schemeClr val="accent5"/>
           </a:lnRef>
           <a:fillRef idx="1">
             <a:schemeClr val="lt1"/>
           </a:fillRef>
           <a:effectRef idx="0">
-            <a:schemeClr val="accent3"/>
-          </a:effectRef>
-          <a:fontRef idx="minor">
-            <a:schemeClr val="dk1"/>
-          </a:fontRef>
-        </p:style>
-      </p:pic>
-      <p:pic>
-        <p:nvPicPr>
-          <p:cNvPr id="6" name="Picture 4"/>
-          <p:cNvPicPr>
-            <a:picLocks noChangeAspect="1" noChangeArrowheads="1"/>
-          </p:cNvPicPr>
-          <p:nvPr/>
-        </p:nvPicPr>
-        <p:blipFill>
-          <a:blip r:embed="rId5" cstate="print"/>
-          <a:srcRect/>
-          <a:stretch>
-            <a:fillRect/>
-          </a:stretch>
-        </p:blipFill>
-        <p:spPr bwMode="auto">
-          <a:xfrm>
-            <a:off x="7956376" y="5805264"/>
-            <a:ext cx="647700" cy="762000"/>
-          </a:xfrm>
-          <a:prstGeom prst="rect">
-            <a:avLst/>
-          </a:prstGeom>
-          <a:ln>
-            <a:headEnd/>
-            <a:tailEnd/>
-          </a:ln>
-        </p:spPr>
-        <p:style>
-          <a:lnRef idx="2">
-            <a:schemeClr val="accent3"/>
-          </a:lnRef>
-          <a:fillRef idx="1">
-            <a:schemeClr val="lt1"/>
-          </a:fillRef>
-          <a:effectRef idx="0">
-            <a:schemeClr val="accent3"/>
+            <a:schemeClr val="accent5"/>
           </a:effectRef>
           <a:fontRef idx="minor">
             <a:schemeClr val="dk1"/>
@@ -8918,18 +8833,27 @@
             <p:ph type="title"/>
           </p:nvPr>
         </p:nvSpPr>
-        <p:spPr/>
+        <p:spPr>
+          <a:xfrm>
+            <a:off x="457200" y="116632"/>
+            <a:ext cx="8229600" cy="1080120"/>
+          </a:xfrm>
+        </p:spPr>
         <p:txBody>
           <a:bodyPr/>
           <a:lstStyle/>
           <a:p>
             <a:r>
+              <a:rPr lang="tr-TR" dirty="0" err="1" smtClean="0"/>
+              <a:t>Classes</a:t>
+            </a:r>
+            <a:r>
               <a:rPr lang="tr-TR" dirty="0" smtClean="0"/>
-              <a:t>Data </a:t>
-            </a:r>
-            <a:r>
-              <a:rPr lang="tr-TR" dirty="0" err="1" smtClean="0"/>
-              <a:t>Class</a:t>
+              <a:t> - </a:t>
+            </a:r>
+            <a:r>
+              <a:rPr lang="tr-TR" dirty="0" err="1" smtClean="0"/>
+              <a:t>Constructors</a:t>
             </a:r>
             <a:endParaRPr lang="tr-TR" dirty="0"/>
           </a:p>
@@ -8937,7 +8861,7 @@
       </p:sp>
       <p:pic>
         <p:nvPicPr>
-          <p:cNvPr id="14338" name="Picture 2"/>
+          <p:cNvPr id="13314" name="Picture 2"/>
           <p:cNvPicPr>
             <a:picLocks noChangeAspect="1" noChangeArrowheads="1"/>
           </p:cNvPicPr>
@@ -8952,8 +8876,8 @@
         </p:blipFill>
         <p:spPr bwMode="auto">
           <a:xfrm>
-            <a:off x="395536" y="1772816"/>
-            <a:ext cx="8320630" cy="2520280"/>
+            <a:off x="323527" y="1268760"/>
+            <a:ext cx="6584777" cy="2520280"/>
           </a:xfrm>
           <a:prstGeom prst="rect">
             <a:avLst/>
@@ -8995,7 +8919,7 @@
         </p:blipFill>
         <p:spPr bwMode="auto">
           <a:xfrm>
-            <a:off x="7812360" y="3861048"/>
+            <a:off x="6084168" y="3284984"/>
             <a:ext cx="647700" cy="762000"/>
           </a:xfrm>
           <a:prstGeom prst="rect">
@@ -9015,6 +8939,92 @@
           </a:fillRef>
           <a:effectRef idx="0">
             <a:schemeClr val="accent2"/>
+          </a:effectRef>
+          <a:fontRef idx="minor">
+            <a:schemeClr val="dk1"/>
+          </a:fontRef>
+        </p:style>
+      </p:pic>
+      <p:pic>
+        <p:nvPicPr>
+          <p:cNvPr id="13315" name="Picture 3"/>
+          <p:cNvPicPr>
+            <a:picLocks noChangeAspect="1" noChangeArrowheads="1"/>
+          </p:cNvPicPr>
+          <p:nvPr/>
+        </p:nvPicPr>
+        <p:blipFill>
+          <a:blip r:embed="rId4" cstate="print"/>
+          <a:srcRect/>
+          <a:stretch>
+            <a:fillRect/>
+          </a:stretch>
+        </p:blipFill>
+        <p:spPr bwMode="auto">
+          <a:xfrm>
+            <a:off x="323528" y="4293096"/>
+            <a:ext cx="8377401" cy="1800200"/>
+          </a:xfrm>
+          <a:prstGeom prst="rect">
+            <a:avLst/>
+          </a:prstGeom>
+          <a:ln>
+            <a:headEnd/>
+            <a:tailEnd/>
+          </a:ln>
+        </p:spPr>
+        <p:style>
+          <a:lnRef idx="2">
+            <a:schemeClr val="accent5"/>
+          </a:lnRef>
+          <a:fillRef idx="1">
+            <a:schemeClr val="lt1"/>
+          </a:fillRef>
+          <a:effectRef idx="0">
+            <a:schemeClr val="accent5"/>
+          </a:effectRef>
+          <a:fontRef idx="minor">
+            <a:schemeClr val="dk1"/>
+          </a:fontRef>
+        </p:style>
+      </p:pic>
+      <p:pic>
+        <p:nvPicPr>
+          <p:cNvPr id="6" name="Picture 4"/>
+          <p:cNvPicPr>
+            <a:picLocks noChangeAspect="1" noChangeArrowheads="1"/>
+          </p:cNvPicPr>
+          <p:nvPr/>
+        </p:nvPicPr>
+        <p:blipFill>
+          <a:blip r:embed="rId3" cstate="print"/>
+          <a:srcRect/>
+          <a:stretch>
+            <a:fillRect/>
+          </a:stretch>
+        </p:blipFill>
+        <p:spPr bwMode="auto">
+          <a:xfrm>
+            <a:off x="7740352" y="5517232"/>
+            <a:ext cx="647700" cy="762000"/>
+          </a:xfrm>
+          <a:prstGeom prst="rect">
+            <a:avLst/>
+          </a:prstGeom>
+          <a:ln>
+            <a:headEnd/>
+            <a:tailEnd/>
+          </a:ln>
+        </p:spPr>
+        <p:style>
+          <a:lnRef idx="2">
+            <a:schemeClr val="accent5"/>
+          </a:lnRef>
+          <a:fillRef idx="1">
+            <a:schemeClr val="lt1"/>
+          </a:fillRef>
+          <a:effectRef idx="0">
+            <a:schemeClr val="accent5"/>
           </a:effectRef>
           <a:fontRef idx="minor">
             <a:schemeClr val="dk1"/>
@@ -9056,19 +9066,14 @@
             <p:ph type="title"/>
           </p:nvPr>
         </p:nvSpPr>
-        <p:spPr>
-          <a:xfrm>
-            <a:off x="457200" y="267494"/>
-            <a:ext cx="8229600" cy="1001266"/>
-          </a:xfrm>
-        </p:spPr>
+        <p:spPr/>
         <p:txBody>
           <a:bodyPr/>
           <a:lstStyle/>
           <a:p>
             <a:r>
               <a:rPr lang="tr-TR" dirty="0" err="1" smtClean="0"/>
-              <a:t>Object</a:t>
+              <a:t>Classes</a:t>
             </a:r>
             <a:r>
               <a:rPr lang="tr-TR" dirty="0" smtClean="0"/>
@@ -9076,15 +9081,7 @@
             </a:r>
             <a:r>
               <a:rPr lang="tr-TR" dirty="0" err="1" smtClean="0"/>
-              <a:t>Oriented</a:t>
-            </a:r>
-            <a:r>
-              <a:rPr lang="tr-TR" dirty="0" smtClean="0"/>
-              <a:t> </a:t>
-            </a:r>
-            <a:r>
-              <a:rPr lang="tr-TR" dirty="0" err="1" smtClean="0"/>
-              <a:t>Support</a:t>
+              <a:t>Constructors</a:t>
             </a:r>
             <a:endParaRPr lang="tr-TR" dirty="0"/>
           </a:p>
@@ -9092,7 +9089,7 @@
       </p:sp>
       <p:pic>
         <p:nvPicPr>
-          <p:cNvPr id="19458" name="Picture 2"/>
+          <p:cNvPr id="15362" name="Picture 2"/>
           <p:cNvPicPr>
             <a:picLocks noChangeAspect="1" noChangeArrowheads="1"/>
           </p:cNvPicPr>
@@ -9107,8 +9104,8 @@
         </p:blipFill>
         <p:spPr bwMode="auto">
           <a:xfrm>
-            <a:off x="323528" y="1340768"/>
-            <a:ext cx="7776864" cy="4640739"/>
+            <a:off x="827584" y="1412777"/>
+            <a:ext cx="6336704" cy="2927220"/>
           </a:xfrm>
           <a:prstGeom prst="rect">
             <a:avLst/>
@@ -9135,7 +9132,7 @@
       </p:pic>
       <p:pic>
         <p:nvPicPr>
-          <p:cNvPr id="19459" name="Picture 3"/>
+          <p:cNvPr id="15363" name="Picture 3"/>
           <p:cNvPicPr>
             <a:picLocks noChangeAspect="1" noChangeArrowheads="1"/>
           </p:cNvPicPr>
@@ -9150,8 +9147,8 @@
         </p:blipFill>
         <p:spPr bwMode="auto">
           <a:xfrm>
-            <a:off x="6444208" y="5445224"/>
-            <a:ext cx="1468608" cy="1008112"/>
+            <a:off x="6228184" y="3933056"/>
+            <a:ext cx="762000" cy="581025"/>
           </a:xfrm>
           <a:prstGeom prst="rect">
             <a:avLst/>
@@ -9170,6 +9167,92 @@
           </a:fillRef>
           <a:effectRef idx="0">
             <a:schemeClr val="accent2"/>
+          </a:effectRef>
+          <a:fontRef idx="minor">
+            <a:schemeClr val="dk1"/>
+          </a:fontRef>
+        </p:style>
+      </p:pic>
+      <p:pic>
+        <p:nvPicPr>
+          <p:cNvPr id="5" name="Picture 4"/>
+          <p:cNvPicPr>
+            <a:picLocks noChangeAspect="1" noChangeArrowheads="1"/>
+          </p:cNvPicPr>
+          <p:nvPr/>
+        </p:nvPicPr>
+        <p:blipFill>
+          <a:blip r:embed="rId4" cstate="print"/>
+          <a:srcRect/>
+          <a:stretch>
+            <a:fillRect/>
+          </a:stretch>
+        </p:blipFill>
+        <p:spPr bwMode="auto">
+          <a:xfrm>
+            <a:off x="755576" y="4653136"/>
+            <a:ext cx="8030924" cy="1745357"/>
+          </a:xfrm>
+          <a:prstGeom prst="rect">
+            <a:avLst/>
+          </a:prstGeom>
+          <a:ln>
+            <a:headEnd/>
+            <a:tailEnd/>
+          </a:ln>
+        </p:spPr>
+        <p:style>
+          <a:lnRef idx="2">
+            <a:schemeClr val="accent3"/>
+          </a:lnRef>
+          <a:fillRef idx="1">
+            <a:schemeClr val="lt1"/>
+          </a:fillRef>
+          <a:effectRef idx="0">
+            <a:schemeClr val="accent3"/>
+          </a:effectRef>
+          <a:fontRef idx="minor">
+            <a:schemeClr val="dk1"/>
+          </a:fontRef>
+        </p:style>
+      </p:pic>
+      <p:pic>
+        <p:nvPicPr>
+          <p:cNvPr id="6" name="Picture 4"/>
+          <p:cNvPicPr>
+            <a:picLocks noChangeAspect="1" noChangeArrowheads="1"/>
+          </p:cNvPicPr>
+          <p:nvPr/>
+        </p:nvPicPr>
+        <p:blipFill>
+          <a:blip r:embed="rId5" cstate="print"/>
+          <a:srcRect/>
+          <a:stretch>
+            <a:fillRect/>
+          </a:stretch>
+        </p:blipFill>
+        <p:spPr bwMode="auto">
+          <a:xfrm>
+            <a:off x="7956376" y="5805264"/>
+            <a:ext cx="647700" cy="762000"/>
+          </a:xfrm>
+          <a:prstGeom prst="rect">
+            <a:avLst/>
+          </a:prstGeom>
+          <a:ln>
+            <a:headEnd/>
+            <a:tailEnd/>
+          </a:ln>
+        </p:spPr>
+        <p:style>
+          <a:lnRef idx="2">
+            <a:schemeClr val="accent3"/>
+          </a:lnRef>
+          <a:fillRef idx="1">
+            <a:schemeClr val="lt1"/>
+          </a:fillRef>
+          <a:effectRef idx="0">
+            <a:schemeClr val="accent3"/>
           </a:effectRef>
           <a:fontRef idx="minor">
             <a:schemeClr val="dk1"/>
@@ -9213,7 +9296,7 @@
         </p:nvSpPr>
         <p:spPr>
           <a:xfrm>
-            <a:off x="457200" y="116632"/>
+            <a:off x="457200" y="188640"/>
             <a:ext cx="8229600" cy="1008112"/>
           </a:xfrm>
         </p:spPr>
@@ -9223,15 +9306,7 @@
           <a:p>
             <a:r>
               <a:rPr lang="tr-TR" dirty="0" err="1" smtClean="0"/>
-              <a:t>try</a:t>
-            </a:r>
-            <a:r>
-              <a:rPr lang="tr-TR" dirty="0" smtClean="0"/>
-              <a:t>/</a:t>
-            </a:r>
-            <a:r>
-              <a:rPr lang="tr-TR" dirty="0" err="1" smtClean="0"/>
-              <a:t>catch</a:t>
+              <a:t>Getters</a:t>
             </a:r>
             <a:r>
               <a:rPr lang="tr-TR" dirty="0" smtClean="0"/>
@@ -9239,7 +9314,15 @@
             </a:r>
             <a:r>
               <a:rPr lang="tr-TR" dirty="0" err="1" smtClean="0"/>
-              <a:t>expression</a:t>
+              <a:t>and</a:t>
+            </a:r>
+            <a:r>
+              <a:rPr lang="tr-TR" dirty="0" smtClean="0"/>
+              <a:t> </a:t>
+            </a:r>
+            <a:r>
+              <a:rPr lang="tr-TR" dirty="0" err="1" smtClean="0"/>
+              <a:t>Setters</a:t>
             </a:r>
             <a:endParaRPr lang="tr-TR" dirty="0"/>
           </a:p>
@@ -9247,7 +9330,7 @@
       </p:sp>
       <p:pic>
         <p:nvPicPr>
-          <p:cNvPr id="16386" name="Picture 2"/>
+          <p:cNvPr id="24578" name="Picture 2"/>
           <p:cNvPicPr>
             <a:picLocks noChangeAspect="1" noChangeArrowheads="1"/>
           </p:cNvPicPr>
@@ -9262,8 +9345,8 @@
         </p:blipFill>
         <p:spPr bwMode="auto">
           <a:xfrm>
-            <a:off x="755576" y="1052736"/>
-            <a:ext cx="7056784" cy="4184424"/>
+            <a:off x="827584" y="1196752"/>
+            <a:ext cx="5688632" cy="5220782"/>
           </a:xfrm>
           <a:prstGeom prst="rect">
             <a:avLst/>
@@ -9290,7 +9373,7 @@
       </p:pic>
       <p:pic>
         <p:nvPicPr>
-          <p:cNvPr id="16387" name="Picture 3"/>
+          <p:cNvPr id="24579" name="Picture 3"/>
           <p:cNvPicPr>
             <a:picLocks noChangeAspect="1" noChangeArrowheads="1"/>
           </p:cNvPicPr>
@@ -9305,8 +9388,8 @@
         </p:blipFill>
         <p:spPr bwMode="auto">
           <a:xfrm>
-            <a:off x="539552" y="5157192"/>
-            <a:ext cx="8039100" cy="1600200"/>
+            <a:off x="5292080" y="5445224"/>
+            <a:ext cx="2990850" cy="1162050"/>
           </a:xfrm>
           <a:prstGeom prst="rect">
             <a:avLst/>
@@ -9366,20 +9449,35 @@
             <p:ph type="title"/>
           </p:nvPr>
         </p:nvSpPr>
-        <p:spPr/>
+        <p:spPr>
+          <a:xfrm>
+            <a:off x="457200" y="188640"/>
+            <a:ext cx="8229600" cy="1008112"/>
+          </a:xfrm>
+        </p:spPr>
         <p:txBody>
-          <a:bodyPr>
-            <a:normAutofit/>
-          </a:bodyPr>
+          <a:bodyPr/>
           <a:lstStyle/>
           <a:p>
             <a:r>
-              <a:rPr lang="en-US" dirty="0" smtClean="0"/>
-              <a:t>Builder-style usage of methods that return </a:t>
-            </a:r>
-            <a:r>
-              <a:rPr lang="en-US" dirty="0" smtClean="0"/>
-              <a:t>Unit</a:t>
+              <a:rPr lang="tr-TR" dirty="0" err="1" smtClean="0"/>
+              <a:t>Getters</a:t>
+            </a:r>
+            <a:r>
+              <a:rPr lang="tr-TR" dirty="0" smtClean="0"/>
+              <a:t> </a:t>
+            </a:r>
+            <a:r>
+              <a:rPr lang="tr-TR" dirty="0" err="1" smtClean="0"/>
+              <a:t>and</a:t>
+            </a:r>
+            <a:r>
+              <a:rPr lang="tr-TR" dirty="0" smtClean="0"/>
+              <a:t> </a:t>
+            </a:r>
+            <a:r>
+              <a:rPr lang="tr-TR" dirty="0" err="1" smtClean="0"/>
+              <a:t>Setters</a:t>
             </a:r>
             <a:endParaRPr lang="tr-TR" dirty="0"/>
           </a:p>
@@ -9387,7 +9485,7 @@
       </p:sp>
       <p:pic>
         <p:nvPicPr>
-          <p:cNvPr id="17410" name="Picture 2"/>
+          <p:cNvPr id="25602" name="Picture 2"/>
           <p:cNvPicPr>
             <a:picLocks noChangeAspect="1" noChangeArrowheads="1"/>
           </p:cNvPicPr>
@@ -9402,8 +9500,8 @@
         </p:blipFill>
         <p:spPr bwMode="auto">
           <a:xfrm>
-            <a:off x="323528" y="2060848"/>
-            <a:ext cx="8509181" cy="2304256"/>
+            <a:off x="1043608" y="1052736"/>
+            <a:ext cx="5600700" cy="4810125"/>
           </a:xfrm>
           <a:prstGeom prst="rect">
             <a:avLst/>
@@ -9430,7 +9528,7 @@
       </p:pic>
       <p:pic>
         <p:nvPicPr>
-          <p:cNvPr id="17411" name="Picture 3"/>
+          <p:cNvPr id="25603" name="Picture 3"/>
           <p:cNvPicPr>
             <a:picLocks noChangeAspect="1" noChangeArrowheads="1"/>
           </p:cNvPicPr>
@@ -9445,8 +9543,8 @@
         </p:blipFill>
         <p:spPr bwMode="auto">
           <a:xfrm>
-            <a:off x="5292080" y="4077072"/>
-            <a:ext cx="3410529" cy="936104"/>
+            <a:off x="179512" y="5877272"/>
+            <a:ext cx="8515350" cy="438150"/>
           </a:xfrm>
           <a:prstGeom prst="rect">
             <a:avLst/>
@@ -9512,8 +9610,12 @@
           <a:lstStyle/>
           <a:p>
             <a:r>
-              <a:rPr lang="tr-TR" dirty="0" err="1" smtClean="0"/>
-              <a:t>With</a:t>
+              <a:rPr lang="tr-TR" dirty="0" smtClean="0"/>
+              <a:t>Data </a:t>
+            </a:r>
+            <a:r>
+              <a:rPr lang="tr-TR" dirty="0" err="1" smtClean="0"/>
+              <a:t>Class</a:t>
             </a:r>
             <a:endParaRPr lang="tr-TR" dirty="0"/>
           </a:p>
@@ -9521,7 +9623,7 @@
       </p:sp>
       <p:pic>
         <p:nvPicPr>
-          <p:cNvPr id="18434" name="Picture 2"/>
+          <p:cNvPr id="14338" name="Picture 2"/>
           <p:cNvPicPr>
             <a:picLocks noChangeAspect="1" noChangeArrowheads="1"/>
           </p:cNvPicPr>
@@ -9536,8 +9638,8 @@
         </p:blipFill>
         <p:spPr bwMode="auto">
           <a:xfrm>
-            <a:off x="251520" y="1412776"/>
-            <a:ext cx="8642132" cy="4752528"/>
+            <a:off x="395536" y="1772816"/>
+            <a:ext cx="8320630" cy="2520280"/>
           </a:xfrm>
           <a:prstGeom prst="rect">
             <a:avLst/>
@@ -9564,7 +9666,7 @@
       </p:pic>
       <p:pic>
         <p:nvPicPr>
-          <p:cNvPr id="18435" name="Picture 3"/>
+          <p:cNvPr id="4" name="Picture 4"/>
           <p:cNvPicPr>
             <a:picLocks noChangeAspect="1" noChangeArrowheads="1"/>
           </p:cNvPicPr>
@@ -9579,8 +9681,8 @@
         </p:blipFill>
         <p:spPr bwMode="auto">
           <a:xfrm>
-            <a:off x="6444208" y="4293096"/>
-            <a:ext cx="2066925" cy="2343150"/>
+            <a:off x="7812360" y="3861048"/>
+            <a:ext cx="647700" cy="762000"/>
           </a:xfrm>
           <a:prstGeom prst="rect">
             <a:avLst/>
@@ -9640,18 +9742,35 @@
             <p:ph type="title"/>
           </p:nvPr>
         </p:nvSpPr>
-        <p:spPr/>
+        <p:spPr>
+          <a:xfrm>
+            <a:off x="457200" y="267494"/>
+            <a:ext cx="8229600" cy="1001266"/>
+          </a:xfrm>
+        </p:spPr>
         <p:txBody>
           <a:bodyPr/>
           <a:lstStyle/>
           <a:p>
             <a:r>
+              <a:rPr lang="tr-TR" dirty="0" err="1" smtClean="0"/>
+              <a:t>Object</a:t>
+            </a:r>
+            <a:r>
               <a:rPr lang="tr-TR" dirty="0" smtClean="0"/>
-              <a:t>Java vs </a:t>
-            </a:r>
-            <a:r>
-              <a:rPr lang="tr-TR" dirty="0" err="1" smtClean="0"/>
-              <a:t>Kotlin</a:t>
+              <a:t> </a:t>
+            </a:r>
+            <a:r>
+              <a:rPr lang="tr-TR" dirty="0" err="1" smtClean="0"/>
+              <a:t>Oriented</a:t>
+            </a:r>
+            <a:r>
+              <a:rPr lang="tr-TR" dirty="0" smtClean="0"/>
+              <a:t> </a:t>
+            </a:r>
+            <a:r>
+              <a:rPr lang="tr-TR" dirty="0" err="1" smtClean="0"/>
+              <a:t>Support</a:t>
             </a:r>
             <a:endParaRPr lang="tr-TR" dirty="0"/>
           </a:p>
@@ -9659,7 +9778,7 @@
       </p:sp>
       <p:pic>
         <p:nvPicPr>
-          <p:cNvPr id="21506" name="Picture 2"/>
+          <p:cNvPr id="19458" name="Picture 2"/>
           <p:cNvPicPr>
             <a:picLocks noChangeAspect="1" noChangeArrowheads="1"/>
           </p:cNvPicPr>
@@ -9674,8 +9793,8 @@
         </p:blipFill>
         <p:spPr bwMode="auto">
           <a:xfrm>
-            <a:off x="899592" y="1916832"/>
-            <a:ext cx="5904656" cy="1617855"/>
+            <a:off x="323528" y="1340768"/>
+            <a:ext cx="7776864" cy="4640739"/>
           </a:xfrm>
           <a:prstGeom prst="rect">
             <a:avLst/>
@@ -9702,7 +9821,7 @@
       </p:pic>
       <p:pic>
         <p:nvPicPr>
-          <p:cNvPr id="21507" name="Picture 3"/>
+          <p:cNvPr id="19459" name="Picture 3"/>
           <p:cNvPicPr>
             <a:picLocks noChangeAspect="1" noChangeArrowheads="1"/>
           </p:cNvPicPr>
@@ -9717,8 +9836,8 @@
         </p:blipFill>
         <p:spPr bwMode="auto">
           <a:xfrm>
-            <a:off x="899592" y="4005064"/>
-            <a:ext cx="5760640" cy="1745343"/>
+            <a:off x="6444208" y="5445224"/>
+            <a:ext cx="1468608" cy="1008112"/>
           </a:xfrm>
           <a:prstGeom prst="rect">
             <a:avLst/>
@@ -9730,83 +9849,19 @@
         </p:spPr>
         <p:style>
           <a:lnRef idx="2">
-            <a:schemeClr val="accent6"/>
+            <a:schemeClr val="accent2"/>
           </a:lnRef>
           <a:fillRef idx="1">
             <a:schemeClr val="lt1"/>
           </a:fillRef>
           <a:effectRef idx="0">
-            <a:schemeClr val="accent6"/>
+            <a:schemeClr val="accent2"/>
           </a:effectRef>
           <a:fontRef idx="minor">
             <a:schemeClr val="dk1"/>
           </a:fontRef>
         </p:style>
       </p:pic>
-      <p:sp>
-        <p:nvSpPr>
-          <p:cNvPr id="5" name="4 Metin kutusu"/>
-          <p:cNvSpPr txBox="1"/>
-          <p:nvPr/>
-        </p:nvSpPr>
-        <p:spPr>
-          <a:xfrm>
-            <a:off x="899592" y="1484784"/>
-            <a:ext cx="848309" cy="369332"/>
-          </a:xfrm>
-          <a:prstGeom prst="rect">
-            <a:avLst/>
-          </a:prstGeom>
-          <a:noFill/>
-        </p:spPr>
-        <p:txBody>
-          <a:bodyPr wrap="none" rtlCol="0">
-            <a:spAutoFit/>
-          </a:bodyPr>
-          <a:lstStyle/>
-          <a:p>
-            <a:r>
-              <a:rPr lang="tr-TR" dirty="0" err="1" smtClean="0"/>
-              <a:t>Kotlin</a:t>
-            </a:r>
-            <a:r>
-              <a:rPr lang="tr-TR" dirty="0" smtClean="0"/>
-              <a:t>:</a:t>
-            </a:r>
-            <a:endParaRPr lang="tr-TR" dirty="0"/>
-          </a:p>
-        </p:txBody>
-      </p:sp>
-      <p:sp>
-        <p:nvSpPr>
-          <p:cNvPr id="6" name="5 Metin kutusu"/>
-          <p:cNvSpPr txBox="1"/>
-          <p:nvPr/>
-        </p:nvSpPr>
-        <p:spPr>
-          <a:xfrm>
-            <a:off x="899592" y="3645024"/>
-            <a:ext cx="801823" cy="369332"/>
-          </a:xfrm>
-          <a:prstGeom prst="rect">
-            <a:avLst/>
-          </a:prstGeom>
-          <a:noFill/>
-        </p:spPr>
-        <p:txBody>
-          <a:bodyPr wrap="none" rtlCol="0">
-            <a:spAutoFit/>
-          </a:bodyPr>
-          <a:lstStyle/>
-          <a:p>
-            <a:r>
-              <a:rPr lang="tr-TR" dirty="0" smtClean="0"/>
-              <a:t>Java:</a:t>
-            </a:r>
-            <a:endParaRPr lang="tr-TR" dirty="0"/>
-          </a:p>
-        </p:txBody>
-      </p:sp>
     </p:spTree>
   </p:cSld>
   <p:clrMapOvr>
@@ -9842,82 +9897,19 @@
             <p:ph type="title"/>
           </p:nvPr>
         </p:nvSpPr>
-        <p:spPr/>
+        <p:spPr>
+          <a:xfrm>
+            <a:off x="457200" y="267494"/>
+            <a:ext cx="8229600" cy="1073274"/>
+          </a:xfrm>
+        </p:spPr>
         <p:txBody>
           <a:bodyPr/>
           <a:lstStyle/>
           <a:p>
             <a:r>
-              <a:rPr lang="tr-TR" dirty="0" smtClean="0"/>
-              <a:t>Java vs </a:t>
-            </a:r>
-            <a:r>
-              <a:rPr lang="tr-TR" dirty="0" err="1" smtClean="0"/>
-              <a:t>Kotlin</a:t>
-            </a:r>
-            <a:endParaRPr lang="tr-TR" dirty="0"/>
-          </a:p>
-        </p:txBody>
-      </p:sp>
-      <p:sp>
-        <p:nvSpPr>
-          <p:cNvPr id="5" name="4 Metin kutusu"/>
-          <p:cNvSpPr txBox="1"/>
-          <p:nvPr/>
-        </p:nvSpPr>
-        <p:spPr>
-          <a:xfrm>
-            <a:off x="899592" y="1484784"/>
-            <a:ext cx="848309" cy="369332"/>
-          </a:xfrm>
-          <a:prstGeom prst="rect">
-            <a:avLst/>
-          </a:prstGeom>
-          <a:noFill/>
-        </p:spPr>
-        <p:txBody>
-          <a:bodyPr wrap="none" rtlCol="0">
-            <a:spAutoFit/>
-          </a:bodyPr>
-          <a:lstStyle/>
-          <a:p>
-            <a:r>
-              <a:rPr lang="tr-TR" dirty="0" err="1" smtClean="0"/>
-              <a:t>Kotlin</a:t>
-            </a:r>
-            <a:r>
-              <a:rPr lang="tr-TR" dirty="0" smtClean="0"/>
-              <a:t>:</a:t>
-            </a:r>
-            <a:endParaRPr lang="tr-TR" dirty="0"/>
-          </a:p>
-        </p:txBody>
-      </p:sp>
-      <p:sp>
-        <p:nvSpPr>
-          <p:cNvPr id="6" name="5 Metin kutusu"/>
-          <p:cNvSpPr txBox="1"/>
-          <p:nvPr/>
-        </p:nvSpPr>
-        <p:spPr>
-          <a:xfrm>
-            <a:off x="899592" y="3645024"/>
-            <a:ext cx="801823" cy="369332"/>
-          </a:xfrm>
-          <a:prstGeom prst="rect">
-            <a:avLst/>
-          </a:prstGeom>
-          <a:noFill/>
-        </p:spPr>
-        <p:txBody>
-          <a:bodyPr wrap="none" rtlCol="0">
-            <a:spAutoFit/>
-          </a:bodyPr>
-          <a:lstStyle/>
-          <a:p>
-            <a:r>
-              <a:rPr lang="tr-TR" dirty="0" smtClean="0"/>
-              <a:t>Java:</a:t>
+              <a:rPr lang="tr-TR" dirty="0" err="1" smtClean="0"/>
+              <a:t>Interfaces</a:t>
             </a:r>
             <a:endParaRPr lang="tr-TR" dirty="0"/>
           </a:p>
@@ -9925,7 +9917,7 @@
       </p:sp>
       <p:pic>
         <p:nvPicPr>
-          <p:cNvPr id="22530" name="Picture 2"/>
+          <p:cNvPr id="26626" name="Picture 2"/>
           <p:cNvPicPr>
             <a:picLocks noChangeAspect="1" noChangeArrowheads="1"/>
           </p:cNvPicPr>
@@ -9940,8 +9932,8 @@
         </p:blipFill>
         <p:spPr bwMode="auto">
           <a:xfrm>
-            <a:off x="971600" y="1988840"/>
-            <a:ext cx="7334360" cy="1436365"/>
+            <a:off x="683568" y="1484784"/>
+            <a:ext cx="2664296" cy="1751722"/>
           </a:xfrm>
           <a:prstGeom prst="rect">
             <a:avLst/>
@@ -9968,7 +9960,7 @@
       </p:pic>
       <p:pic>
         <p:nvPicPr>
-          <p:cNvPr id="22531" name="Picture 3"/>
+          <p:cNvPr id="26627" name="Picture 3"/>
           <p:cNvPicPr>
             <a:picLocks noChangeAspect="1" noChangeArrowheads="1"/>
           </p:cNvPicPr>
@@ -9983,8 +9975,8 @@
         </p:blipFill>
         <p:spPr bwMode="auto">
           <a:xfrm>
-            <a:off x="971600" y="4077072"/>
-            <a:ext cx="6890612" cy="2016224"/>
+            <a:off x="683567" y="3717032"/>
+            <a:ext cx="3181333" cy="1568574"/>
           </a:xfrm>
           <a:prstGeom prst="rect">
             <a:avLst/>
@@ -9996,13 +9988,56 @@
         </p:spPr>
         <p:style>
           <a:lnRef idx="2">
-            <a:schemeClr val="accent6"/>
+            <a:schemeClr val="accent2"/>
           </a:lnRef>
           <a:fillRef idx="1">
             <a:schemeClr val="lt1"/>
           </a:fillRef>
           <a:effectRef idx="0">
-            <a:schemeClr val="accent6"/>
+            <a:schemeClr val="accent2"/>
+          </a:effectRef>
+          <a:fontRef idx="minor">
+            <a:schemeClr val="dk1"/>
+          </a:fontRef>
+        </p:style>
+      </p:pic>
+      <p:pic>
+        <p:nvPicPr>
+          <p:cNvPr id="26628" name="Picture 4"/>
+          <p:cNvPicPr>
+            <a:picLocks noChangeAspect="1" noChangeArrowheads="1"/>
+          </p:cNvPicPr>
+          <p:nvPr/>
+        </p:nvPicPr>
+        <p:blipFill>
+          <a:blip r:embed="rId4" cstate="print"/>
+          <a:srcRect/>
+          <a:stretch>
+            <a:fillRect/>
+          </a:stretch>
+        </p:blipFill>
+        <p:spPr bwMode="auto">
+          <a:xfrm>
+            <a:off x="4355976" y="1484784"/>
+            <a:ext cx="4286250" cy="3838575"/>
+          </a:xfrm>
+          <a:prstGeom prst="rect">
+            <a:avLst/>
+          </a:prstGeom>
+          <a:ln>
+            <a:headEnd/>
+            <a:tailEnd/>
+          </a:ln>
+        </p:spPr>
+        <p:style>
+          <a:lnRef idx="2">
+            <a:schemeClr val="accent5"/>
+          </a:lnRef>
+          <a:fillRef idx="1">
+            <a:schemeClr val="lt1"/>
+          </a:fillRef>
+          <a:effectRef idx="0">
+            <a:schemeClr val="accent5"/>
           </a:effectRef>
           <a:fontRef idx="minor">
             <a:schemeClr val="dk1"/>
@@ -10235,100 +10270,93 @@
             <p:ph type="title"/>
           </p:nvPr>
         </p:nvSpPr>
-        <p:spPr/>
+        <p:spPr>
+          <a:xfrm>
+            <a:off x="395536" y="0"/>
+            <a:ext cx="8291264" cy="1052736"/>
+          </a:xfrm>
+        </p:spPr>
         <p:txBody>
-          <a:bodyPr/>
+          <a:bodyPr>
+            <a:noAutofit/>
+          </a:bodyPr>
           <a:lstStyle/>
           <a:p>
             <a:r>
-              <a:rPr lang="tr-TR" dirty="0" err="1" smtClean="0"/>
-              <a:t>References</a:t>
-            </a:r>
-            <a:endParaRPr lang="tr-TR" dirty="0"/>
+              <a:rPr lang="tr-TR" sz="3200" dirty="0" err="1" smtClean="0"/>
+              <a:t>Interfaces</a:t>
+            </a:r>
+            <a:r>
+              <a:rPr lang="tr-TR" sz="3200" dirty="0" smtClean="0"/>
+              <a:t> – </a:t>
+            </a:r>
+            <a:r>
+              <a:rPr lang="tr-TR" sz="3200" dirty="0" err="1" smtClean="0"/>
+              <a:t>Resolve</a:t>
+            </a:r>
+            <a:r>
+              <a:rPr lang="tr-TR" sz="3200" dirty="0" smtClean="0"/>
+              <a:t> </a:t>
+            </a:r>
+            <a:r>
+              <a:rPr lang="tr-TR" sz="3200" dirty="0" err="1" smtClean="0"/>
+              <a:t>Override</a:t>
+            </a:r>
+            <a:r>
+              <a:rPr lang="tr-TR" sz="3200" dirty="0" smtClean="0"/>
+              <a:t> </a:t>
+            </a:r>
+            <a:r>
+              <a:rPr lang="tr-TR" sz="3200" dirty="0" err="1" smtClean="0"/>
+              <a:t>Conflicts</a:t>
+            </a:r>
+            <a:endParaRPr lang="tr-TR" sz="3200" dirty="0"/>
           </a:p>
         </p:txBody>
       </p:sp>
-      <p:sp>
-        <p:nvSpPr>
-          <p:cNvPr id="3" name="2 İçerik Yer Tutucusu"/>
-          <p:cNvSpPr>
-            <a:spLocks noGrp="1"/>
-          </p:cNvSpPr>
-          <p:nvPr>
-            <p:ph idx="1"/>
-          </p:nvPr>
-        </p:nvSpPr>
-        <p:spPr/>
-        <p:txBody>
-          <a:bodyPr/>
-          <a:lstStyle/>
-          <a:p>
-            <a:r>
-              <a:rPr lang="tr-TR" dirty="0" smtClean="0">
-                <a:hlinkClick r:id="rId2"/>
-              </a:rPr>
-              <a:t>https://kotlinlang.org</a:t>
-            </a:r>
-          </a:p>
-          <a:p>
-            <a:r>
-              <a:rPr lang="tr-TR" dirty="0" smtClean="0">
-                <a:hlinkClick r:id="rId2"/>
-              </a:rPr>
-              <a:t>https</a:t>
-            </a:r>
-            <a:r>
-              <a:rPr lang="tr-TR" dirty="0" smtClean="0">
-                <a:hlinkClick r:id="rId2"/>
-              </a:rPr>
-              <a:t>://</a:t>
-            </a:r>
-            <a:r>
-              <a:rPr lang="tr-TR" dirty="0" smtClean="0">
-                <a:hlinkClick r:id="rId2"/>
-              </a:rPr>
-              <a:t>try.kotlinlang.org</a:t>
-            </a:r>
-            <a:endParaRPr lang="tr-TR" dirty="0" smtClean="0"/>
-          </a:p>
-          <a:p>
-            <a:r>
-              <a:rPr lang="tr-TR" dirty="0" smtClean="0">
-                <a:hlinkClick r:id="rId3"/>
-              </a:rPr>
-              <a:t>https://</a:t>
-            </a:r>
-            <a:r>
-              <a:rPr lang="tr-TR" dirty="0" smtClean="0">
-                <a:hlinkClick r:id="rId3"/>
-              </a:rPr>
-              <a:t>developer.android.com/samples/index.html?language=kotlin</a:t>
-            </a:r>
-            <a:endParaRPr lang="tr-TR" dirty="0" smtClean="0"/>
-          </a:p>
-          <a:p>
-            <a:r>
-              <a:rPr lang="tr-TR" dirty="0" smtClean="0">
-                <a:hlinkClick r:id="rId4"/>
-              </a:rPr>
-              <a:t>https://</a:t>
-            </a:r>
-            <a:r>
-              <a:rPr lang="tr-TR" dirty="0" smtClean="0">
-                <a:hlinkClick r:id="rId4"/>
-              </a:rPr>
-              <a:t>developer.android.com/kotlin/resources.html</a:t>
-            </a:r>
-            <a:endParaRPr lang="tr-TR" dirty="0" smtClean="0"/>
-          </a:p>
-          <a:p>
-            <a:endParaRPr lang="tr-TR" dirty="0" smtClean="0"/>
-          </a:p>
-          <a:p>
-            <a:endParaRPr lang="tr-TR" dirty="0"/>
-          </a:p>
-        </p:txBody>
-      </p:sp>
+      <p:pic>
+        <p:nvPicPr>
+          <p:cNvPr id="27650" name="Picture 2"/>
+          <p:cNvPicPr>
+            <a:picLocks noChangeAspect="1" noChangeArrowheads="1"/>
+          </p:cNvPicPr>
+          <p:nvPr/>
+        </p:nvPicPr>
+        <p:blipFill>
+          <a:blip r:embed="rId2" cstate="print"/>
+          <a:srcRect/>
+          <a:stretch>
+            <a:fillRect/>
+          </a:stretch>
+        </p:blipFill>
+        <p:spPr bwMode="auto">
+          <a:xfrm>
+            <a:off x="2339752" y="1008413"/>
+            <a:ext cx="4176464" cy="5705571"/>
+          </a:xfrm>
+          <a:prstGeom prst="rect">
+            <a:avLst/>
+          </a:prstGeom>
+          <a:ln>
+            <a:headEnd/>
+            <a:tailEnd/>
+          </a:ln>
+        </p:spPr>
+        <p:style>
+          <a:lnRef idx="2">
+            <a:schemeClr val="accent2"/>
+          </a:lnRef>
+          <a:fillRef idx="1">
+            <a:schemeClr val="lt1"/>
+          </a:fillRef>
+          <a:effectRef idx="0">
+            <a:schemeClr val="accent2"/>
+          </a:effectRef>
+          <a:fontRef idx="minor">
+            <a:schemeClr val="dk1"/>
+          </a:fontRef>
+        </p:style>
+      </p:pic>
     </p:spTree>
   </p:cSld>
   <p:clrMapOvr>
@@ -10361,6 +10389,1258 @@
             <a:spLocks noGrp="1"/>
           </p:cNvSpPr>
           <p:nvPr>
+            <p:ph type="title"/>
+          </p:nvPr>
+        </p:nvSpPr>
+        <p:spPr>
+          <a:xfrm>
+            <a:off x="457200" y="116632"/>
+            <a:ext cx="8229600" cy="1008112"/>
+          </a:xfrm>
+        </p:spPr>
+        <p:txBody>
+          <a:bodyPr/>
+          <a:lstStyle/>
+          <a:p>
+            <a:r>
+              <a:rPr lang="tr-TR" dirty="0" err="1" smtClean="0"/>
+              <a:t>try</a:t>
+            </a:r>
+            <a:r>
+              <a:rPr lang="tr-TR" dirty="0" smtClean="0"/>
+              <a:t>/</a:t>
+            </a:r>
+            <a:r>
+              <a:rPr lang="tr-TR" dirty="0" err="1" smtClean="0"/>
+              <a:t>catch</a:t>
+            </a:r>
+            <a:r>
+              <a:rPr lang="tr-TR" dirty="0" smtClean="0"/>
+              <a:t> </a:t>
+            </a:r>
+            <a:r>
+              <a:rPr lang="tr-TR" dirty="0" err="1" smtClean="0"/>
+              <a:t>expression</a:t>
+            </a:r>
+            <a:endParaRPr lang="tr-TR" dirty="0"/>
+          </a:p>
+        </p:txBody>
+      </p:sp>
+      <p:pic>
+        <p:nvPicPr>
+          <p:cNvPr id="16386" name="Picture 2"/>
+          <p:cNvPicPr>
+            <a:picLocks noChangeAspect="1" noChangeArrowheads="1"/>
+          </p:cNvPicPr>
+          <p:nvPr/>
+        </p:nvPicPr>
+        <p:blipFill>
+          <a:blip r:embed="rId2" cstate="print"/>
+          <a:srcRect/>
+          <a:stretch>
+            <a:fillRect/>
+          </a:stretch>
+        </p:blipFill>
+        <p:spPr bwMode="auto">
+          <a:xfrm>
+            <a:off x="755576" y="1052736"/>
+            <a:ext cx="7056784" cy="4184424"/>
+          </a:xfrm>
+          <a:prstGeom prst="rect">
+            <a:avLst/>
+          </a:prstGeom>
+          <a:ln>
+            <a:headEnd/>
+            <a:tailEnd/>
+          </a:ln>
+        </p:spPr>
+        <p:style>
+          <a:lnRef idx="2">
+            <a:schemeClr val="accent2"/>
+          </a:lnRef>
+          <a:fillRef idx="1">
+            <a:schemeClr val="lt1"/>
+          </a:fillRef>
+          <a:effectRef idx="0">
+            <a:schemeClr val="accent2"/>
+          </a:effectRef>
+          <a:fontRef idx="minor">
+            <a:schemeClr val="dk1"/>
+          </a:fontRef>
+        </p:style>
+      </p:pic>
+      <p:pic>
+        <p:nvPicPr>
+          <p:cNvPr id="16387" name="Picture 3"/>
+          <p:cNvPicPr>
+            <a:picLocks noChangeAspect="1" noChangeArrowheads="1"/>
+          </p:cNvPicPr>
+          <p:nvPr/>
+        </p:nvPicPr>
+        <p:blipFill>
+          <a:blip r:embed="rId3" cstate="print"/>
+          <a:srcRect/>
+          <a:stretch>
+            <a:fillRect/>
+          </a:stretch>
+        </p:blipFill>
+        <p:spPr bwMode="auto">
+          <a:xfrm>
+            <a:off x="539552" y="5157192"/>
+            <a:ext cx="8039100" cy="1600200"/>
+          </a:xfrm>
+          <a:prstGeom prst="rect">
+            <a:avLst/>
+          </a:prstGeom>
+          <a:ln>
+            <a:headEnd/>
+            <a:tailEnd/>
+          </a:ln>
+        </p:spPr>
+        <p:style>
+          <a:lnRef idx="2">
+            <a:schemeClr val="accent2"/>
+          </a:lnRef>
+          <a:fillRef idx="1">
+            <a:schemeClr val="lt1"/>
+          </a:fillRef>
+          <a:effectRef idx="0">
+            <a:schemeClr val="accent2"/>
+          </a:effectRef>
+          <a:fontRef idx="minor">
+            <a:schemeClr val="dk1"/>
+          </a:fontRef>
+        </p:style>
+      </p:pic>
+    </p:spTree>
+  </p:cSld>
+  <p:clrMapOvr>
+    <a:masterClrMapping/>
+  </p:clrMapOvr>
+</p:sld>
+</file>
+
+<file path=ppt/slides/slide42.xml><?xml version="1.0" encoding="utf-8"?>
+<p:sld xmlns:a="http://schemas.openxmlformats.org/drawingml/2006/main" xmlns:r="http://schemas.openxmlformats.org/officeDocument/2006/relationships" xmlns:p="http://schemas.openxmlformats.org/presentationml/2006/main">
+  <p:cSld>
+    <p:spTree>
+      <p:nvGrpSpPr>
+        <p:cNvPr id="1" name=""/>
+        <p:cNvGrpSpPr/>
+        <p:nvPr/>
+      </p:nvGrpSpPr>
+      <p:grpSpPr>
+        <a:xfrm>
+          <a:off x="0" y="0"/>
+          <a:ext cx="0" cy="0"/>
+          <a:chOff x="0" y="0"/>
+          <a:chExt cx="0" cy="0"/>
+        </a:xfrm>
+      </p:grpSpPr>
+      <p:sp>
+        <p:nvSpPr>
+          <p:cNvPr id="2" name="1 Başlık"/>
+          <p:cNvSpPr>
+            <a:spLocks noGrp="1"/>
+          </p:cNvSpPr>
+          <p:nvPr>
+            <p:ph type="title"/>
+          </p:nvPr>
+        </p:nvSpPr>
+        <p:spPr/>
+        <p:txBody>
+          <a:bodyPr/>
+          <a:lstStyle/>
+          <a:p>
+            <a:r>
+              <a:rPr lang="tr-TR" dirty="0" err="1" smtClean="0"/>
+              <a:t>With</a:t>
+            </a:r>
+            <a:endParaRPr lang="tr-TR" dirty="0"/>
+          </a:p>
+        </p:txBody>
+      </p:sp>
+      <p:pic>
+        <p:nvPicPr>
+          <p:cNvPr id="18434" name="Picture 2"/>
+          <p:cNvPicPr>
+            <a:picLocks noChangeAspect="1" noChangeArrowheads="1"/>
+          </p:cNvPicPr>
+          <p:nvPr/>
+        </p:nvPicPr>
+        <p:blipFill>
+          <a:blip r:embed="rId2" cstate="print"/>
+          <a:srcRect/>
+          <a:stretch>
+            <a:fillRect/>
+          </a:stretch>
+        </p:blipFill>
+        <p:spPr bwMode="auto">
+          <a:xfrm>
+            <a:off x="251520" y="1412776"/>
+            <a:ext cx="8642132" cy="4752528"/>
+          </a:xfrm>
+          <a:prstGeom prst="rect">
+            <a:avLst/>
+          </a:prstGeom>
+          <a:ln>
+            <a:headEnd/>
+            <a:tailEnd/>
+          </a:ln>
+        </p:spPr>
+        <p:style>
+          <a:lnRef idx="2">
+            <a:schemeClr val="accent2"/>
+          </a:lnRef>
+          <a:fillRef idx="1">
+            <a:schemeClr val="lt1"/>
+          </a:fillRef>
+          <a:effectRef idx="0">
+            <a:schemeClr val="accent2"/>
+          </a:effectRef>
+          <a:fontRef idx="minor">
+            <a:schemeClr val="dk1"/>
+          </a:fontRef>
+        </p:style>
+      </p:pic>
+      <p:pic>
+        <p:nvPicPr>
+          <p:cNvPr id="18435" name="Picture 3"/>
+          <p:cNvPicPr>
+            <a:picLocks noChangeAspect="1" noChangeArrowheads="1"/>
+          </p:cNvPicPr>
+          <p:nvPr/>
+        </p:nvPicPr>
+        <p:blipFill>
+          <a:blip r:embed="rId3" cstate="print"/>
+          <a:srcRect/>
+          <a:stretch>
+            <a:fillRect/>
+          </a:stretch>
+        </p:blipFill>
+        <p:spPr bwMode="auto">
+          <a:xfrm>
+            <a:off x="6444208" y="4293096"/>
+            <a:ext cx="2066925" cy="2343150"/>
+          </a:xfrm>
+          <a:prstGeom prst="rect">
+            <a:avLst/>
+          </a:prstGeom>
+          <a:ln>
+            <a:headEnd/>
+            <a:tailEnd/>
+          </a:ln>
+        </p:spPr>
+        <p:style>
+          <a:lnRef idx="2">
+            <a:schemeClr val="accent2"/>
+          </a:lnRef>
+          <a:fillRef idx="1">
+            <a:schemeClr val="lt1"/>
+          </a:fillRef>
+          <a:effectRef idx="0">
+            <a:schemeClr val="accent2"/>
+          </a:effectRef>
+          <a:fontRef idx="minor">
+            <a:schemeClr val="dk1"/>
+          </a:fontRef>
+        </p:style>
+      </p:pic>
+    </p:spTree>
+  </p:cSld>
+  <p:clrMapOvr>
+    <a:masterClrMapping/>
+  </p:clrMapOvr>
+</p:sld>
+</file>
+
+<file path=ppt/slides/slide43.xml><?xml version="1.0" encoding="utf-8"?>
+<p:sld xmlns:a="http://schemas.openxmlformats.org/drawingml/2006/main" xmlns:r="http://schemas.openxmlformats.org/officeDocument/2006/relationships" xmlns:p="http://schemas.openxmlformats.org/presentationml/2006/main">
+  <p:cSld>
+    <p:spTree>
+      <p:nvGrpSpPr>
+        <p:cNvPr id="1" name=""/>
+        <p:cNvGrpSpPr/>
+        <p:nvPr/>
+      </p:nvGrpSpPr>
+      <p:grpSpPr>
+        <a:xfrm>
+          <a:off x="0" y="0"/>
+          <a:ext cx="0" cy="0"/>
+          <a:chOff x="0" y="0"/>
+          <a:chExt cx="0" cy="0"/>
+        </a:xfrm>
+      </p:grpSpPr>
+      <p:sp>
+        <p:nvSpPr>
+          <p:cNvPr id="2" name="1 Başlık"/>
+          <p:cNvSpPr>
+            <a:spLocks noGrp="1"/>
+          </p:cNvSpPr>
+          <p:nvPr>
+            <p:ph type="title"/>
+          </p:nvPr>
+        </p:nvSpPr>
+        <p:spPr/>
+        <p:txBody>
+          <a:bodyPr/>
+          <a:lstStyle/>
+          <a:p>
+            <a:r>
+              <a:rPr lang="tr-TR" dirty="0" err="1" smtClean="0"/>
+              <a:t>Object</a:t>
+            </a:r>
+            <a:r>
+              <a:rPr lang="tr-TR" dirty="0" smtClean="0"/>
+              <a:t> </a:t>
+            </a:r>
+            <a:r>
+              <a:rPr lang="tr-TR" dirty="0" err="1" smtClean="0"/>
+              <a:t>Expressions</a:t>
+            </a:r>
+            <a:endParaRPr lang="tr-TR" dirty="0"/>
+          </a:p>
+        </p:txBody>
+      </p:sp>
+      <p:pic>
+        <p:nvPicPr>
+          <p:cNvPr id="29698" name="Picture 2"/>
+          <p:cNvPicPr>
+            <a:picLocks noChangeAspect="1" noChangeArrowheads="1"/>
+          </p:cNvPicPr>
+          <p:nvPr/>
+        </p:nvPicPr>
+        <p:blipFill>
+          <a:blip r:embed="rId2" cstate="print"/>
+          <a:srcRect/>
+          <a:stretch>
+            <a:fillRect/>
+          </a:stretch>
+        </p:blipFill>
+        <p:spPr bwMode="auto">
+          <a:xfrm>
+            <a:off x="1763688" y="4077072"/>
+            <a:ext cx="4905375" cy="2352675"/>
+          </a:xfrm>
+          <a:prstGeom prst="rect">
+            <a:avLst/>
+          </a:prstGeom>
+          <a:ln>
+            <a:headEnd/>
+            <a:tailEnd/>
+          </a:ln>
+        </p:spPr>
+        <p:style>
+          <a:lnRef idx="2">
+            <a:schemeClr val="accent1"/>
+          </a:lnRef>
+          <a:fillRef idx="1">
+            <a:schemeClr val="lt1"/>
+          </a:fillRef>
+          <a:effectRef idx="0">
+            <a:schemeClr val="accent1"/>
+          </a:effectRef>
+          <a:fontRef idx="minor">
+            <a:schemeClr val="dk1"/>
+          </a:fontRef>
+        </p:style>
+      </p:pic>
+      <p:pic>
+        <p:nvPicPr>
+          <p:cNvPr id="29699" name="Picture 3"/>
+          <p:cNvPicPr>
+            <a:picLocks noChangeAspect="1" noChangeArrowheads="1"/>
+          </p:cNvPicPr>
+          <p:nvPr/>
+        </p:nvPicPr>
+        <p:blipFill>
+          <a:blip r:embed="rId3" cstate="print"/>
+          <a:srcRect/>
+          <a:stretch>
+            <a:fillRect/>
+          </a:stretch>
+        </p:blipFill>
+        <p:spPr bwMode="auto">
+          <a:xfrm>
+            <a:off x="4644008" y="1412776"/>
+            <a:ext cx="3143250" cy="2419350"/>
+          </a:xfrm>
+          <a:prstGeom prst="rect">
+            <a:avLst/>
+          </a:prstGeom>
+          <a:ln>
+            <a:headEnd/>
+            <a:tailEnd/>
+          </a:ln>
+        </p:spPr>
+        <p:style>
+          <a:lnRef idx="2">
+            <a:schemeClr val="accent2"/>
+          </a:lnRef>
+          <a:fillRef idx="1">
+            <a:schemeClr val="lt1"/>
+          </a:fillRef>
+          <a:effectRef idx="0">
+            <a:schemeClr val="accent2"/>
+          </a:effectRef>
+          <a:fontRef idx="minor">
+            <a:schemeClr val="dk1"/>
+          </a:fontRef>
+        </p:style>
+      </p:pic>
+      <p:pic>
+        <p:nvPicPr>
+          <p:cNvPr id="29700" name="Picture 4"/>
+          <p:cNvPicPr>
+            <a:picLocks noChangeAspect="1" noChangeArrowheads="1"/>
+          </p:cNvPicPr>
+          <p:nvPr/>
+        </p:nvPicPr>
+        <p:blipFill>
+          <a:blip r:embed="rId4" cstate="print"/>
+          <a:srcRect/>
+          <a:stretch>
+            <a:fillRect/>
+          </a:stretch>
+        </p:blipFill>
+        <p:spPr bwMode="auto">
+          <a:xfrm>
+            <a:off x="1187624" y="1628800"/>
+            <a:ext cx="2809875" cy="1914525"/>
+          </a:xfrm>
+          <a:prstGeom prst="rect">
+            <a:avLst/>
+          </a:prstGeom>
+          <a:ln>
+            <a:headEnd/>
+            <a:tailEnd/>
+          </a:ln>
+        </p:spPr>
+        <p:style>
+          <a:lnRef idx="2">
+            <a:schemeClr val="accent3"/>
+          </a:lnRef>
+          <a:fillRef idx="1">
+            <a:schemeClr val="lt1"/>
+          </a:fillRef>
+          <a:effectRef idx="0">
+            <a:schemeClr val="accent3"/>
+          </a:effectRef>
+          <a:fontRef idx="minor">
+            <a:schemeClr val="dk1"/>
+          </a:fontRef>
+        </p:style>
+      </p:pic>
+    </p:spTree>
+  </p:cSld>
+  <p:clrMapOvr>
+    <a:masterClrMapping/>
+  </p:clrMapOvr>
+</p:sld>
+</file>
+
+<file path=ppt/slides/slide44.xml><?xml version="1.0" encoding="utf-8"?>
+<p:sld xmlns:a="http://schemas.openxmlformats.org/drawingml/2006/main" xmlns:r="http://schemas.openxmlformats.org/officeDocument/2006/relationships" xmlns:p="http://schemas.openxmlformats.org/presentationml/2006/main">
+  <p:cSld>
+    <p:spTree>
+      <p:nvGrpSpPr>
+        <p:cNvPr id="1" name=""/>
+        <p:cNvGrpSpPr/>
+        <p:nvPr/>
+      </p:nvGrpSpPr>
+      <p:grpSpPr>
+        <a:xfrm>
+          <a:off x="0" y="0"/>
+          <a:ext cx="0" cy="0"/>
+          <a:chOff x="0" y="0"/>
+          <a:chExt cx="0" cy="0"/>
+        </a:xfrm>
+      </p:grpSpPr>
+      <p:sp>
+        <p:nvSpPr>
+          <p:cNvPr id="2" name="1 Başlık"/>
+          <p:cNvSpPr>
+            <a:spLocks noGrp="1"/>
+          </p:cNvSpPr>
+          <p:nvPr>
+            <p:ph type="title"/>
+          </p:nvPr>
+        </p:nvSpPr>
+        <p:spPr/>
+        <p:txBody>
+          <a:bodyPr/>
+          <a:lstStyle/>
+          <a:p>
+            <a:r>
+              <a:rPr lang="tr-TR" dirty="0" err="1" smtClean="0"/>
+              <a:t>Object</a:t>
+            </a:r>
+            <a:r>
+              <a:rPr lang="tr-TR" dirty="0" smtClean="0"/>
+              <a:t> </a:t>
+            </a:r>
+            <a:r>
+              <a:rPr lang="tr-TR" dirty="0" err="1" smtClean="0"/>
+              <a:t>Expressions</a:t>
+            </a:r>
+            <a:endParaRPr lang="tr-TR" dirty="0"/>
+          </a:p>
+        </p:txBody>
+      </p:sp>
+      <p:pic>
+        <p:nvPicPr>
+          <p:cNvPr id="29701" name="Picture 5"/>
+          <p:cNvPicPr>
+            <a:picLocks noChangeAspect="1" noChangeArrowheads="1"/>
+          </p:cNvPicPr>
+          <p:nvPr/>
+        </p:nvPicPr>
+        <p:blipFill>
+          <a:blip r:embed="rId2" cstate="print"/>
+          <a:srcRect/>
+          <a:stretch>
+            <a:fillRect/>
+          </a:stretch>
+        </p:blipFill>
+        <p:spPr bwMode="auto">
+          <a:xfrm>
+            <a:off x="827584" y="1844824"/>
+            <a:ext cx="7267575" cy="4276725"/>
+          </a:xfrm>
+          <a:prstGeom prst="rect">
+            <a:avLst/>
+          </a:prstGeom>
+          <a:ln>
+            <a:headEnd/>
+            <a:tailEnd/>
+          </a:ln>
+        </p:spPr>
+        <p:style>
+          <a:lnRef idx="2">
+            <a:schemeClr val="accent2"/>
+          </a:lnRef>
+          <a:fillRef idx="1">
+            <a:schemeClr val="lt1"/>
+          </a:fillRef>
+          <a:effectRef idx="0">
+            <a:schemeClr val="accent2"/>
+          </a:effectRef>
+          <a:fontRef idx="minor">
+            <a:schemeClr val="dk1"/>
+          </a:fontRef>
+        </p:style>
+      </p:pic>
+    </p:spTree>
+  </p:cSld>
+  <p:clrMapOvr>
+    <a:masterClrMapping/>
+  </p:clrMapOvr>
+</p:sld>
+</file>
+
+<file path=ppt/slides/slide45.xml><?xml version="1.0" encoding="utf-8"?>
+<p:sld xmlns:a="http://schemas.openxmlformats.org/drawingml/2006/main" xmlns:r="http://schemas.openxmlformats.org/officeDocument/2006/relationships" xmlns:p="http://schemas.openxmlformats.org/presentationml/2006/main">
+  <p:cSld>
+    <p:spTree>
+      <p:nvGrpSpPr>
+        <p:cNvPr id="1" name=""/>
+        <p:cNvGrpSpPr/>
+        <p:nvPr/>
+      </p:nvGrpSpPr>
+      <p:grpSpPr>
+        <a:xfrm>
+          <a:off x="0" y="0"/>
+          <a:ext cx="0" cy="0"/>
+          <a:chOff x="0" y="0"/>
+          <a:chExt cx="0" cy="0"/>
+        </a:xfrm>
+      </p:grpSpPr>
+      <p:sp>
+        <p:nvSpPr>
+          <p:cNvPr id="2" name="1 Başlık"/>
+          <p:cNvSpPr>
+            <a:spLocks noGrp="1"/>
+          </p:cNvSpPr>
+          <p:nvPr>
+            <p:ph type="title"/>
+          </p:nvPr>
+        </p:nvSpPr>
+        <p:spPr/>
+        <p:txBody>
+          <a:bodyPr/>
+          <a:lstStyle/>
+          <a:p>
+            <a:r>
+              <a:rPr lang="tr-TR" dirty="0" smtClean="0"/>
+              <a:t>No </a:t>
+            </a:r>
+            <a:r>
+              <a:rPr lang="tr-TR" dirty="0" err="1" smtClean="0"/>
+              <a:t>static</a:t>
+            </a:r>
+            <a:r>
+              <a:rPr lang="tr-TR" dirty="0" smtClean="0"/>
+              <a:t> - </a:t>
+            </a:r>
+            <a:r>
+              <a:rPr lang="tr-TR" dirty="0" err="1" smtClean="0"/>
+              <a:t>Companions</a:t>
+            </a:r>
+            <a:endParaRPr lang="tr-TR" dirty="0"/>
+          </a:p>
+        </p:txBody>
+      </p:sp>
+      <p:pic>
+        <p:nvPicPr>
+          <p:cNvPr id="30722" name="Picture 2"/>
+          <p:cNvPicPr>
+            <a:picLocks noChangeAspect="1" noChangeArrowheads="1"/>
+          </p:cNvPicPr>
+          <p:nvPr/>
+        </p:nvPicPr>
+        <p:blipFill>
+          <a:blip r:embed="rId2" cstate="print"/>
+          <a:srcRect/>
+          <a:stretch>
+            <a:fillRect/>
+          </a:stretch>
+        </p:blipFill>
+        <p:spPr bwMode="auto">
+          <a:xfrm>
+            <a:off x="1763688" y="1916832"/>
+            <a:ext cx="5040560" cy="1817510"/>
+          </a:xfrm>
+          <a:prstGeom prst="rect">
+            <a:avLst/>
+          </a:prstGeom>
+          <a:ln>
+            <a:headEnd/>
+            <a:tailEnd/>
+          </a:ln>
+        </p:spPr>
+        <p:style>
+          <a:lnRef idx="2">
+            <a:schemeClr val="accent2"/>
+          </a:lnRef>
+          <a:fillRef idx="1">
+            <a:schemeClr val="lt1"/>
+          </a:fillRef>
+          <a:effectRef idx="0">
+            <a:schemeClr val="accent2"/>
+          </a:effectRef>
+          <a:fontRef idx="minor">
+            <a:schemeClr val="dk1"/>
+          </a:fontRef>
+        </p:style>
+      </p:pic>
+      <p:pic>
+        <p:nvPicPr>
+          <p:cNvPr id="30723" name="Picture 3"/>
+          <p:cNvPicPr>
+            <a:picLocks noChangeAspect="1" noChangeArrowheads="1"/>
+          </p:cNvPicPr>
+          <p:nvPr/>
+        </p:nvPicPr>
+        <p:blipFill>
+          <a:blip r:embed="rId3" cstate="print"/>
+          <a:srcRect/>
+          <a:stretch>
+            <a:fillRect/>
+          </a:stretch>
+        </p:blipFill>
+        <p:spPr bwMode="auto">
+          <a:xfrm>
+            <a:off x="2555776" y="4221088"/>
+            <a:ext cx="3190875" cy="447675"/>
+          </a:xfrm>
+          <a:prstGeom prst="rect">
+            <a:avLst/>
+          </a:prstGeom>
+          <a:ln>
+            <a:headEnd/>
+            <a:tailEnd/>
+          </a:ln>
+        </p:spPr>
+        <p:style>
+          <a:lnRef idx="2">
+            <a:schemeClr val="accent2"/>
+          </a:lnRef>
+          <a:fillRef idx="1">
+            <a:schemeClr val="lt1"/>
+          </a:fillRef>
+          <a:effectRef idx="0">
+            <a:schemeClr val="accent2"/>
+          </a:effectRef>
+          <a:fontRef idx="minor">
+            <a:schemeClr val="dk1"/>
+          </a:fontRef>
+        </p:style>
+      </p:pic>
+    </p:spTree>
+  </p:cSld>
+  <p:clrMapOvr>
+    <a:masterClrMapping/>
+  </p:clrMapOvr>
+</p:sld>
+</file>
+
+<file path=ppt/slides/slide46.xml><?xml version="1.0" encoding="utf-8"?>
+<p:sld xmlns:a="http://schemas.openxmlformats.org/drawingml/2006/main" xmlns:r="http://schemas.openxmlformats.org/officeDocument/2006/relationships" xmlns:p="http://schemas.openxmlformats.org/presentationml/2006/main">
+  <p:cSld>
+    <p:spTree>
+      <p:nvGrpSpPr>
+        <p:cNvPr id="1" name=""/>
+        <p:cNvGrpSpPr/>
+        <p:nvPr/>
+      </p:nvGrpSpPr>
+      <p:grpSpPr>
+        <a:xfrm>
+          <a:off x="0" y="0"/>
+          <a:ext cx="0" cy="0"/>
+          <a:chOff x="0" y="0"/>
+          <a:chExt cx="0" cy="0"/>
+        </a:xfrm>
+      </p:grpSpPr>
+      <p:sp>
+        <p:nvSpPr>
+          <p:cNvPr id="2" name="1 Başlık"/>
+          <p:cNvSpPr>
+            <a:spLocks noGrp="1"/>
+          </p:cNvSpPr>
+          <p:nvPr>
+            <p:ph type="title"/>
+          </p:nvPr>
+        </p:nvSpPr>
+        <p:spPr/>
+        <p:txBody>
+          <a:bodyPr/>
+          <a:lstStyle/>
+          <a:p>
+            <a:r>
+              <a:rPr lang="tr-TR" dirty="0" smtClean="0"/>
+              <a:t>Java vs </a:t>
+            </a:r>
+            <a:r>
+              <a:rPr lang="tr-TR" dirty="0" err="1" smtClean="0"/>
+              <a:t>Kotlin</a:t>
+            </a:r>
+            <a:endParaRPr lang="tr-TR" dirty="0"/>
+          </a:p>
+        </p:txBody>
+      </p:sp>
+      <p:pic>
+        <p:nvPicPr>
+          <p:cNvPr id="21506" name="Picture 2"/>
+          <p:cNvPicPr>
+            <a:picLocks noChangeAspect="1" noChangeArrowheads="1"/>
+          </p:cNvPicPr>
+          <p:nvPr/>
+        </p:nvPicPr>
+        <p:blipFill>
+          <a:blip r:embed="rId2" cstate="print"/>
+          <a:srcRect/>
+          <a:stretch>
+            <a:fillRect/>
+          </a:stretch>
+        </p:blipFill>
+        <p:spPr bwMode="auto">
+          <a:xfrm>
+            <a:off x="899592" y="1916832"/>
+            <a:ext cx="5904656" cy="1617855"/>
+          </a:xfrm>
+          <a:prstGeom prst="rect">
+            <a:avLst/>
+          </a:prstGeom>
+          <a:ln>
+            <a:headEnd/>
+            <a:tailEnd/>
+          </a:ln>
+        </p:spPr>
+        <p:style>
+          <a:lnRef idx="2">
+            <a:schemeClr val="accent2"/>
+          </a:lnRef>
+          <a:fillRef idx="1">
+            <a:schemeClr val="lt1"/>
+          </a:fillRef>
+          <a:effectRef idx="0">
+            <a:schemeClr val="accent2"/>
+          </a:effectRef>
+          <a:fontRef idx="minor">
+            <a:schemeClr val="dk1"/>
+          </a:fontRef>
+        </p:style>
+      </p:pic>
+      <p:pic>
+        <p:nvPicPr>
+          <p:cNvPr id="21507" name="Picture 3"/>
+          <p:cNvPicPr>
+            <a:picLocks noChangeAspect="1" noChangeArrowheads="1"/>
+          </p:cNvPicPr>
+          <p:nvPr/>
+        </p:nvPicPr>
+        <p:blipFill>
+          <a:blip r:embed="rId3" cstate="print"/>
+          <a:srcRect/>
+          <a:stretch>
+            <a:fillRect/>
+          </a:stretch>
+        </p:blipFill>
+        <p:spPr bwMode="auto">
+          <a:xfrm>
+            <a:off x="899592" y="4005064"/>
+            <a:ext cx="5760640" cy="1745343"/>
+          </a:xfrm>
+          <a:prstGeom prst="rect">
+            <a:avLst/>
+          </a:prstGeom>
+          <a:ln>
+            <a:headEnd/>
+            <a:tailEnd/>
+          </a:ln>
+        </p:spPr>
+        <p:style>
+          <a:lnRef idx="2">
+            <a:schemeClr val="accent6"/>
+          </a:lnRef>
+          <a:fillRef idx="1">
+            <a:schemeClr val="lt1"/>
+          </a:fillRef>
+          <a:effectRef idx="0">
+            <a:schemeClr val="accent6"/>
+          </a:effectRef>
+          <a:fontRef idx="minor">
+            <a:schemeClr val="dk1"/>
+          </a:fontRef>
+        </p:style>
+      </p:pic>
+      <p:sp>
+        <p:nvSpPr>
+          <p:cNvPr id="5" name="4 Metin kutusu"/>
+          <p:cNvSpPr txBox="1"/>
+          <p:nvPr/>
+        </p:nvSpPr>
+        <p:spPr>
+          <a:xfrm>
+            <a:off x="899592" y="1484784"/>
+            <a:ext cx="848309" cy="369332"/>
+          </a:xfrm>
+          <a:prstGeom prst="rect">
+            <a:avLst/>
+          </a:prstGeom>
+          <a:noFill/>
+        </p:spPr>
+        <p:txBody>
+          <a:bodyPr wrap="none" rtlCol="0">
+            <a:spAutoFit/>
+          </a:bodyPr>
+          <a:lstStyle/>
+          <a:p>
+            <a:r>
+              <a:rPr lang="tr-TR" dirty="0" err="1" smtClean="0"/>
+              <a:t>Kotlin</a:t>
+            </a:r>
+            <a:r>
+              <a:rPr lang="tr-TR" dirty="0" smtClean="0"/>
+              <a:t>:</a:t>
+            </a:r>
+            <a:endParaRPr lang="tr-TR" dirty="0"/>
+          </a:p>
+        </p:txBody>
+      </p:sp>
+      <p:sp>
+        <p:nvSpPr>
+          <p:cNvPr id="6" name="5 Metin kutusu"/>
+          <p:cNvSpPr txBox="1"/>
+          <p:nvPr/>
+        </p:nvSpPr>
+        <p:spPr>
+          <a:xfrm>
+            <a:off x="899592" y="3645024"/>
+            <a:ext cx="801823" cy="369332"/>
+          </a:xfrm>
+          <a:prstGeom prst="rect">
+            <a:avLst/>
+          </a:prstGeom>
+          <a:noFill/>
+        </p:spPr>
+        <p:txBody>
+          <a:bodyPr wrap="none" rtlCol="0">
+            <a:spAutoFit/>
+          </a:bodyPr>
+          <a:lstStyle/>
+          <a:p>
+            <a:r>
+              <a:rPr lang="tr-TR" dirty="0" smtClean="0"/>
+              <a:t>Java:</a:t>
+            </a:r>
+            <a:endParaRPr lang="tr-TR" dirty="0"/>
+          </a:p>
+        </p:txBody>
+      </p:sp>
+    </p:spTree>
+  </p:cSld>
+  <p:clrMapOvr>
+    <a:masterClrMapping/>
+  </p:clrMapOvr>
+</p:sld>
+</file>
+
+<file path=ppt/slides/slide47.xml><?xml version="1.0" encoding="utf-8"?>
+<p:sld xmlns:a="http://schemas.openxmlformats.org/drawingml/2006/main" xmlns:r="http://schemas.openxmlformats.org/officeDocument/2006/relationships" xmlns:p="http://schemas.openxmlformats.org/presentationml/2006/main">
+  <p:cSld>
+    <p:spTree>
+      <p:nvGrpSpPr>
+        <p:cNvPr id="1" name=""/>
+        <p:cNvGrpSpPr/>
+        <p:nvPr/>
+      </p:nvGrpSpPr>
+      <p:grpSpPr>
+        <a:xfrm>
+          <a:off x="0" y="0"/>
+          <a:ext cx="0" cy="0"/>
+          <a:chOff x="0" y="0"/>
+          <a:chExt cx="0" cy="0"/>
+        </a:xfrm>
+      </p:grpSpPr>
+      <p:sp>
+        <p:nvSpPr>
+          <p:cNvPr id="2" name="1 Başlık"/>
+          <p:cNvSpPr>
+            <a:spLocks noGrp="1"/>
+          </p:cNvSpPr>
+          <p:nvPr>
+            <p:ph type="title"/>
+          </p:nvPr>
+        </p:nvSpPr>
+        <p:spPr/>
+        <p:txBody>
+          <a:bodyPr/>
+          <a:lstStyle/>
+          <a:p>
+            <a:r>
+              <a:rPr lang="tr-TR" dirty="0" smtClean="0"/>
+              <a:t>Java vs </a:t>
+            </a:r>
+            <a:r>
+              <a:rPr lang="tr-TR" dirty="0" err="1" smtClean="0"/>
+              <a:t>Kotlin</a:t>
+            </a:r>
+            <a:endParaRPr lang="tr-TR" dirty="0"/>
+          </a:p>
+        </p:txBody>
+      </p:sp>
+      <p:sp>
+        <p:nvSpPr>
+          <p:cNvPr id="5" name="4 Metin kutusu"/>
+          <p:cNvSpPr txBox="1"/>
+          <p:nvPr/>
+        </p:nvSpPr>
+        <p:spPr>
+          <a:xfrm>
+            <a:off x="899592" y="1484784"/>
+            <a:ext cx="848309" cy="369332"/>
+          </a:xfrm>
+          <a:prstGeom prst="rect">
+            <a:avLst/>
+          </a:prstGeom>
+          <a:noFill/>
+        </p:spPr>
+        <p:txBody>
+          <a:bodyPr wrap="none" rtlCol="0">
+            <a:spAutoFit/>
+          </a:bodyPr>
+          <a:lstStyle/>
+          <a:p>
+            <a:r>
+              <a:rPr lang="tr-TR" dirty="0" err="1" smtClean="0"/>
+              <a:t>Kotlin</a:t>
+            </a:r>
+            <a:r>
+              <a:rPr lang="tr-TR" dirty="0" smtClean="0"/>
+              <a:t>:</a:t>
+            </a:r>
+            <a:endParaRPr lang="tr-TR" dirty="0"/>
+          </a:p>
+        </p:txBody>
+      </p:sp>
+      <p:sp>
+        <p:nvSpPr>
+          <p:cNvPr id="6" name="5 Metin kutusu"/>
+          <p:cNvSpPr txBox="1"/>
+          <p:nvPr/>
+        </p:nvSpPr>
+        <p:spPr>
+          <a:xfrm>
+            <a:off x="899592" y="3645024"/>
+            <a:ext cx="801823" cy="369332"/>
+          </a:xfrm>
+          <a:prstGeom prst="rect">
+            <a:avLst/>
+          </a:prstGeom>
+          <a:noFill/>
+        </p:spPr>
+        <p:txBody>
+          <a:bodyPr wrap="none" rtlCol="0">
+            <a:spAutoFit/>
+          </a:bodyPr>
+          <a:lstStyle/>
+          <a:p>
+            <a:r>
+              <a:rPr lang="tr-TR" dirty="0" smtClean="0"/>
+              <a:t>Java:</a:t>
+            </a:r>
+            <a:endParaRPr lang="tr-TR" dirty="0"/>
+          </a:p>
+        </p:txBody>
+      </p:sp>
+      <p:pic>
+        <p:nvPicPr>
+          <p:cNvPr id="22530" name="Picture 2"/>
+          <p:cNvPicPr>
+            <a:picLocks noChangeAspect="1" noChangeArrowheads="1"/>
+          </p:cNvPicPr>
+          <p:nvPr/>
+        </p:nvPicPr>
+        <p:blipFill>
+          <a:blip r:embed="rId2" cstate="print"/>
+          <a:srcRect/>
+          <a:stretch>
+            <a:fillRect/>
+          </a:stretch>
+        </p:blipFill>
+        <p:spPr bwMode="auto">
+          <a:xfrm>
+            <a:off x="971600" y="1988840"/>
+            <a:ext cx="7334360" cy="1436365"/>
+          </a:xfrm>
+          <a:prstGeom prst="rect">
+            <a:avLst/>
+          </a:prstGeom>
+          <a:ln>
+            <a:headEnd/>
+            <a:tailEnd/>
+          </a:ln>
+        </p:spPr>
+        <p:style>
+          <a:lnRef idx="2">
+            <a:schemeClr val="accent2"/>
+          </a:lnRef>
+          <a:fillRef idx="1">
+            <a:schemeClr val="lt1"/>
+          </a:fillRef>
+          <a:effectRef idx="0">
+            <a:schemeClr val="accent2"/>
+          </a:effectRef>
+          <a:fontRef idx="minor">
+            <a:schemeClr val="dk1"/>
+          </a:fontRef>
+        </p:style>
+      </p:pic>
+      <p:pic>
+        <p:nvPicPr>
+          <p:cNvPr id="22531" name="Picture 3"/>
+          <p:cNvPicPr>
+            <a:picLocks noChangeAspect="1" noChangeArrowheads="1"/>
+          </p:cNvPicPr>
+          <p:nvPr/>
+        </p:nvPicPr>
+        <p:blipFill>
+          <a:blip r:embed="rId3" cstate="print"/>
+          <a:srcRect/>
+          <a:stretch>
+            <a:fillRect/>
+          </a:stretch>
+        </p:blipFill>
+        <p:spPr bwMode="auto">
+          <a:xfrm>
+            <a:off x="971600" y="4077072"/>
+            <a:ext cx="6890612" cy="2016224"/>
+          </a:xfrm>
+          <a:prstGeom prst="rect">
+            <a:avLst/>
+          </a:prstGeom>
+          <a:ln>
+            <a:headEnd/>
+            <a:tailEnd/>
+          </a:ln>
+        </p:spPr>
+        <p:style>
+          <a:lnRef idx="2">
+            <a:schemeClr val="accent6"/>
+          </a:lnRef>
+          <a:fillRef idx="1">
+            <a:schemeClr val="lt1"/>
+          </a:fillRef>
+          <a:effectRef idx="0">
+            <a:schemeClr val="accent6"/>
+          </a:effectRef>
+          <a:fontRef idx="minor">
+            <a:schemeClr val="dk1"/>
+          </a:fontRef>
+        </p:style>
+      </p:pic>
+    </p:spTree>
+  </p:cSld>
+  <p:clrMapOvr>
+    <a:masterClrMapping/>
+  </p:clrMapOvr>
+</p:sld>
+</file>
+
+<file path=ppt/slides/slide48.xml><?xml version="1.0" encoding="utf-8"?>
+<p:sld xmlns:a="http://schemas.openxmlformats.org/drawingml/2006/main" xmlns:r="http://schemas.openxmlformats.org/officeDocument/2006/relationships" xmlns:p="http://schemas.openxmlformats.org/presentationml/2006/main">
+  <p:cSld>
+    <p:spTree>
+      <p:nvGrpSpPr>
+        <p:cNvPr id="1" name=""/>
+        <p:cNvGrpSpPr/>
+        <p:nvPr/>
+      </p:nvGrpSpPr>
+      <p:grpSpPr>
+        <a:xfrm>
+          <a:off x="0" y="0"/>
+          <a:ext cx="0" cy="0"/>
+          <a:chOff x="0" y="0"/>
+          <a:chExt cx="0" cy="0"/>
+        </a:xfrm>
+      </p:grpSpPr>
+      <p:sp>
+        <p:nvSpPr>
+          <p:cNvPr id="2" name="1 Başlık"/>
+          <p:cNvSpPr>
+            <a:spLocks noGrp="1"/>
+          </p:cNvSpPr>
+          <p:nvPr>
+            <p:ph type="title"/>
+          </p:nvPr>
+        </p:nvSpPr>
+        <p:spPr/>
+        <p:txBody>
+          <a:bodyPr/>
+          <a:lstStyle/>
+          <a:p>
+            <a:r>
+              <a:rPr lang="tr-TR" dirty="0" err="1" smtClean="0"/>
+              <a:t>References</a:t>
+            </a:r>
+            <a:endParaRPr lang="tr-TR" dirty="0"/>
+          </a:p>
+        </p:txBody>
+      </p:sp>
+      <p:sp>
+        <p:nvSpPr>
+          <p:cNvPr id="3" name="2 İçerik Yer Tutucusu"/>
+          <p:cNvSpPr>
+            <a:spLocks noGrp="1"/>
+          </p:cNvSpPr>
+          <p:nvPr>
+            <p:ph idx="1"/>
+          </p:nvPr>
+        </p:nvSpPr>
+        <p:spPr/>
+        <p:txBody>
+          <a:bodyPr/>
+          <a:lstStyle/>
+          <a:p>
+            <a:r>
+              <a:rPr lang="tr-TR" dirty="0" smtClean="0">
+                <a:hlinkClick r:id="rId2"/>
+              </a:rPr>
+              <a:t>https://kotlinlang.org</a:t>
+            </a:r>
+          </a:p>
+          <a:p>
+            <a:r>
+              <a:rPr lang="tr-TR" dirty="0" smtClean="0">
+                <a:hlinkClick r:id="rId2"/>
+              </a:rPr>
+              <a:t>https</a:t>
+            </a:r>
+            <a:r>
+              <a:rPr lang="tr-TR" dirty="0" smtClean="0">
+                <a:hlinkClick r:id="rId2"/>
+              </a:rPr>
+              <a:t>://</a:t>
+            </a:r>
+            <a:r>
+              <a:rPr lang="tr-TR" dirty="0" smtClean="0">
+                <a:hlinkClick r:id="rId2"/>
+              </a:rPr>
+              <a:t>try.kotlinlang.org</a:t>
+            </a:r>
+            <a:endParaRPr lang="tr-TR" dirty="0" smtClean="0"/>
+          </a:p>
+          <a:p>
+            <a:r>
+              <a:rPr lang="tr-TR" dirty="0" smtClean="0">
+                <a:hlinkClick r:id="rId3"/>
+              </a:rPr>
+              <a:t>https://</a:t>
+            </a:r>
+            <a:r>
+              <a:rPr lang="tr-TR" dirty="0" smtClean="0">
+                <a:hlinkClick r:id="rId3"/>
+              </a:rPr>
+              <a:t>developer.android.com/samples/index.html?language=kotlin</a:t>
+            </a:r>
+            <a:endParaRPr lang="tr-TR" dirty="0" smtClean="0"/>
+          </a:p>
+          <a:p>
+            <a:r>
+              <a:rPr lang="tr-TR" dirty="0" smtClean="0">
+                <a:hlinkClick r:id="rId4"/>
+              </a:rPr>
+              <a:t>https://</a:t>
+            </a:r>
+            <a:r>
+              <a:rPr lang="tr-TR" dirty="0" smtClean="0">
+                <a:hlinkClick r:id="rId4"/>
+              </a:rPr>
+              <a:t>developer.android.com/kotlin/resources.html</a:t>
+            </a:r>
+            <a:endParaRPr lang="tr-TR" dirty="0" smtClean="0"/>
+          </a:p>
+          <a:p>
+            <a:endParaRPr lang="tr-TR" dirty="0" smtClean="0"/>
+          </a:p>
+          <a:p>
+            <a:endParaRPr lang="tr-TR" dirty="0"/>
+          </a:p>
+        </p:txBody>
+      </p:sp>
+    </p:spTree>
+  </p:cSld>
+  <p:clrMapOvr>
+    <a:masterClrMapping/>
+  </p:clrMapOvr>
+</p:sld>
+</file>
+
+<file path=ppt/slides/slide49.xml><?xml version="1.0" encoding="utf-8"?>
+<p:sld xmlns:a="http://schemas.openxmlformats.org/drawingml/2006/main" xmlns:r="http://schemas.openxmlformats.org/officeDocument/2006/relationships" xmlns:p="http://schemas.openxmlformats.org/presentationml/2006/main">
+  <p:cSld>
+    <p:spTree>
+      <p:nvGrpSpPr>
+        <p:cNvPr id="1" name=""/>
+        <p:cNvGrpSpPr/>
+        <p:nvPr/>
+      </p:nvGrpSpPr>
+      <p:grpSpPr>
+        <a:xfrm>
+          <a:off x="0" y="0"/>
+          <a:ext cx="0" cy="0"/>
+          <a:chOff x="0" y="0"/>
+          <a:chExt cx="0" cy="0"/>
+        </a:xfrm>
+      </p:grpSpPr>
+      <p:sp>
+        <p:nvSpPr>
+          <p:cNvPr id="2" name="1 Başlık"/>
+          <p:cNvSpPr>
+            <a:spLocks noGrp="1"/>
+          </p:cNvSpPr>
+          <p:nvPr>
             <p:ph type="ctrTitle"/>
           </p:nvPr>
         </p:nvSpPr>
@@ -10438,6 +11718,102 @@
           </a:p>
         </p:txBody>
       </p:sp>
+      <p:pic>
+        <p:nvPicPr>
+          <p:cNvPr id="23554" name="Picture 2"/>
+          <p:cNvPicPr>
+            <a:picLocks noChangeAspect="1" noChangeArrowheads="1"/>
+          </p:cNvPicPr>
+          <p:nvPr/>
+        </p:nvPicPr>
+        <p:blipFill>
+          <a:blip r:embed="rId2" cstate="print"/>
+          <a:srcRect/>
+          <a:stretch>
+            <a:fillRect/>
+          </a:stretch>
+        </p:blipFill>
+        <p:spPr bwMode="auto">
+          <a:xfrm>
+            <a:off x="179512" y="2924944"/>
+            <a:ext cx="3600400" cy="3600400"/>
+          </a:xfrm>
+          <a:prstGeom prst="rect">
+            <a:avLst/>
+          </a:prstGeom>
+          <a:noFill/>
+          <a:ln w="9525">
+            <a:noFill/>
+            <a:miter lim="800000"/>
+            <a:headEnd/>
+            <a:tailEnd/>
+          </a:ln>
+        </p:spPr>
+      </p:pic>
+      <p:pic>
+        <p:nvPicPr>
+          <p:cNvPr id="23555" name="Picture 3"/>
+          <p:cNvPicPr>
+            <a:picLocks noChangeAspect="1" noChangeArrowheads="1"/>
+          </p:cNvPicPr>
+          <p:nvPr/>
+        </p:nvPicPr>
+        <p:blipFill>
+          <a:blip r:embed="rId2" cstate="print"/>
+          <a:srcRect/>
+          <a:stretch>
+            <a:fillRect/>
+          </a:stretch>
+        </p:blipFill>
+        <p:spPr bwMode="auto">
+          <a:xfrm>
+            <a:off x="4067944" y="4581128"/>
+            <a:ext cx="1905000" cy="1905000"/>
+          </a:xfrm>
+          <a:prstGeom prst="rect">
+            <a:avLst/>
+          </a:prstGeom>
+          <a:noFill/>
+          <a:ln w="9525">
+            <a:noFill/>
+            <a:miter lim="800000"/>
+            <a:headEnd/>
+            <a:tailEnd/>
+          </a:ln>
+        </p:spPr>
+      </p:pic>
+      <p:pic>
+        <p:nvPicPr>
+          <p:cNvPr id="23556" name="Picture 4"/>
+          <p:cNvPicPr>
+            <a:picLocks noChangeAspect="1" noChangeArrowheads="1"/>
+          </p:cNvPicPr>
+          <p:nvPr/>
+        </p:nvPicPr>
+        <p:blipFill>
+          <a:blip r:embed="rId2" cstate="print"/>
+          <a:srcRect/>
+          <a:stretch>
+            <a:fillRect/>
+          </a:stretch>
+        </p:blipFill>
+        <p:spPr bwMode="auto">
+          <a:xfrm>
+            <a:off x="179512" y="1340768"/>
+            <a:ext cx="1296144" cy="1296144"/>
+          </a:xfrm>
+          <a:prstGeom prst="rect">
+            <a:avLst/>
+          </a:prstGeom>
+          <a:noFill/>
+          <a:ln w="9525">
+            <a:noFill/>
+            <a:miter lim="800000"/>
+            <a:headEnd/>
+            <a:tailEnd/>
+          </a:ln>
+        </p:spPr>
+      </p:pic>
     </p:spTree>
   </p:cSld>
   <p:clrMapOvr>
@@ -10866,7 +12242,7 @@
         </p:blipFill>
         <p:spPr bwMode="auto">
           <a:xfrm>
-            <a:off x="539551" y="1484784"/>
+            <a:off x="251520" y="1916832"/>
             <a:ext cx="8450888" cy="2448272"/>
           </a:xfrm>
           <a:prstGeom prst="rect">
@@ -10909,7 +12285,7 @@
         </p:blipFill>
         <p:spPr bwMode="auto">
           <a:xfrm>
-            <a:off x="539552" y="4293096"/>
+            <a:off x="2915816" y="3933056"/>
             <a:ext cx="5616624" cy="936104"/>
           </a:xfrm>
           <a:prstGeom prst="rect">
@@ -11059,7 +12435,7 @@
       </p:pic>
       <p:pic>
         <p:nvPicPr>
-          <p:cNvPr id="3075" name="Picture 3"/>
+          <p:cNvPr id="3077" name="Picture 5"/>
           <p:cNvPicPr>
             <a:picLocks noChangeAspect="1" noChangeArrowheads="1"/>
           </p:cNvPicPr>
@@ -11074,8 +12450,8 @@
         </p:blipFill>
         <p:spPr bwMode="auto">
           <a:xfrm>
-            <a:off x="611560" y="5373216"/>
-            <a:ext cx="4486275" cy="685800"/>
+            <a:off x="611560" y="3501008"/>
+            <a:ext cx="6238875" cy="1790700"/>
           </a:xfrm>
           <a:prstGeom prst="rect">
             <a:avLst/>
@@ -11102,7 +12478,7 @@
       </p:pic>
       <p:pic>
         <p:nvPicPr>
-          <p:cNvPr id="3077" name="Picture 5"/>
+          <p:cNvPr id="3075" name="Picture 3"/>
           <p:cNvPicPr>
             <a:picLocks noChangeAspect="1" noChangeArrowheads="1"/>
           </p:cNvPicPr>
@@ -11117,8 +12493,8 @@
         </p:blipFill>
         <p:spPr bwMode="auto">
           <a:xfrm>
-            <a:off x="611560" y="3501008"/>
-            <a:ext cx="6238875" cy="1790700"/>
+            <a:off x="2123728" y="5085184"/>
+            <a:ext cx="4486275" cy="685800"/>
           </a:xfrm>
           <a:prstGeom prst="rect">
             <a:avLst/>
@@ -11231,8 +12607,8 @@
         </p:blipFill>
         <p:spPr bwMode="auto">
           <a:xfrm>
-            <a:off x="539552" y="1916832"/>
-            <a:ext cx="6477000" cy="3095625"/>
+            <a:off x="323528" y="1556792"/>
+            <a:ext cx="8134292" cy="3887713"/>
           </a:xfrm>
           <a:prstGeom prst="rect">
             <a:avLst/>
@@ -11274,7 +12650,7 @@
         </p:blipFill>
         <p:spPr bwMode="auto">
           <a:xfrm>
-            <a:off x="539552" y="5085184"/>
+            <a:off x="3563888" y="5157192"/>
             <a:ext cx="4667250" cy="657225"/>
           </a:xfrm>
           <a:prstGeom prst="rect">

--- a/Kotlin Programlamaya Giriş.pptx
+++ b/Kotlin Programlamaya Giriş.pptx
@@ -375,7 +375,7 @@
             <a:fld id="{D713B1D4-35F6-4D8C-A287-36450C791426}" type="datetimeFigureOut">
               <a:rPr lang="tr-TR" smtClean="0"/>
               <a:pPr/>
-              <a:t>7.12.2017</a:t>
+              <a:t>8.12.2017</a:t>
             </a:fld>
             <a:endParaRPr lang="tr-TR"/>
           </a:p>
@@ -564,7 +564,7 @@
             <a:fld id="{D713B1D4-35F6-4D8C-A287-36450C791426}" type="datetimeFigureOut">
               <a:rPr lang="tr-TR" smtClean="0"/>
               <a:pPr/>
-              <a:t>7.12.2017</a:t>
+              <a:t>8.12.2017</a:t>
             </a:fld>
             <a:endParaRPr lang="tr-TR"/>
           </a:p>
@@ -741,7 +741,7 @@
             <a:fld id="{D713B1D4-35F6-4D8C-A287-36450C791426}" type="datetimeFigureOut">
               <a:rPr lang="tr-TR" smtClean="0"/>
               <a:pPr/>
-              <a:t>7.12.2017</a:t>
+              <a:t>8.12.2017</a:t>
             </a:fld>
             <a:endParaRPr lang="tr-TR"/>
           </a:p>
@@ -923,7 +923,7 @@
             <a:fld id="{D713B1D4-35F6-4D8C-A287-36450C791426}" type="datetimeFigureOut">
               <a:rPr lang="tr-TR" smtClean="0"/>
               <a:pPr/>
-              <a:t>7.12.2017</a:t>
+              <a:t>8.12.2017</a:t>
             </a:fld>
             <a:endParaRPr lang="tr-TR"/>
           </a:p>
@@ -1172,7 +1172,7 @@
             <a:fld id="{D713B1D4-35F6-4D8C-A287-36450C791426}" type="datetimeFigureOut">
               <a:rPr lang="tr-TR" smtClean="0"/>
               <a:pPr/>
-              <a:t>7.12.2017</a:t>
+              <a:t>8.12.2017</a:t>
             </a:fld>
             <a:endParaRPr lang="tr-TR"/>
           </a:p>
@@ -1648,7 +1648,7 @@
             <a:fld id="{D713B1D4-35F6-4D8C-A287-36450C791426}" type="datetimeFigureOut">
               <a:rPr lang="tr-TR" smtClean="0"/>
               <a:pPr/>
-              <a:t>7.12.2017</a:t>
+              <a:t>8.12.2017</a:t>
             </a:fld>
             <a:endParaRPr lang="tr-TR"/>
           </a:p>
@@ -2065,7 +2065,7 @@
             <a:fld id="{D713B1D4-35F6-4D8C-A287-36450C791426}" type="datetimeFigureOut">
               <a:rPr lang="tr-TR" smtClean="0"/>
               <a:pPr/>
-              <a:t>7.12.2017</a:t>
+              <a:t>8.12.2017</a:t>
             </a:fld>
             <a:endParaRPr lang="tr-TR"/>
           </a:p>
@@ -2198,7 +2198,7 @@
             <a:fld id="{D713B1D4-35F6-4D8C-A287-36450C791426}" type="datetimeFigureOut">
               <a:rPr lang="tr-TR" smtClean="0"/>
               <a:pPr/>
-              <a:t>7.12.2017</a:t>
+              <a:t>8.12.2017</a:t>
             </a:fld>
             <a:endParaRPr lang="tr-TR"/>
           </a:p>
@@ -2295,7 +2295,7 @@
             <a:fld id="{D713B1D4-35F6-4D8C-A287-36450C791426}" type="datetimeFigureOut">
               <a:rPr lang="tr-TR" smtClean="0"/>
               <a:pPr/>
-              <a:t>7.12.2017</a:t>
+              <a:t>8.12.2017</a:t>
             </a:fld>
             <a:endParaRPr lang="tr-TR"/>
           </a:p>
@@ -2575,7 +2575,7 @@
             <a:fld id="{D713B1D4-35F6-4D8C-A287-36450C791426}" type="datetimeFigureOut">
               <a:rPr lang="tr-TR" smtClean="0"/>
               <a:pPr/>
-              <a:t>7.12.2017</a:t>
+              <a:t>8.12.2017</a:t>
             </a:fld>
             <a:endParaRPr lang="tr-TR"/>
           </a:p>
@@ -2829,7 +2829,7 @@
             <a:fld id="{D713B1D4-35F6-4D8C-A287-36450C791426}" type="datetimeFigureOut">
               <a:rPr lang="tr-TR" smtClean="0"/>
               <a:pPr/>
-              <a:t>7.12.2017</a:t>
+              <a:t>8.12.2017</a:t>
             </a:fld>
             <a:endParaRPr lang="tr-TR"/>
           </a:p>
@@ -3203,7 +3203,7 @@
             <a:fld id="{D713B1D4-35F6-4D8C-A287-36450C791426}" type="datetimeFigureOut">
               <a:rPr lang="tr-TR" smtClean="0"/>
               <a:pPr/>
-              <a:t>7.12.2017</a:t>
+              <a:t>8.12.2017</a:t>
             </a:fld>
             <a:endParaRPr lang="tr-TR"/>
           </a:p>
@@ -3847,7 +3847,7 @@
           </a:ln>
           <a:extLst>
             <a:ext uri="{C572A759-6A51-4108-AA02-DFA0A04FC94B}">
-              <ma14:wrappingTextBoxFlag xmlns:ma14="http://schemas.microsoft.com/office/mac/drawingml/2011/main" xmlns="" val="1"/>
+              <ma14:wrappingTextBoxFlag xmlns="" xmlns:ma14="http://schemas.microsoft.com/office/mac/drawingml/2011/main" val="1"/>
             </a:ext>
           </a:extLst>
         </p:spPr>
@@ -3952,11 +3952,7 @@
             </a:r>
             <a:r>
               <a:rPr lang="tr-TR" dirty="0" smtClean="0"/>
-              <a:t> </a:t>
-            </a:r>
-            <a:r>
-              <a:rPr lang="tr-TR" dirty="0" smtClean="0"/>
-              <a:t>(</a:t>
+              <a:t> (</a:t>
             </a:r>
             <a:r>
               <a:rPr lang="tr-TR" dirty="0" err="1" smtClean="0"/>
@@ -4778,11 +4774,7 @@
             </a:r>
             <a:r>
               <a:rPr lang="tr-TR" dirty="0" err="1" smtClean="0"/>
-              <a:t>S</a:t>
-            </a:r>
-            <a:r>
-              <a:rPr lang="tr-TR" dirty="0" err="1" smtClean="0"/>
-              <a:t>witch</a:t>
+              <a:t>Switch</a:t>
             </a:r>
             <a:r>
               <a:rPr lang="tr-TR" dirty="0" smtClean="0"/>
@@ -8525,11 +8517,7 @@
           <a:p>
             <a:r>
               <a:rPr lang="en-US" dirty="0" smtClean="0"/>
-              <a:t>Builder-style usage of methods that return </a:t>
-            </a:r>
-            <a:r>
-              <a:rPr lang="en-US" dirty="0" smtClean="0"/>
-              <a:t>Unit</a:t>
+              <a:t>Builder-style usage of methods that return Unit</a:t>
             </a:r>
             <a:endParaRPr lang="tr-TR" dirty="0"/>
           </a:p>
@@ -10114,11 +10102,7 @@
           <a:p>
             <a:r>
               <a:rPr lang="tr-TR" dirty="0" smtClean="0"/>
-              <a:t>JDK </a:t>
-            </a:r>
-            <a:r>
-              <a:rPr lang="tr-TR" dirty="0" smtClean="0"/>
-              <a:t>6 </a:t>
+              <a:t>JDK 6 </a:t>
             </a:r>
             <a:r>
               <a:rPr lang="tr-TR" dirty="0" err="1" smtClean="0"/>
@@ -11555,19 +11539,7 @@
               <a:rPr lang="tr-TR" dirty="0" smtClean="0">
                 <a:hlinkClick r:id="rId2"/>
               </a:rPr>
-              <a:t>https</a:t>
-            </a:r>
-            <a:r>
-              <a:rPr lang="tr-TR" dirty="0" smtClean="0">
-                <a:hlinkClick r:id="rId2"/>
-              </a:rPr>
-              <a:t>://</a:t>
-            </a:r>
-            <a:r>
-              <a:rPr lang="tr-TR" dirty="0" smtClean="0">
-                <a:hlinkClick r:id="rId2"/>
-              </a:rPr>
-              <a:t>try.kotlinlang.org</a:t>
+              <a:t>https://try.kotlinlang.org</a:t>
             </a:r>
             <a:endParaRPr lang="tr-TR" dirty="0" smtClean="0"/>
           </a:p>
@@ -11576,13 +11548,7 @@
               <a:rPr lang="tr-TR" dirty="0" smtClean="0">
                 <a:hlinkClick r:id="rId3"/>
               </a:rPr>
-              <a:t>https://</a:t>
-            </a:r>
-            <a:r>
-              <a:rPr lang="tr-TR" dirty="0" smtClean="0">
-                <a:hlinkClick r:id="rId3"/>
-              </a:rPr>
-              <a:t>developer.android.com/samples/index.html?language=kotlin</a:t>
+              <a:t>https://developer.android.com/samples/index.html?language=kotlin</a:t>
             </a:r>
             <a:endParaRPr lang="tr-TR" dirty="0" smtClean="0"/>
           </a:p>
@@ -11591,13 +11557,7 @@
               <a:rPr lang="tr-TR" dirty="0" smtClean="0">
                 <a:hlinkClick r:id="rId4"/>
               </a:rPr>
-              <a:t>https://</a:t>
-            </a:r>
-            <a:r>
-              <a:rPr lang="tr-TR" dirty="0" smtClean="0">
-                <a:hlinkClick r:id="rId4"/>
-              </a:rPr>
-              <a:t>developer.android.com/kotlin/resources.html</a:t>
+              <a:t>https://developer.android.com/kotlin/resources.html</a:t>
             </a:r>
             <a:endParaRPr lang="tr-TR" dirty="0" smtClean="0"/>
           </a:p>
@@ -11720,7 +11680,7 @@
       </p:sp>
       <p:pic>
         <p:nvPicPr>
-          <p:cNvPr id="23554" name="Picture 2"/>
+          <p:cNvPr id="1029" name="Picture 5"/>
           <p:cNvPicPr>
             <a:picLocks noChangeAspect="1" noChangeArrowheads="1"/>
           </p:cNvPicPr>
@@ -11735,8 +11695,8 @@
         </p:blipFill>
         <p:spPr bwMode="auto">
           <a:xfrm>
-            <a:off x="179512" y="2924944"/>
-            <a:ext cx="3600400" cy="3600400"/>
+            <a:off x="3995936" y="4509120"/>
+            <a:ext cx="1905000" cy="1905000"/>
           </a:xfrm>
           <a:prstGeom prst="rect">
             <a:avLst/>
@@ -11752,7 +11712,7 @@
       </p:pic>
       <p:pic>
         <p:nvPicPr>
-          <p:cNvPr id="23555" name="Picture 3"/>
+          <p:cNvPr id="1030" name="Picture 6"/>
           <p:cNvPicPr>
             <a:picLocks noChangeAspect="1" noChangeArrowheads="1"/>
           </p:cNvPicPr>
@@ -11767,8 +11727,8 @@
         </p:blipFill>
         <p:spPr bwMode="auto">
           <a:xfrm>
-            <a:off x="4067944" y="4581128"/>
-            <a:ext cx="1905000" cy="1905000"/>
+            <a:off x="395536" y="1628800"/>
+            <a:ext cx="1328936" cy="1328936"/>
           </a:xfrm>
           <a:prstGeom prst="rect">
             <a:avLst/>
@@ -11784,7 +11744,7 @@
       </p:pic>
       <p:pic>
         <p:nvPicPr>
-          <p:cNvPr id="23556" name="Picture 4"/>
+          <p:cNvPr id="1031" name="Picture 7"/>
           <p:cNvPicPr>
             <a:picLocks noChangeAspect="1" noChangeArrowheads="1"/>
           </p:cNvPicPr>
@@ -11799,8 +11759,8 @@
         </p:blipFill>
         <p:spPr bwMode="auto">
           <a:xfrm>
-            <a:off x="179512" y="1340768"/>
-            <a:ext cx="1296144" cy="1296144"/>
+            <a:off x="395536" y="3101752"/>
+            <a:ext cx="3312368" cy="3312368"/>
           </a:xfrm>
           <a:prstGeom prst="rect">
             <a:avLst/>

--- a/Kotlin Programlamaya Giriş.pptx
+++ b/Kotlin Programlamaya Giriş.pptx
@@ -1,9 +1,12 @@
 
 <file path=ppt/presentation.xml><?xml version="1.0" encoding="utf-8"?>
-<p:presentation xmlns:a="http://schemas.openxmlformats.org/drawingml/2006/main" xmlns:r="http://schemas.openxmlformats.org/officeDocument/2006/relationships" xmlns:p="http://schemas.openxmlformats.org/presentationml/2006/main" saveSubsetFonts="1">
+<p:presentation xmlns:a="http://schemas.openxmlformats.org/drawingml/2006/main" xmlns:r="http://schemas.openxmlformats.org/officeDocument/2006/relationships" xmlns:p="http://schemas.openxmlformats.org/presentationml/2006/main" showSpecialPlsOnTitleSld="0" saveSubsetFonts="1">
   <p:sldMasterIdLst>
     <p:sldMasterId id="2147483696" r:id="rId1"/>
   </p:sldMasterIdLst>
+  <p:notesMasterIdLst>
+    <p:notesMasterId r:id="rId51"/>
+  </p:notesMasterIdLst>
   <p:sldIdLst>
     <p:sldId id="256" r:id="rId2"/>
     <p:sldId id="263" r:id="rId3"/>
@@ -155,6 +158,434 @@
 </p:presentation>
 </file>
 
+<file path=ppt/notesMasters/notesMaster1.xml><?xml version="1.0" encoding="utf-8"?>
+<p:notesMaster xmlns:a="http://schemas.openxmlformats.org/drawingml/2006/main" xmlns:r="http://schemas.openxmlformats.org/officeDocument/2006/relationships" xmlns:p="http://schemas.openxmlformats.org/presentationml/2006/main">
+  <p:cSld>
+    <p:bg>
+      <p:bgRef idx="1001">
+        <a:schemeClr val="bg1"/>
+      </p:bgRef>
+    </p:bg>
+    <p:spTree>
+      <p:nvGrpSpPr>
+        <p:cNvPr id="1" name=""/>
+        <p:cNvGrpSpPr/>
+        <p:nvPr/>
+      </p:nvGrpSpPr>
+      <p:grpSpPr>
+        <a:xfrm>
+          <a:off x="0" y="0"/>
+          <a:ext cx="0" cy="0"/>
+          <a:chOff x="0" y="0"/>
+          <a:chExt cx="0" cy="0"/>
+        </a:xfrm>
+      </p:grpSpPr>
+      <p:sp>
+        <p:nvSpPr>
+          <p:cNvPr id="2" name="1 Üstbilgi Yer Tutucusu"/>
+          <p:cNvSpPr>
+            <a:spLocks noGrp="1"/>
+          </p:cNvSpPr>
+          <p:nvPr>
+            <p:ph type="hdr" sz="quarter"/>
+          </p:nvPr>
+        </p:nvSpPr>
+        <p:spPr>
+          <a:xfrm>
+            <a:off x="0" y="0"/>
+            <a:ext cx="2971800" cy="457200"/>
+          </a:xfrm>
+          <a:prstGeom prst="rect">
+            <a:avLst/>
+          </a:prstGeom>
+        </p:spPr>
+        <p:txBody>
+          <a:bodyPr vert="horz" lIns="91440" tIns="45720" rIns="91440" bIns="45720" rtlCol="0"/>
+          <a:lstStyle>
+            <a:lvl1pPr algn="l">
+              <a:defRPr sz="1200"/>
+            </a:lvl1pPr>
+          </a:lstStyle>
+          <a:p>
+            <a:endParaRPr lang="tr-TR"/>
+          </a:p>
+        </p:txBody>
+      </p:sp>
+      <p:sp>
+        <p:nvSpPr>
+          <p:cNvPr id="3" name="2 Veri Yer Tutucusu"/>
+          <p:cNvSpPr>
+            <a:spLocks noGrp="1"/>
+          </p:cNvSpPr>
+          <p:nvPr>
+            <p:ph type="dt" idx="1"/>
+          </p:nvPr>
+        </p:nvSpPr>
+        <p:spPr>
+          <a:xfrm>
+            <a:off x="3884613" y="0"/>
+            <a:ext cx="2971800" cy="457200"/>
+          </a:xfrm>
+          <a:prstGeom prst="rect">
+            <a:avLst/>
+          </a:prstGeom>
+        </p:spPr>
+        <p:txBody>
+          <a:bodyPr vert="horz" lIns="91440" tIns="45720" rIns="91440" bIns="45720" rtlCol="0"/>
+          <a:lstStyle>
+            <a:lvl1pPr algn="r">
+              <a:defRPr sz="1200"/>
+            </a:lvl1pPr>
+          </a:lstStyle>
+          <a:p>
+            <a:fld id="{51DB7B13-BBE0-4814-8156-49820FFAE716}" type="datetimeFigureOut">
+              <a:rPr lang="tr-TR" smtClean="0"/>
+              <a:t>8.12.2017</a:t>
+            </a:fld>
+            <a:endParaRPr lang="tr-TR"/>
+          </a:p>
+        </p:txBody>
+      </p:sp>
+      <p:sp>
+        <p:nvSpPr>
+          <p:cNvPr id="4" name="3 Slayt Görüntüsü Yer Tutucusu"/>
+          <p:cNvSpPr>
+            <a:spLocks noGrp="1" noRot="1" noChangeAspect="1"/>
+          </p:cNvSpPr>
+          <p:nvPr>
+            <p:ph type="sldImg" idx="2"/>
+          </p:nvPr>
+        </p:nvSpPr>
+        <p:spPr>
+          <a:xfrm>
+            <a:off x="1143000" y="685800"/>
+            <a:ext cx="4572000" cy="3429000"/>
+          </a:xfrm>
+          <a:prstGeom prst="rect">
+            <a:avLst/>
+          </a:prstGeom>
+          <a:noFill/>
+          <a:ln w="12700">
+            <a:solidFill>
+              <a:prstClr val="black"/>
+            </a:solidFill>
+          </a:ln>
+        </p:spPr>
+        <p:txBody>
+          <a:bodyPr vert="horz" lIns="91440" tIns="45720" rIns="91440" bIns="45720" rtlCol="0" anchor="ctr"/>
+          <a:lstStyle/>
+          <a:p>
+            <a:endParaRPr lang="tr-TR"/>
+          </a:p>
+        </p:txBody>
+      </p:sp>
+      <p:sp>
+        <p:nvSpPr>
+          <p:cNvPr id="5" name="4 Not Yer Tutucusu"/>
+          <p:cNvSpPr>
+            <a:spLocks noGrp="1"/>
+          </p:cNvSpPr>
+          <p:nvPr>
+            <p:ph type="body" sz="quarter" idx="3"/>
+          </p:nvPr>
+        </p:nvSpPr>
+        <p:spPr>
+          <a:xfrm>
+            <a:off x="685800" y="4343400"/>
+            <a:ext cx="5486400" cy="4114800"/>
+          </a:xfrm>
+          <a:prstGeom prst="rect">
+            <a:avLst/>
+          </a:prstGeom>
+        </p:spPr>
+        <p:txBody>
+          <a:bodyPr vert="horz" lIns="91440" tIns="45720" rIns="91440" bIns="45720" rtlCol="0">
+            <a:normAutofit/>
+          </a:bodyPr>
+          <a:lstStyle/>
+          <a:p>
+            <a:pPr lvl="0"/>
+            <a:r>
+              <a:rPr lang="tr-TR" smtClean="0"/>
+              <a:t>Asıl metin stillerini düzenlemek için tıklatın</a:t>
+            </a:r>
+          </a:p>
+          <a:p>
+            <a:pPr lvl="1"/>
+            <a:r>
+              <a:rPr lang="tr-TR" smtClean="0"/>
+              <a:t>İkinci düzey</a:t>
+            </a:r>
+          </a:p>
+          <a:p>
+            <a:pPr lvl="2"/>
+            <a:r>
+              <a:rPr lang="tr-TR" smtClean="0"/>
+              <a:t>Üçüncü düzey</a:t>
+            </a:r>
+          </a:p>
+          <a:p>
+            <a:pPr lvl="3"/>
+            <a:r>
+              <a:rPr lang="tr-TR" smtClean="0"/>
+              <a:t>Dördüncü düzey</a:t>
+            </a:r>
+          </a:p>
+          <a:p>
+            <a:pPr lvl="4"/>
+            <a:r>
+              <a:rPr lang="tr-TR" smtClean="0"/>
+              <a:t>Beşinci düzey</a:t>
+            </a:r>
+            <a:endParaRPr lang="tr-TR"/>
+          </a:p>
+        </p:txBody>
+      </p:sp>
+      <p:sp>
+        <p:nvSpPr>
+          <p:cNvPr id="6" name="5 Altbilgi Yer Tutucusu"/>
+          <p:cNvSpPr>
+            <a:spLocks noGrp="1"/>
+          </p:cNvSpPr>
+          <p:nvPr>
+            <p:ph type="ftr" sz="quarter" idx="4"/>
+          </p:nvPr>
+        </p:nvSpPr>
+        <p:spPr>
+          <a:xfrm>
+            <a:off x="0" y="8685213"/>
+            <a:ext cx="2971800" cy="457200"/>
+          </a:xfrm>
+          <a:prstGeom prst="rect">
+            <a:avLst/>
+          </a:prstGeom>
+        </p:spPr>
+        <p:txBody>
+          <a:bodyPr vert="horz" lIns="91440" tIns="45720" rIns="91440" bIns="45720" rtlCol="0" anchor="b"/>
+          <a:lstStyle>
+            <a:lvl1pPr algn="l">
+              <a:defRPr sz="1200"/>
+            </a:lvl1pPr>
+          </a:lstStyle>
+          <a:p>
+            <a:endParaRPr lang="tr-TR"/>
+          </a:p>
+        </p:txBody>
+      </p:sp>
+      <p:sp>
+        <p:nvSpPr>
+          <p:cNvPr id="7" name="6 Slayt Numarası Yer Tutucusu"/>
+          <p:cNvSpPr>
+            <a:spLocks noGrp="1"/>
+          </p:cNvSpPr>
+          <p:nvPr>
+            <p:ph type="sldNum" sz="quarter" idx="5"/>
+          </p:nvPr>
+        </p:nvSpPr>
+        <p:spPr>
+          <a:xfrm>
+            <a:off x="3884613" y="8685213"/>
+            <a:ext cx="2971800" cy="457200"/>
+          </a:xfrm>
+          <a:prstGeom prst="rect">
+            <a:avLst/>
+          </a:prstGeom>
+        </p:spPr>
+        <p:txBody>
+          <a:bodyPr vert="horz" lIns="91440" tIns="45720" rIns="91440" bIns="45720" rtlCol="0" anchor="b"/>
+          <a:lstStyle>
+            <a:lvl1pPr algn="r">
+              <a:defRPr sz="1200"/>
+            </a:lvl1pPr>
+          </a:lstStyle>
+          <a:p>
+            <a:fld id="{BF2A837B-F517-4745-89C3-C7A456FE7A2E}" type="slidenum">
+              <a:rPr lang="tr-TR" smtClean="0"/>
+              <a:t>‹#›</a:t>
+            </a:fld>
+            <a:endParaRPr lang="tr-TR"/>
+          </a:p>
+        </p:txBody>
+      </p:sp>
+    </p:spTree>
+  </p:cSld>
+  <p:clrMap bg1="lt1" tx1="dk1" bg2="lt2" tx2="dk2" accent1="accent1" accent2="accent2" accent3="accent3" accent4="accent4" accent5="accent5" accent6="accent6" hlink="hlink" folHlink="folHlink"/>
+  <p:notesStyle>
+    <a:lvl1pPr marL="0" algn="l" defTabSz="914400" rtl="0" eaLnBrk="1" latinLnBrk="0" hangingPunct="1">
+      <a:defRPr sz="1200" kern="1200">
+        <a:solidFill>
+          <a:schemeClr val="tx1"/>
+        </a:solidFill>
+        <a:latin typeface="+mn-lt"/>
+        <a:ea typeface="+mn-ea"/>
+        <a:cs typeface="+mn-cs"/>
+      </a:defRPr>
+    </a:lvl1pPr>
+    <a:lvl2pPr marL="457200" algn="l" defTabSz="914400" rtl="0" eaLnBrk="1" latinLnBrk="0" hangingPunct="1">
+      <a:defRPr sz="1200" kern="1200">
+        <a:solidFill>
+          <a:schemeClr val="tx1"/>
+        </a:solidFill>
+        <a:latin typeface="+mn-lt"/>
+        <a:ea typeface="+mn-ea"/>
+        <a:cs typeface="+mn-cs"/>
+      </a:defRPr>
+    </a:lvl2pPr>
+    <a:lvl3pPr marL="914400" algn="l" defTabSz="914400" rtl="0" eaLnBrk="1" latinLnBrk="0" hangingPunct="1">
+      <a:defRPr sz="1200" kern="1200">
+        <a:solidFill>
+          <a:schemeClr val="tx1"/>
+        </a:solidFill>
+        <a:latin typeface="+mn-lt"/>
+        <a:ea typeface="+mn-ea"/>
+        <a:cs typeface="+mn-cs"/>
+      </a:defRPr>
+    </a:lvl3pPr>
+    <a:lvl4pPr marL="1371600" algn="l" defTabSz="914400" rtl="0" eaLnBrk="1" latinLnBrk="0" hangingPunct="1">
+      <a:defRPr sz="1200" kern="1200">
+        <a:solidFill>
+          <a:schemeClr val="tx1"/>
+        </a:solidFill>
+        <a:latin typeface="+mn-lt"/>
+        <a:ea typeface="+mn-ea"/>
+        <a:cs typeface="+mn-cs"/>
+      </a:defRPr>
+    </a:lvl4pPr>
+    <a:lvl5pPr marL="1828800" algn="l" defTabSz="914400" rtl="0" eaLnBrk="1" latinLnBrk="0" hangingPunct="1">
+      <a:defRPr sz="1200" kern="1200">
+        <a:solidFill>
+          <a:schemeClr val="tx1"/>
+        </a:solidFill>
+        <a:latin typeface="+mn-lt"/>
+        <a:ea typeface="+mn-ea"/>
+        <a:cs typeface="+mn-cs"/>
+      </a:defRPr>
+    </a:lvl5pPr>
+    <a:lvl6pPr marL="2286000" algn="l" defTabSz="914400" rtl="0" eaLnBrk="1" latinLnBrk="0" hangingPunct="1">
+      <a:defRPr sz="1200" kern="1200">
+        <a:solidFill>
+          <a:schemeClr val="tx1"/>
+        </a:solidFill>
+        <a:latin typeface="+mn-lt"/>
+        <a:ea typeface="+mn-ea"/>
+        <a:cs typeface="+mn-cs"/>
+      </a:defRPr>
+    </a:lvl6pPr>
+    <a:lvl7pPr marL="2743200" algn="l" defTabSz="914400" rtl="0" eaLnBrk="1" latinLnBrk="0" hangingPunct="1">
+      <a:defRPr sz="1200" kern="1200">
+        <a:solidFill>
+          <a:schemeClr val="tx1"/>
+        </a:solidFill>
+        <a:latin typeface="+mn-lt"/>
+        <a:ea typeface="+mn-ea"/>
+        <a:cs typeface="+mn-cs"/>
+      </a:defRPr>
+    </a:lvl7pPr>
+    <a:lvl8pPr marL="3200400" algn="l" defTabSz="914400" rtl="0" eaLnBrk="1" latinLnBrk="0" hangingPunct="1">
+      <a:defRPr sz="1200" kern="1200">
+        <a:solidFill>
+          <a:schemeClr val="tx1"/>
+        </a:solidFill>
+        <a:latin typeface="+mn-lt"/>
+        <a:ea typeface="+mn-ea"/>
+        <a:cs typeface="+mn-cs"/>
+      </a:defRPr>
+    </a:lvl8pPr>
+    <a:lvl9pPr marL="3657600" algn="l" defTabSz="914400" rtl="0" eaLnBrk="1" latinLnBrk="0" hangingPunct="1">
+      <a:defRPr sz="1200" kern="1200">
+        <a:solidFill>
+          <a:schemeClr val="tx1"/>
+        </a:solidFill>
+        <a:latin typeface="+mn-lt"/>
+        <a:ea typeface="+mn-ea"/>
+        <a:cs typeface="+mn-cs"/>
+      </a:defRPr>
+    </a:lvl9pPr>
+  </p:notesStyle>
+</p:notesMaster>
+</file>
+
+<file path=ppt/notesSlides/notesSlide1.xml><?xml version="1.0" encoding="utf-8"?>
+<p:notes xmlns:a="http://schemas.openxmlformats.org/drawingml/2006/main" xmlns:r="http://schemas.openxmlformats.org/officeDocument/2006/relationships" xmlns:p="http://schemas.openxmlformats.org/presentationml/2006/main">
+  <p:cSld>
+    <p:spTree>
+      <p:nvGrpSpPr>
+        <p:cNvPr id="1" name=""/>
+        <p:cNvGrpSpPr/>
+        <p:nvPr/>
+      </p:nvGrpSpPr>
+      <p:grpSpPr>
+        <a:xfrm>
+          <a:off x="0" y="0"/>
+          <a:ext cx="0" cy="0"/>
+          <a:chOff x="0" y="0"/>
+          <a:chExt cx="0" cy="0"/>
+        </a:xfrm>
+      </p:grpSpPr>
+      <p:sp>
+        <p:nvSpPr>
+          <p:cNvPr id="2" name="1 Slayt Görüntüsü Yer Tutucusu"/>
+          <p:cNvSpPr>
+            <a:spLocks noGrp="1" noRot="1" noChangeAspect="1"/>
+          </p:cNvSpPr>
+          <p:nvPr>
+            <p:ph type="sldImg"/>
+          </p:nvPr>
+        </p:nvSpPr>
+        <p:spPr/>
+      </p:sp>
+      <p:sp>
+        <p:nvSpPr>
+          <p:cNvPr id="3" name="2 Not Yer Tutucusu"/>
+          <p:cNvSpPr>
+            <a:spLocks noGrp="1"/>
+          </p:cNvSpPr>
+          <p:nvPr>
+            <p:ph type="body" idx="1"/>
+          </p:nvPr>
+        </p:nvSpPr>
+        <p:spPr/>
+        <p:txBody>
+          <a:bodyPr>
+            <a:normAutofit/>
+          </a:bodyPr>
+          <a:lstStyle/>
+          <a:p>
+            <a:endParaRPr lang="tr-TR"/>
+          </a:p>
+        </p:txBody>
+      </p:sp>
+      <p:sp>
+        <p:nvSpPr>
+          <p:cNvPr id="4" name="3 Slayt Numarası Yer Tutucusu"/>
+          <p:cNvSpPr>
+            <a:spLocks noGrp="1"/>
+          </p:cNvSpPr>
+          <p:nvPr>
+            <p:ph type="sldNum" sz="quarter" idx="10"/>
+          </p:nvPr>
+        </p:nvSpPr>
+        <p:spPr/>
+        <p:txBody>
+          <a:bodyPr/>
+          <a:lstStyle/>
+          <a:p>
+            <a:fld id="{BF2A837B-F517-4745-89C3-C7A456FE7A2E}" type="slidenum">
+              <a:rPr lang="tr-TR" smtClean="0"/>
+              <a:t>2</a:t>
+            </a:fld>
+            <a:endParaRPr lang="tr-TR"/>
+          </a:p>
+        </p:txBody>
+      </p:sp>
+    </p:spTree>
+  </p:cSld>
+  <p:clrMapOvr>
+    <a:masterClrMapping/>
+  </p:clrMapOvr>
+</p:notes>
+</file>
+
 <file path=ppt/slideLayouts/slideLayout1.xml><?xml version="1.0" encoding="utf-8"?>
 <p:sldLayout xmlns:a="http://schemas.openxmlformats.org/drawingml/2006/main" xmlns:r="http://schemas.openxmlformats.org/officeDocument/2006/relationships" xmlns:p="http://schemas.openxmlformats.org/presentationml/2006/main" type="title" preserve="1">
   <p:cSld name="Başlık Slaydı">
@@ -372,9 +803,8 @@
             </a:lvl1pPr>
           </a:lstStyle>
           <a:p>
-            <a:fld id="{D713B1D4-35F6-4D8C-A287-36450C791426}" type="datetimeFigureOut">
+            <a:fld id="{1D4F3A93-B110-4F78-84D9-BA31ECC66236}" type="datetime1">
               <a:rPr lang="tr-TR" smtClean="0"/>
-              <a:pPr/>
               <a:t>8.12.2017</a:t>
             </a:fld>
             <a:endParaRPr lang="tr-TR"/>
@@ -405,6 +835,10 @@
             </a:lvl1pPr>
           </a:lstStyle>
           <a:p>
+            <a:r>
+              <a:rPr lang="en-US" smtClean="0"/>
+              <a:t>Introduction to Kotlin (c) Kerem Akkaya</a:t>
+            </a:r>
             <a:endParaRPr lang="tr-TR"/>
           </a:p>
         </p:txBody>
@@ -561,9 +995,8 @@
           <a:bodyPr/>
           <a:lstStyle/>
           <a:p>
-            <a:fld id="{D713B1D4-35F6-4D8C-A287-36450C791426}" type="datetimeFigureOut">
+            <a:fld id="{26A541F6-B4CB-4530-83E7-611439A80DBE}" type="datetime1">
               <a:rPr lang="tr-TR" smtClean="0"/>
-              <a:pPr/>
               <a:t>8.12.2017</a:t>
             </a:fld>
             <a:endParaRPr lang="tr-TR"/>
@@ -585,6 +1018,10 @@
           <a:bodyPr/>
           <a:lstStyle/>
           <a:p>
+            <a:r>
+              <a:rPr lang="en-US" smtClean="0"/>
+              <a:t>Introduction to Kotlin (c) Kerem Akkaya</a:t>
+            </a:r>
             <a:endParaRPr lang="tr-TR"/>
           </a:p>
         </p:txBody>
@@ -738,9 +1175,8 @@
           <a:bodyPr/>
           <a:lstStyle/>
           <a:p>
-            <a:fld id="{D713B1D4-35F6-4D8C-A287-36450C791426}" type="datetimeFigureOut">
+            <a:fld id="{5901FBE4-83CE-4A05-9CA7-523EEB8B81C0}" type="datetime1">
               <a:rPr lang="tr-TR" smtClean="0"/>
-              <a:pPr/>
               <a:t>8.12.2017</a:t>
             </a:fld>
             <a:endParaRPr lang="tr-TR"/>
@@ -762,6 +1198,10 @@
           <a:bodyPr/>
           <a:lstStyle/>
           <a:p>
+            <a:r>
+              <a:rPr lang="en-US" smtClean="0"/>
+              <a:t>Introduction to Kotlin (c) Kerem Akkaya</a:t>
+            </a:r>
             <a:endParaRPr lang="tr-TR"/>
           </a:p>
         </p:txBody>
@@ -920,9 +1360,8 @@
           <a:bodyPr/>
           <a:lstStyle/>
           <a:p>
-            <a:fld id="{D713B1D4-35F6-4D8C-A287-36450C791426}" type="datetimeFigureOut">
+            <a:fld id="{23513F36-EF98-4BE8-A2DC-7359B0013DD1}" type="datetime1">
               <a:rPr lang="tr-TR" smtClean="0"/>
-              <a:pPr/>
               <a:t>8.12.2017</a:t>
             </a:fld>
             <a:endParaRPr lang="tr-TR"/>
@@ -949,6 +1388,10 @@
           <a:bodyPr/>
           <a:lstStyle/>
           <a:p>
+            <a:r>
+              <a:rPr lang="en-US" smtClean="0"/>
+              <a:t>Introduction to Kotlin (c) Kerem Akkaya</a:t>
+            </a:r>
             <a:endParaRPr lang="tr-TR"/>
           </a:p>
         </p:txBody>
@@ -1169,9 +1612,8 @@
           <a:bodyPr/>
           <a:lstStyle/>
           <a:p>
-            <a:fld id="{D713B1D4-35F6-4D8C-A287-36450C791426}" type="datetimeFigureOut">
+            <a:fld id="{5B3FD057-8099-4AA8-B01E-469F83DE7C3E}" type="datetime1">
               <a:rPr lang="tr-TR" smtClean="0"/>
-              <a:pPr/>
               <a:t>8.12.2017</a:t>
             </a:fld>
             <a:endParaRPr lang="tr-TR"/>
@@ -1198,6 +1640,10 @@
           <a:bodyPr/>
           <a:lstStyle/>
           <a:p>
+            <a:r>
+              <a:rPr lang="en-US" smtClean="0"/>
+              <a:t>Introduction to Kotlin (c) Kerem Akkaya</a:t>
+            </a:r>
             <a:endParaRPr lang="tr-TR"/>
           </a:p>
         </p:txBody>
@@ -1645,9 +2091,8 @@
           <a:bodyPr/>
           <a:lstStyle/>
           <a:p>
-            <a:fld id="{D713B1D4-35F6-4D8C-A287-36450C791426}" type="datetimeFigureOut">
+            <a:fld id="{37AAEB0D-2AA8-4815-86E8-9D198B088FD7}" type="datetime1">
               <a:rPr lang="tr-TR" smtClean="0"/>
-              <a:pPr/>
               <a:t>8.12.2017</a:t>
             </a:fld>
             <a:endParaRPr lang="tr-TR"/>
@@ -1674,6 +2119,10 @@
           <a:bodyPr/>
           <a:lstStyle/>
           <a:p>
+            <a:r>
+              <a:rPr lang="en-US" smtClean="0"/>
+              <a:t>Introduction to Kotlin (c) Kerem Akkaya</a:t>
+            </a:r>
             <a:endParaRPr lang="tr-TR"/>
           </a:p>
         </p:txBody>
@@ -2062,9 +2511,8 @@
           <a:bodyPr/>
           <a:lstStyle/>
           <a:p>
-            <a:fld id="{D713B1D4-35F6-4D8C-A287-36450C791426}" type="datetimeFigureOut">
+            <a:fld id="{EC988ABF-7667-4BA3-8C48-A67C94966028}" type="datetime1">
               <a:rPr lang="tr-TR" smtClean="0"/>
-              <a:pPr/>
               <a:t>8.12.2017</a:t>
             </a:fld>
             <a:endParaRPr lang="tr-TR"/>
@@ -2091,6 +2539,10 @@
           <a:bodyPr/>
           <a:lstStyle/>
           <a:p>
+            <a:r>
+              <a:rPr lang="en-US" smtClean="0"/>
+              <a:t>Introduction to Kotlin (c) Kerem Akkaya</a:t>
+            </a:r>
             <a:endParaRPr lang="tr-TR"/>
           </a:p>
         </p:txBody>
@@ -2195,9 +2647,8 @@
           <a:bodyPr/>
           <a:lstStyle/>
           <a:p>
-            <a:fld id="{D713B1D4-35F6-4D8C-A287-36450C791426}" type="datetimeFigureOut">
+            <a:fld id="{2D412AE3-F407-4DD1-AFCF-2207A5491FF5}" type="datetime1">
               <a:rPr lang="tr-TR" smtClean="0"/>
-              <a:pPr/>
               <a:t>8.12.2017</a:t>
             </a:fld>
             <a:endParaRPr lang="tr-TR"/>
@@ -2219,6 +2670,10 @@
           <a:bodyPr/>
           <a:lstStyle/>
           <a:p>
+            <a:r>
+              <a:rPr lang="en-US" smtClean="0"/>
+              <a:t>Introduction to Kotlin (c) Kerem Akkaya</a:t>
+            </a:r>
             <a:endParaRPr lang="tr-TR"/>
           </a:p>
         </p:txBody>
@@ -2247,6 +2702,32 @@
           </a:p>
         </p:txBody>
       </p:sp>
+      <p:pic>
+        <p:nvPicPr>
+          <p:cNvPr id="1026" name="Picture 2" descr="C:\Users\Kerem Akkaya\Desktop\sunumlink.png"/>
+          <p:cNvPicPr>
+            <a:picLocks noChangeAspect="1" noChangeArrowheads="1"/>
+          </p:cNvPicPr>
+          <p:nvPr userDrawn="1"/>
+        </p:nvPicPr>
+        <p:blipFill>
+          <a:blip r:embed="rId2" cstate="print"/>
+          <a:srcRect/>
+          <a:stretch>
+            <a:fillRect/>
+          </a:stretch>
+        </p:blipFill>
+        <p:spPr bwMode="auto">
+          <a:xfrm>
+            <a:off x="8100392" y="116632"/>
+            <a:ext cx="936104" cy="936104"/>
+          </a:xfrm>
+          <a:prstGeom prst="rect">
+            <a:avLst/>
+          </a:prstGeom>
+          <a:noFill/>
+        </p:spPr>
+      </p:pic>
     </p:spTree>
   </p:cSld>
   <p:clrMapOvr>
@@ -2292,9 +2773,8 @@
           <a:bodyPr/>
           <a:lstStyle/>
           <a:p>
-            <a:fld id="{D713B1D4-35F6-4D8C-A287-36450C791426}" type="datetimeFigureOut">
+            <a:fld id="{DCCF7A46-847E-45F7-910C-2155BF80517A}" type="datetime1">
               <a:rPr lang="tr-TR" smtClean="0"/>
-              <a:pPr/>
               <a:t>8.12.2017</a:t>
             </a:fld>
             <a:endParaRPr lang="tr-TR"/>
@@ -2321,6 +2801,10 @@
           <a:bodyPr/>
           <a:lstStyle/>
           <a:p>
+            <a:r>
+              <a:rPr lang="en-US" smtClean="0"/>
+              <a:t>Introduction to Kotlin (c) Kerem Akkaya</a:t>
+            </a:r>
             <a:endParaRPr lang="tr-TR"/>
           </a:p>
         </p:txBody>
@@ -2572,9 +3056,8 @@
             </a:lvl1pPr>
           </a:lstStyle>
           <a:p>
-            <a:fld id="{D713B1D4-35F6-4D8C-A287-36450C791426}" type="datetimeFigureOut">
+            <a:fld id="{A2364DC4-77B2-4441-ABB8-5606CB72A1D4}" type="datetime1">
               <a:rPr lang="tr-TR" smtClean="0"/>
-              <a:pPr/>
               <a:t>8.12.2017</a:t>
             </a:fld>
             <a:endParaRPr lang="tr-TR"/>
@@ -2605,6 +3088,10 @@
             </a:lvl1pPr>
           </a:lstStyle>
           <a:p>
+            <a:r>
+              <a:rPr lang="en-US" smtClean="0"/>
+              <a:t>Introduction to Kotlin (c) Kerem Akkaya</a:t>
+            </a:r>
             <a:endParaRPr lang="tr-TR"/>
           </a:p>
         </p:txBody>
@@ -2826,9 +3313,8 @@
             </a:lvl1pPr>
           </a:lstStyle>
           <a:p>
-            <a:fld id="{D713B1D4-35F6-4D8C-A287-36450C791426}" type="datetimeFigureOut">
+            <a:fld id="{D8A771C0-4E2A-46A6-A23C-0422EDAAFCD4}" type="datetime1">
               <a:rPr lang="tr-TR" smtClean="0"/>
-              <a:pPr/>
               <a:t>8.12.2017</a:t>
             </a:fld>
             <a:endParaRPr lang="tr-TR"/>
@@ -2859,6 +3345,10 @@
             </a:lvl1pPr>
           </a:lstStyle>
           <a:p>
+            <a:r>
+              <a:rPr lang="en-US" smtClean="0"/>
+              <a:t>Introduction to Kotlin (c) Kerem Akkaya</a:t>
+            </a:r>
             <a:endParaRPr lang="tr-TR"/>
           </a:p>
         </p:txBody>
@@ -3200,9 +3690,8 @@
             </a:lvl1pPr>
           </a:lstStyle>
           <a:p>
-            <a:fld id="{D713B1D4-35F6-4D8C-A287-36450C791426}" type="datetimeFigureOut">
+            <a:fld id="{CDF3184D-D4A0-493F-BC2C-A9A96246BEDD}" type="datetime1">
               <a:rPr lang="tr-TR" smtClean="0"/>
-              <a:pPr/>
               <a:t>8.12.2017</a:t>
             </a:fld>
             <a:endParaRPr lang="tr-TR"/>
@@ -3240,6 +3729,10 @@
             </a:lvl1pPr>
           </a:lstStyle>
           <a:p>
+            <a:r>
+              <a:rPr lang="en-US" smtClean="0"/>
+              <a:t>Introduction to Kotlin (c) Kerem Akkaya</a:t>
+            </a:r>
             <a:endParaRPr lang="tr-TR"/>
           </a:p>
         </p:txBody>
@@ -3300,6 +3793,7 @@
     <p:sldLayoutId id="2147483706" r:id="rId10"/>
     <p:sldLayoutId id="2147483707" r:id="rId11"/>
   </p:sldLayoutIdLst>
+  <p:hf hdr="0" dt="0"/>
   <p:txStyles>
     <p:titleStyle>
       <a:lvl1pPr marL="484632" algn="l" rtl="0" eaLnBrk="1" latinLnBrk="0" hangingPunct="1">
@@ -3701,8 +4195,8 @@
         </p:blipFill>
         <p:spPr>
           <a:xfrm>
-            <a:off x="3635896" y="692696"/>
-            <a:ext cx="1728189" cy="1728192"/>
+            <a:off x="3491880" y="332656"/>
+            <a:ext cx="2016224" cy="2016228"/>
           </a:xfrm>
           <a:prstGeom prst="rect">
             <a:avLst/>
@@ -3730,8 +4224,8 @@
         </p:blipFill>
         <p:spPr>
           <a:xfrm>
-            <a:off x="539552" y="2492896"/>
-            <a:ext cx="1634546" cy="1944216"/>
+            <a:off x="539552" y="2809758"/>
+            <a:ext cx="1368152" cy="1627353"/>
           </a:xfrm>
           <a:prstGeom prst="rect">
             <a:avLst/>
@@ -3847,7 +4341,7 @@
           </a:ln>
           <a:extLst>
             <a:ext uri="{C572A759-6A51-4108-AA02-DFA0A04FC94B}">
-              <ma14:wrappingTextBoxFlag xmlns="" xmlns:ma14="http://schemas.microsoft.com/office/mac/drawingml/2011/main" val="1"/>
+              <ma14:wrappingTextBoxFlag xmlns:ma14="http://schemas.microsoft.com/office/mac/drawingml/2011/main" xmlns="" val="1"/>
             </a:ext>
           </a:extLst>
         </p:spPr>
@@ -3878,6 +4372,38 @@
           </a:p>
         </p:txBody>
       </p:sp>
+      <p:pic>
+        <p:nvPicPr>
+          <p:cNvPr id="11" name="Picture 6"/>
+          <p:cNvPicPr>
+            <a:picLocks noChangeAspect="1" noChangeArrowheads="1"/>
+          </p:cNvPicPr>
+          <p:nvPr/>
+        </p:nvPicPr>
+        <p:blipFill>
+          <a:blip r:embed="rId7" cstate="print"/>
+          <a:srcRect/>
+          <a:stretch>
+            <a:fillRect/>
+          </a:stretch>
+        </p:blipFill>
+        <p:spPr bwMode="auto">
+          <a:xfrm>
+            <a:off x="395536" y="404664"/>
+            <a:ext cx="1800200" cy="1800200"/>
+          </a:xfrm>
+          <a:prstGeom prst="rect">
+            <a:avLst/>
+          </a:prstGeom>
+          <a:noFill/>
+          <a:ln w="9525">
+            <a:noFill/>
+            <a:miter lim="800000"/>
+            <a:headEnd/>
+            <a:tailEnd/>
+          </a:ln>
+        </p:spPr>
+      </p:pic>
     </p:spTree>
   </p:cSld>
   <p:clrMapOvr>
@@ -4060,6 +4586,53 @@
           </a:fontRef>
         </p:style>
       </p:pic>
+      <p:sp>
+        <p:nvSpPr>
+          <p:cNvPr id="5" name="4 Slayt Numarası Yer Tutucusu"/>
+          <p:cNvSpPr>
+            <a:spLocks noGrp="1"/>
+          </p:cNvSpPr>
+          <p:nvPr>
+            <p:ph type="sldNum" sz="quarter" idx="12"/>
+          </p:nvPr>
+        </p:nvSpPr>
+        <p:spPr/>
+        <p:txBody>
+          <a:bodyPr/>
+          <a:lstStyle/>
+          <a:p>
+            <a:fld id="{A1DACB16-B709-40FC-8B58-73207C3335E6}" type="slidenum">
+              <a:rPr lang="tr-TR" smtClean="0"/>
+              <a:pPr/>
+              <a:t>10</a:t>
+            </a:fld>
+            <a:endParaRPr lang="tr-TR"/>
+          </a:p>
+        </p:txBody>
+      </p:sp>
+      <p:sp>
+        <p:nvSpPr>
+          <p:cNvPr id="6" name="5 Altbilgi Yer Tutucusu"/>
+          <p:cNvSpPr>
+            <a:spLocks noGrp="1"/>
+          </p:cNvSpPr>
+          <p:nvPr>
+            <p:ph type="ftr" sz="quarter" idx="11"/>
+          </p:nvPr>
+        </p:nvSpPr>
+        <p:spPr/>
+        <p:txBody>
+          <a:bodyPr/>
+          <a:lstStyle/>
+          <a:p>
+            <a:r>
+              <a:rPr lang="en-US" smtClean="0"/>
+              <a:t>Introduction to Kotlin (c) Kerem Akkaya</a:t>
+            </a:r>
+            <a:endParaRPr lang="tr-TR"/>
+          </a:p>
+        </p:txBody>
+      </p:sp>
     </p:spTree>
   </p:cSld>
   <p:clrMapOvr>
@@ -4209,6 +4782,53 @@
           </a:fontRef>
         </p:style>
       </p:pic>
+      <p:sp>
+        <p:nvSpPr>
+          <p:cNvPr id="5" name="4 Slayt Numarası Yer Tutucusu"/>
+          <p:cNvSpPr>
+            <a:spLocks noGrp="1"/>
+          </p:cNvSpPr>
+          <p:nvPr>
+            <p:ph type="sldNum" sz="quarter" idx="12"/>
+          </p:nvPr>
+        </p:nvSpPr>
+        <p:spPr/>
+        <p:txBody>
+          <a:bodyPr/>
+          <a:lstStyle/>
+          <a:p>
+            <a:fld id="{A1DACB16-B709-40FC-8B58-73207C3335E6}" type="slidenum">
+              <a:rPr lang="tr-TR" smtClean="0"/>
+              <a:pPr/>
+              <a:t>11</a:t>
+            </a:fld>
+            <a:endParaRPr lang="tr-TR"/>
+          </a:p>
+        </p:txBody>
+      </p:sp>
+      <p:sp>
+        <p:nvSpPr>
+          <p:cNvPr id="6" name="5 Altbilgi Yer Tutucusu"/>
+          <p:cNvSpPr>
+            <a:spLocks noGrp="1"/>
+          </p:cNvSpPr>
+          <p:nvPr>
+            <p:ph type="ftr" sz="quarter" idx="11"/>
+          </p:nvPr>
+        </p:nvSpPr>
+        <p:spPr/>
+        <p:txBody>
+          <a:bodyPr/>
+          <a:lstStyle/>
+          <a:p>
+            <a:r>
+              <a:rPr lang="en-US" smtClean="0"/>
+              <a:t>Introduction to Kotlin (c) Kerem Akkaya</a:t>
+            </a:r>
+            <a:endParaRPr lang="tr-TR"/>
+          </a:p>
+        </p:txBody>
+      </p:sp>
     </p:spTree>
   </p:cSld>
   <p:clrMapOvr>
@@ -4358,6 +4978,53 @@
           </a:fontRef>
         </p:style>
       </p:pic>
+      <p:sp>
+        <p:nvSpPr>
+          <p:cNvPr id="5" name="4 Slayt Numarası Yer Tutucusu"/>
+          <p:cNvSpPr>
+            <a:spLocks noGrp="1"/>
+          </p:cNvSpPr>
+          <p:nvPr>
+            <p:ph type="sldNum" sz="quarter" idx="12"/>
+          </p:nvPr>
+        </p:nvSpPr>
+        <p:spPr/>
+        <p:txBody>
+          <a:bodyPr/>
+          <a:lstStyle/>
+          <a:p>
+            <a:fld id="{A1DACB16-B709-40FC-8B58-73207C3335E6}" type="slidenum">
+              <a:rPr lang="tr-TR" smtClean="0"/>
+              <a:pPr/>
+              <a:t>12</a:t>
+            </a:fld>
+            <a:endParaRPr lang="tr-TR"/>
+          </a:p>
+        </p:txBody>
+      </p:sp>
+      <p:sp>
+        <p:nvSpPr>
+          <p:cNvPr id="6" name="5 Altbilgi Yer Tutucusu"/>
+          <p:cNvSpPr>
+            <a:spLocks noGrp="1"/>
+          </p:cNvSpPr>
+          <p:nvPr>
+            <p:ph type="ftr" sz="quarter" idx="11"/>
+          </p:nvPr>
+        </p:nvSpPr>
+        <p:spPr/>
+        <p:txBody>
+          <a:bodyPr/>
+          <a:lstStyle/>
+          <a:p>
+            <a:r>
+              <a:rPr lang="en-US" smtClean="0"/>
+              <a:t>Introduction to Kotlin (c) Kerem Akkaya</a:t>
+            </a:r>
+            <a:endParaRPr lang="tr-TR"/>
+          </a:p>
+        </p:txBody>
+      </p:sp>
     </p:spTree>
   </p:cSld>
   <p:clrMapOvr>
@@ -4696,6 +5363,53 @@
           </a:fontRef>
         </p:style>
       </p:pic>
+      <p:sp>
+        <p:nvSpPr>
+          <p:cNvPr id="9" name="8 Slayt Numarası Yer Tutucusu"/>
+          <p:cNvSpPr>
+            <a:spLocks noGrp="1"/>
+          </p:cNvSpPr>
+          <p:nvPr>
+            <p:ph type="sldNum" sz="quarter" idx="12"/>
+          </p:nvPr>
+        </p:nvSpPr>
+        <p:spPr/>
+        <p:txBody>
+          <a:bodyPr/>
+          <a:lstStyle/>
+          <a:p>
+            <a:fld id="{A1DACB16-B709-40FC-8B58-73207C3335E6}" type="slidenum">
+              <a:rPr lang="tr-TR" smtClean="0"/>
+              <a:pPr/>
+              <a:t>13</a:t>
+            </a:fld>
+            <a:endParaRPr lang="tr-TR"/>
+          </a:p>
+        </p:txBody>
+      </p:sp>
+      <p:sp>
+        <p:nvSpPr>
+          <p:cNvPr id="11" name="10 Altbilgi Yer Tutucusu"/>
+          <p:cNvSpPr>
+            <a:spLocks noGrp="1"/>
+          </p:cNvSpPr>
+          <p:nvPr>
+            <p:ph type="ftr" sz="quarter" idx="11"/>
+          </p:nvPr>
+        </p:nvSpPr>
+        <p:spPr/>
+        <p:txBody>
+          <a:bodyPr/>
+          <a:lstStyle/>
+          <a:p>
+            <a:r>
+              <a:rPr lang="en-US" smtClean="0"/>
+              <a:t>Introduction to Kotlin (c) Kerem Akkaya</a:t>
+            </a:r>
+            <a:endParaRPr lang="tr-TR"/>
+          </a:p>
+        </p:txBody>
+      </p:sp>
     </p:spTree>
   </p:cSld>
   <p:clrMapOvr>
@@ -4956,6 +5670,53 @@
           </a:fontRef>
         </p:style>
       </p:pic>
+      <p:sp>
+        <p:nvSpPr>
+          <p:cNvPr id="7" name="6 Slayt Numarası Yer Tutucusu"/>
+          <p:cNvSpPr>
+            <a:spLocks noGrp="1"/>
+          </p:cNvSpPr>
+          <p:nvPr>
+            <p:ph type="sldNum" sz="quarter" idx="12"/>
+          </p:nvPr>
+        </p:nvSpPr>
+        <p:spPr/>
+        <p:txBody>
+          <a:bodyPr/>
+          <a:lstStyle/>
+          <a:p>
+            <a:fld id="{A1DACB16-B709-40FC-8B58-73207C3335E6}" type="slidenum">
+              <a:rPr lang="tr-TR" smtClean="0"/>
+              <a:pPr/>
+              <a:t>14</a:t>
+            </a:fld>
+            <a:endParaRPr lang="tr-TR"/>
+          </a:p>
+        </p:txBody>
+      </p:sp>
+      <p:sp>
+        <p:nvSpPr>
+          <p:cNvPr id="8" name="7 Altbilgi Yer Tutucusu"/>
+          <p:cNvSpPr>
+            <a:spLocks noGrp="1"/>
+          </p:cNvSpPr>
+          <p:nvPr>
+            <p:ph type="ftr" sz="quarter" idx="11"/>
+          </p:nvPr>
+        </p:nvSpPr>
+        <p:spPr/>
+        <p:txBody>
+          <a:bodyPr/>
+          <a:lstStyle/>
+          <a:p>
+            <a:r>
+              <a:rPr lang="en-US" smtClean="0"/>
+              <a:t>Introduction to Kotlin (c) Kerem Akkaya</a:t>
+            </a:r>
+            <a:endParaRPr lang="tr-TR"/>
+          </a:p>
+        </p:txBody>
+      </p:sp>
     </p:spTree>
   </p:cSld>
   <p:clrMapOvr>
@@ -5196,6 +5957,53 @@
           </a:fontRef>
         </p:style>
       </p:pic>
+      <p:sp>
+        <p:nvSpPr>
+          <p:cNvPr id="7" name="6 Slayt Numarası Yer Tutucusu"/>
+          <p:cNvSpPr>
+            <a:spLocks noGrp="1"/>
+          </p:cNvSpPr>
+          <p:nvPr>
+            <p:ph type="sldNum" sz="quarter" idx="12"/>
+          </p:nvPr>
+        </p:nvSpPr>
+        <p:spPr/>
+        <p:txBody>
+          <a:bodyPr/>
+          <a:lstStyle/>
+          <a:p>
+            <a:fld id="{A1DACB16-B709-40FC-8B58-73207C3335E6}" type="slidenum">
+              <a:rPr lang="tr-TR" smtClean="0"/>
+              <a:pPr/>
+              <a:t>15</a:t>
+            </a:fld>
+            <a:endParaRPr lang="tr-TR"/>
+          </a:p>
+        </p:txBody>
+      </p:sp>
+      <p:sp>
+        <p:nvSpPr>
+          <p:cNvPr id="8" name="7 Altbilgi Yer Tutucusu"/>
+          <p:cNvSpPr>
+            <a:spLocks noGrp="1"/>
+          </p:cNvSpPr>
+          <p:nvPr>
+            <p:ph type="ftr" sz="quarter" idx="11"/>
+          </p:nvPr>
+        </p:nvSpPr>
+        <p:spPr/>
+        <p:txBody>
+          <a:bodyPr/>
+          <a:lstStyle/>
+          <a:p>
+            <a:r>
+              <a:rPr lang="en-US" smtClean="0"/>
+              <a:t>Introduction to Kotlin (c) Kerem Akkaya</a:t>
+            </a:r>
+            <a:endParaRPr lang="tr-TR"/>
+          </a:p>
+        </p:txBody>
+      </p:sp>
     </p:spTree>
   </p:cSld>
   <p:clrMapOvr>
@@ -5436,6 +6244,53 @@
           </a:fontRef>
         </p:style>
       </p:pic>
+      <p:sp>
+        <p:nvSpPr>
+          <p:cNvPr id="7" name="6 Slayt Numarası Yer Tutucusu"/>
+          <p:cNvSpPr>
+            <a:spLocks noGrp="1"/>
+          </p:cNvSpPr>
+          <p:nvPr>
+            <p:ph type="sldNum" sz="quarter" idx="12"/>
+          </p:nvPr>
+        </p:nvSpPr>
+        <p:spPr/>
+        <p:txBody>
+          <a:bodyPr/>
+          <a:lstStyle/>
+          <a:p>
+            <a:fld id="{A1DACB16-B709-40FC-8B58-73207C3335E6}" type="slidenum">
+              <a:rPr lang="tr-TR" smtClean="0"/>
+              <a:pPr/>
+              <a:t>16</a:t>
+            </a:fld>
+            <a:endParaRPr lang="tr-TR"/>
+          </a:p>
+        </p:txBody>
+      </p:sp>
+      <p:sp>
+        <p:nvSpPr>
+          <p:cNvPr id="8" name="7 Altbilgi Yer Tutucusu"/>
+          <p:cNvSpPr>
+            <a:spLocks noGrp="1"/>
+          </p:cNvSpPr>
+          <p:nvPr>
+            <p:ph type="ftr" sz="quarter" idx="11"/>
+          </p:nvPr>
+        </p:nvSpPr>
+        <p:spPr/>
+        <p:txBody>
+          <a:bodyPr/>
+          <a:lstStyle/>
+          <a:p>
+            <a:r>
+              <a:rPr lang="en-US" smtClean="0"/>
+              <a:t>Introduction to Kotlin (c) Kerem Akkaya</a:t>
+            </a:r>
+            <a:endParaRPr lang="tr-TR"/>
+          </a:p>
+        </p:txBody>
+      </p:sp>
     </p:spTree>
   </p:cSld>
   <p:clrMapOvr>
@@ -5640,6 +6495,53 @@
           </a:fontRef>
         </p:style>
       </p:pic>
+      <p:sp>
+        <p:nvSpPr>
+          <p:cNvPr id="6" name="5 Slayt Numarası Yer Tutucusu"/>
+          <p:cNvSpPr>
+            <a:spLocks noGrp="1"/>
+          </p:cNvSpPr>
+          <p:nvPr>
+            <p:ph type="sldNum" sz="quarter" idx="12"/>
+          </p:nvPr>
+        </p:nvSpPr>
+        <p:spPr/>
+        <p:txBody>
+          <a:bodyPr/>
+          <a:lstStyle/>
+          <a:p>
+            <a:fld id="{A1DACB16-B709-40FC-8B58-73207C3335E6}" type="slidenum">
+              <a:rPr lang="tr-TR" smtClean="0"/>
+              <a:pPr/>
+              <a:t>17</a:t>
+            </a:fld>
+            <a:endParaRPr lang="tr-TR"/>
+          </a:p>
+        </p:txBody>
+      </p:sp>
+      <p:sp>
+        <p:nvSpPr>
+          <p:cNvPr id="7" name="6 Altbilgi Yer Tutucusu"/>
+          <p:cNvSpPr>
+            <a:spLocks noGrp="1"/>
+          </p:cNvSpPr>
+          <p:nvPr>
+            <p:ph type="ftr" sz="quarter" idx="11"/>
+          </p:nvPr>
+        </p:nvSpPr>
+        <p:spPr/>
+        <p:txBody>
+          <a:bodyPr/>
+          <a:lstStyle/>
+          <a:p>
+            <a:r>
+              <a:rPr lang="en-US" smtClean="0"/>
+              <a:t>Introduction to Kotlin (c) Kerem Akkaya</a:t>
+            </a:r>
+            <a:endParaRPr lang="tr-TR"/>
+          </a:p>
+        </p:txBody>
+      </p:sp>
     </p:spTree>
   </p:cSld>
   <p:clrMapOvr>
@@ -5789,6 +6691,53 @@
           </a:fontRef>
         </p:style>
       </p:pic>
+      <p:sp>
+        <p:nvSpPr>
+          <p:cNvPr id="5" name="4 Slayt Numarası Yer Tutucusu"/>
+          <p:cNvSpPr>
+            <a:spLocks noGrp="1"/>
+          </p:cNvSpPr>
+          <p:nvPr>
+            <p:ph type="sldNum" sz="quarter" idx="12"/>
+          </p:nvPr>
+        </p:nvSpPr>
+        <p:spPr/>
+        <p:txBody>
+          <a:bodyPr/>
+          <a:lstStyle/>
+          <a:p>
+            <a:fld id="{A1DACB16-B709-40FC-8B58-73207C3335E6}" type="slidenum">
+              <a:rPr lang="tr-TR" smtClean="0"/>
+              <a:pPr/>
+              <a:t>18</a:t>
+            </a:fld>
+            <a:endParaRPr lang="tr-TR"/>
+          </a:p>
+        </p:txBody>
+      </p:sp>
+      <p:sp>
+        <p:nvSpPr>
+          <p:cNvPr id="6" name="5 Altbilgi Yer Tutucusu"/>
+          <p:cNvSpPr>
+            <a:spLocks noGrp="1"/>
+          </p:cNvSpPr>
+          <p:nvPr>
+            <p:ph type="ftr" sz="quarter" idx="11"/>
+          </p:nvPr>
+        </p:nvSpPr>
+        <p:spPr/>
+        <p:txBody>
+          <a:bodyPr/>
+          <a:lstStyle/>
+          <a:p>
+            <a:r>
+              <a:rPr lang="en-US" smtClean="0"/>
+              <a:t>Introduction to Kotlin (c) Kerem Akkaya</a:t>
+            </a:r>
+            <a:endParaRPr lang="tr-TR"/>
+          </a:p>
+        </p:txBody>
+      </p:sp>
     </p:spTree>
   </p:cSld>
   <p:clrMapOvr>
@@ -5909,7 +6858,7 @@
         </p:blipFill>
         <p:spPr bwMode="auto">
           <a:xfrm>
-            <a:off x="4427984" y="548680"/>
+            <a:off x="4499992" y="1196752"/>
             <a:ext cx="4464496" cy="864096"/>
           </a:xfrm>
           <a:prstGeom prst="rect">
@@ -6021,6 +6970,53 @@
           </a:fontRef>
         </p:style>
       </p:pic>
+      <p:sp>
+        <p:nvSpPr>
+          <p:cNvPr id="7" name="6 Slayt Numarası Yer Tutucusu"/>
+          <p:cNvSpPr>
+            <a:spLocks noGrp="1"/>
+          </p:cNvSpPr>
+          <p:nvPr>
+            <p:ph type="sldNum" sz="quarter" idx="12"/>
+          </p:nvPr>
+        </p:nvSpPr>
+        <p:spPr/>
+        <p:txBody>
+          <a:bodyPr/>
+          <a:lstStyle/>
+          <a:p>
+            <a:fld id="{A1DACB16-B709-40FC-8B58-73207C3335E6}" type="slidenum">
+              <a:rPr lang="tr-TR" smtClean="0"/>
+              <a:pPr/>
+              <a:t>19</a:t>
+            </a:fld>
+            <a:endParaRPr lang="tr-TR"/>
+          </a:p>
+        </p:txBody>
+      </p:sp>
+      <p:sp>
+        <p:nvSpPr>
+          <p:cNvPr id="8" name="7 Altbilgi Yer Tutucusu"/>
+          <p:cNvSpPr>
+            <a:spLocks noGrp="1"/>
+          </p:cNvSpPr>
+          <p:nvPr>
+            <p:ph type="ftr" sz="quarter" idx="11"/>
+          </p:nvPr>
+        </p:nvSpPr>
+        <p:spPr/>
+        <p:txBody>
+          <a:bodyPr/>
+          <a:lstStyle/>
+          <a:p>
+            <a:r>
+              <a:rPr lang="en-US" smtClean="0"/>
+              <a:t>Introduction to Kotlin (c) Kerem Akkaya</a:t>
+            </a:r>
+            <a:endParaRPr lang="tr-TR"/>
+          </a:p>
+        </p:txBody>
+      </p:sp>
     </p:spTree>
   </p:cSld>
   <p:clrMapOvr>
@@ -6156,6 +7152,53 @@
           </a:p>
         </p:txBody>
       </p:sp>
+      <p:sp>
+        <p:nvSpPr>
+          <p:cNvPr id="4" name="3 Slayt Numarası Yer Tutucusu"/>
+          <p:cNvSpPr>
+            <a:spLocks noGrp="1"/>
+          </p:cNvSpPr>
+          <p:nvPr>
+            <p:ph type="sldNum" sz="quarter" idx="12"/>
+          </p:nvPr>
+        </p:nvSpPr>
+        <p:spPr/>
+        <p:txBody>
+          <a:bodyPr/>
+          <a:lstStyle/>
+          <a:p>
+            <a:fld id="{A1DACB16-B709-40FC-8B58-73207C3335E6}" type="slidenum">
+              <a:rPr lang="tr-TR" smtClean="0"/>
+              <a:pPr/>
+              <a:t>2</a:t>
+            </a:fld>
+            <a:endParaRPr lang="tr-TR"/>
+          </a:p>
+        </p:txBody>
+      </p:sp>
+      <p:sp>
+        <p:nvSpPr>
+          <p:cNvPr id="5" name="4 Altbilgi Yer Tutucusu"/>
+          <p:cNvSpPr>
+            <a:spLocks noGrp="1"/>
+          </p:cNvSpPr>
+          <p:nvPr>
+            <p:ph type="ftr" sz="quarter" idx="11"/>
+          </p:nvPr>
+        </p:nvSpPr>
+        <p:spPr/>
+        <p:txBody>
+          <a:bodyPr/>
+          <a:lstStyle/>
+          <a:p>
+            <a:r>
+              <a:rPr lang="en-US" smtClean="0"/>
+              <a:t>Introduction to Kotlin (c) Kerem Akkaya</a:t>
+            </a:r>
+            <a:endParaRPr lang="tr-TR"/>
+          </a:p>
+        </p:txBody>
+      </p:sp>
     </p:spTree>
   </p:cSld>
   <p:clrMapOvr>
@@ -6478,6 +7521,53 @@
           </a:fontRef>
         </p:style>
       </p:pic>
+      <p:sp>
+        <p:nvSpPr>
+          <p:cNvPr id="9" name="8 Slayt Numarası Yer Tutucusu"/>
+          <p:cNvSpPr>
+            <a:spLocks noGrp="1"/>
+          </p:cNvSpPr>
+          <p:nvPr>
+            <p:ph type="sldNum" sz="quarter" idx="12"/>
+          </p:nvPr>
+        </p:nvSpPr>
+        <p:spPr/>
+        <p:txBody>
+          <a:bodyPr/>
+          <a:lstStyle/>
+          <a:p>
+            <a:fld id="{A1DACB16-B709-40FC-8B58-73207C3335E6}" type="slidenum">
+              <a:rPr lang="tr-TR" smtClean="0"/>
+              <a:pPr/>
+              <a:t>20</a:t>
+            </a:fld>
+            <a:endParaRPr lang="tr-TR"/>
+          </a:p>
+        </p:txBody>
+      </p:sp>
+      <p:sp>
+        <p:nvSpPr>
+          <p:cNvPr id="10" name="9 Altbilgi Yer Tutucusu"/>
+          <p:cNvSpPr>
+            <a:spLocks noGrp="1"/>
+          </p:cNvSpPr>
+          <p:nvPr>
+            <p:ph type="ftr" sz="quarter" idx="11"/>
+          </p:nvPr>
+        </p:nvSpPr>
+        <p:spPr/>
+        <p:txBody>
+          <a:bodyPr/>
+          <a:lstStyle/>
+          <a:p>
+            <a:r>
+              <a:rPr lang="en-US" smtClean="0"/>
+              <a:t>Introduction to Kotlin (c) Kerem Akkaya</a:t>
+            </a:r>
+            <a:endParaRPr lang="tr-TR"/>
+          </a:p>
+        </p:txBody>
+      </p:sp>
     </p:spTree>
   </p:cSld>
   <p:clrMapOvr>
@@ -6734,6 +7824,53 @@
           </a:fontRef>
         </p:style>
       </p:pic>
+      <p:sp>
+        <p:nvSpPr>
+          <p:cNvPr id="7" name="6 Slayt Numarası Yer Tutucusu"/>
+          <p:cNvSpPr>
+            <a:spLocks noGrp="1"/>
+          </p:cNvSpPr>
+          <p:nvPr>
+            <p:ph type="sldNum" sz="quarter" idx="12"/>
+          </p:nvPr>
+        </p:nvSpPr>
+        <p:spPr/>
+        <p:txBody>
+          <a:bodyPr/>
+          <a:lstStyle/>
+          <a:p>
+            <a:fld id="{A1DACB16-B709-40FC-8B58-73207C3335E6}" type="slidenum">
+              <a:rPr lang="tr-TR" smtClean="0"/>
+              <a:pPr/>
+              <a:t>21</a:t>
+            </a:fld>
+            <a:endParaRPr lang="tr-TR"/>
+          </a:p>
+        </p:txBody>
+      </p:sp>
+      <p:sp>
+        <p:nvSpPr>
+          <p:cNvPr id="8" name="7 Altbilgi Yer Tutucusu"/>
+          <p:cNvSpPr>
+            <a:spLocks noGrp="1"/>
+          </p:cNvSpPr>
+          <p:nvPr>
+            <p:ph type="ftr" sz="quarter" idx="11"/>
+          </p:nvPr>
+        </p:nvSpPr>
+        <p:spPr/>
+        <p:txBody>
+          <a:bodyPr/>
+          <a:lstStyle/>
+          <a:p>
+            <a:r>
+              <a:rPr lang="en-US" smtClean="0"/>
+              <a:t>Introduction to Kotlin (c) Kerem Akkaya</a:t>
+            </a:r>
+            <a:endParaRPr lang="tr-TR"/>
+          </a:p>
+        </p:txBody>
+      </p:sp>
     </p:spTree>
   </p:cSld>
   <p:clrMapOvr>
@@ -6974,6 +8111,53 @@
           </a:fontRef>
         </p:style>
       </p:pic>
+      <p:sp>
+        <p:nvSpPr>
+          <p:cNvPr id="7" name="6 Slayt Numarası Yer Tutucusu"/>
+          <p:cNvSpPr>
+            <a:spLocks noGrp="1"/>
+          </p:cNvSpPr>
+          <p:nvPr>
+            <p:ph type="sldNum" sz="quarter" idx="12"/>
+          </p:nvPr>
+        </p:nvSpPr>
+        <p:spPr/>
+        <p:txBody>
+          <a:bodyPr/>
+          <a:lstStyle/>
+          <a:p>
+            <a:fld id="{A1DACB16-B709-40FC-8B58-73207C3335E6}" type="slidenum">
+              <a:rPr lang="tr-TR" smtClean="0"/>
+              <a:pPr/>
+              <a:t>22</a:t>
+            </a:fld>
+            <a:endParaRPr lang="tr-TR"/>
+          </a:p>
+        </p:txBody>
+      </p:sp>
+      <p:sp>
+        <p:nvSpPr>
+          <p:cNvPr id="8" name="7 Altbilgi Yer Tutucusu"/>
+          <p:cNvSpPr>
+            <a:spLocks noGrp="1"/>
+          </p:cNvSpPr>
+          <p:nvPr>
+            <p:ph type="ftr" sz="quarter" idx="11"/>
+          </p:nvPr>
+        </p:nvSpPr>
+        <p:spPr/>
+        <p:txBody>
+          <a:bodyPr/>
+          <a:lstStyle/>
+          <a:p>
+            <a:r>
+              <a:rPr lang="en-US" smtClean="0"/>
+              <a:t>Introduction to Kotlin (c) Kerem Akkaya</a:t>
+            </a:r>
+            <a:endParaRPr lang="tr-TR"/>
+          </a:p>
+        </p:txBody>
+      </p:sp>
     </p:spTree>
   </p:cSld>
   <p:clrMapOvr>
@@ -7131,6 +8315,53 @@
           </a:fontRef>
         </p:style>
       </p:pic>
+      <p:sp>
+        <p:nvSpPr>
+          <p:cNvPr id="5" name="4 Slayt Numarası Yer Tutucusu"/>
+          <p:cNvSpPr>
+            <a:spLocks noGrp="1"/>
+          </p:cNvSpPr>
+          <p:nvPr>
+            <p:ph type="sldNum" sz="quarter" idx="12"/>
+          </p:nvPr>
+        </p:nvSpPr>
+        <p:spPr/>
+        <p:txBody>
+          <a:bodyPr/>
+          <a:lstStyle/>
+          <a:p>
+            <a:fld id="{A1DACB16-B709-40FC-8B58-73207C3335E6}" type="slidenum">
+              <a:rPr lang="tr-TR" smtClean="0"/>
+              <a:pPr/>
+              <a:t>23</a:t>
+            </a:fld>
+            <a:endParaRPr lang="tr-TR"/>
+          </a:p>
+        </p:txBody>
+      </p:sp>
+      <p:sp>
+        <p:nvSpPr>
+          <p:cNvPr id="6" name="5 Altbilgi Yer Tutucusu"/>
+          <p:cNvSpPr>
+            <a:spLocks noGrp="1"/>
+          </p:cNvSpPr>
+          <p:nvPr>
+            <p:ph type="ftr" sz="quarter" idx="11"/>
+          </p:nvPr>
+        </p:nvSpPr>
+        <p:spPr/>
+        <p:txBody>
+          <a:bodyPr/>
+          <a:lstStyle/>
+          <a:p>
+            <a:r>
+              <a:rPr lang="en-US" smtClean="0"/>
+              <a:t>Introduction to Kotlin (c) Kerem Akkaya</a:t>
+            </a:r>
+            <a:endParaRPr lang="tr-TR"/>
+          </a:p>
+        </p:txBody>
+      </p:sp>
     </p:spTree>
   </p:cSld>
   <p:clrMapOvr>
@@ -7299,6 +8530,53 @@
           </a:fontRef>
         </p:style>
       </p:pic>
+      <p:sp>
+        <p:nvSpPr>
+          <p:cNvPr id="5" name="4 Slayt Numarası Yer Tutucusu"/>
+          <p:cNvSpPr>
+            <a:spLocks noGrp="1"/>
+          </p:cNvSpPr>
+          <p:nvPr>
+            <p:ph type="sldNum" sz="quarter" idx="12"/>
+          </p:nvPr>
+        </p:nvSpPr>
+        <p:spPr/>
+        <p:txBody>
+          <a:bodyPr/>
+          <a:lstStyle/>
+          <a:p>
+            <a:fld id="{A1DACB16-B709-40FC-8B58-73207C3335E6}" type="slidenum">
+              <a:rPr lang="tr-TR" smtClean="0"/>
+              <a:pPr/>
+              <a:t>24</a:t>
+            </a:fld>
+            <a:endParaRPr lang="tr-TR"/>
+          </a:p>
+        </p:txBody>
+      </p:sp>
+      <p:sp>
+        <p:nvSpPr>
+          <p:cNvPr id="6" name="5 Altbilgi Yer Tutucusu"/>
+          <p:cNvSpPr>
+            <a:spLocks noGrp="1"/>
+          </p:cNvSpPr>
+          <p:nvPr>
+            <p:ph type="ftr" sz="quarter" idx="11"/>
+          </p:nvPr>
+        </p:nvSpPr>
+        <p:spPr/>
+        <p:txBody>
+          <a:bodyPr/>
+          <a:lstStyle/>
+          <a:p>
+            <a:r>
+              <a:rPr lang="en-US" smtClean="0"/>
+              <a:t>Introduction to Kotlin (c) Kerem Akkaya</a:t>
+            </a:r>
+            <a:endParaRPr lang="tr-TR"/>
+          </a:p>
+        </p:txBody>
+      </p:sp>
     </p:spTree>
   </p:cSld>
   <p:clrMapOvr>
@@ -7458,6 +8736,53 @@
           </a:fontRef>
         </p:style>
       </p:pic>
+      <p:sp>
+        <p:nvSpPr>
+          <p:cNvPr id="5" name="4 Slayt Numarası Yer Tutucusu"/>
+          <p:cNvSpPr>
+            <a:spLocks noGrp="1"/>
+          </p:cNvSpPr>
+          <p:nvPr>
+            <p:ph type="sldNum" sz="quarter" idx="12"/>
+          </p:nvPr>
+        </p:nvSpPr>
+        <p:spPr/>
+        <p:txBody>
+          <a:bodyPr/>
+          <a:lstStyle/>
+          <a:p>
+            <a:fld id="{A1DACB16-B709-40FC-8B58-73207C3335E6}" type="slidenum">
+              <a:rPr lang="tr-TR" smtClean="0"/>
+              <a:pPr/>
+              <a:t>25</a:t>
+            </a:fld>
+            <a:endParaRPr lang="tr-TR"/>
+          </a:p>
+        </p:txBody>
+      </p:sp>
+      <p:sp>
+        <p:nvSpPr>
+          <p:cNvPr id="6" name="5 Altbilgi Yer Tutucusu"/>
+          <p:cNvSpPr>
+            <a:spLocks noGrp="1"/>
+          </p:cNvSpPr>
+          <p:nvPr>
+            <p:ph type="ftr" sz="quarter" idx="11"/>
+          </p:nvPr>
+        </p:nvSpPr>
+        <p:spPr/>
+        <p:txBody>
+          <a:bodyPr/>
+          <a:lstStyle/>
+          <a:p>
+            <a:r>
+              <a:rPr lang="en-US" smtClean="0"/>
+              <a:t>Introduction to Kotlin (c) Kerem Akkaya</a:t>
+            </a:r>
+            <a:endParaRPr lang="tr-TR"/>
+          </a:p>
+        </p:txBody>
+      </p:sp>
     </p:spTree>
   </p:cSld>
   <p:clrMapOvr>
@@ -7608,6 +8933,53 @@
           </a:fontRef>
         </p:style>
       </p:pic>
+      <p:sp>
+        <p:nvSpPr>
+          <p:cNvPr id="5" name="4 Slayt Numarası Yer Tutucusu"/>
+          <p:cNvSpPr>
+            <a:spLocks noGrp="1"/>
+          </p:cNvSpPr>
+          <p:nvPr>
+            <p:ph type="sldNum" sz="quarter" idx="12"/>
+          </p:nvPr>
+        </p:nvSpPr>
+        <p:spPr/>
+        <p:txBody>
+          <a:bodyPr/>
+          <a:lstStyle/>
+          <a:p>
+            <a:fld id="{A1DACB16-B709-40FC-8B58-73207C3335E6}" type="slidenum">
+              <a:rPr lang="tr-TR" smtClean="0"/>
+              <a:pPr/>
+              <a:t>26</a:t>
+            </a:fld>
+            <a:endParaRPr lang="tr-TR"/>
+          </a:p>
+        </p:txBody>
+      </p:sp>
+      <p:sp>
+        <p:nvSpPr>
+          <p:cNvPr id="6" name="5 Altbilgi Yer Tutucusu"/>
+          <p:cNvSpPr>
+            <a:spLocks noGrp="1"/>
+          </p:cNvSpPr>
+          <p:nvPr>
+            <p:ph type="ftr" sz="quarter" idx="11"/>
+          </p:nvPr>
+        </p:nvSpPr>
+        <p:spPr/>
+        <p:txBody>
+          <a:bodyPr/>
+          <a:lstStyle/>
+          <a:p>
+            <a:r>
+              <a:rPr lang="en-US" smtClean="0"/>
+              <a:t>Introduction to Kotlin (c) Kerem Akkaya</a:t>
+            </a:r>
+            <a:endParaRPr lang="tr-TR"/>
+          </a:p>
+        </p:txBody>
+      </p:sp>
     </p:spTree>
   </p:cSld>
   <p:clrMapOvr>
@@ -7758,6 +9130,53 @@
           </a:fontRef>
         </p:style>
       </p:pic>
+      <p:sp>
+        <p:nvSpPr>
+          <p:cNvPr id="5" name="4 Slayt Numarası Yer Tutucusu"/>
+          <p:cNvSpPr>
+            <a:spLocks noGrp="1"/>
+          </p:cNvSpPr>
+          <p:nvPr>
+            <p:ph type="sldNum" sz="quarter" idx="12"/>
+          </p:nvPr>
+        </p:nvSpPr>
+        <p:spPr/>
+        <p:txBody>
+          <a:bodyPr/>
+          <a:lstStyle/>
+          <a:p>
+            <a:fld id="{A1DACB16-B709-40FC-8B58-73207C3335E6}" type="slidenum">
+              <a:rPr lang="tr-TR" smtClean="0"/>
+              <a:pPr/>
+              <a:t>27</a:t>
+            </a:fld>
+            <a:endParaRPr lang="tr-TR"/>
+          </a:p>
+        </p:txBody>
+      </p:sp>
+      <p:sp>
+        <p:nvSpPr>
+          <p:cNvPr id="6" name="5 Altbilgi Yer Tutucusu"/>
+          <p:cNvSpPr>
+            <a:spLocks noGrp="1"/>
+          </p:cNvSpPr>
+          <p:nvPr>
+            <p:ph type="ftr" sz="quarter" idx="11"/>
+          </p:nvPr>
+        </p:nvSpPr>
+        <p:spPr/>
+        <p:txBody>
+          <a:bodyPr/>
+          <a:lstStyle/>
+          <a:p>
+            <a:r>
+              <a:rPr lang="en-US" smtClean="0"/>
+              <a:t>Introduction to Kotlin (c) Kerem Akkaya</a:t>
+            </a:r>
+            <a:endParaRPr lang="tr-TR"/>
+          </a:p>
+        </p:txBody>
+      </p:sp>
     </p:spTree>
   </p:cSld>
   <p:clrMapOvr>
@@ -7986,6 +9405,53 @@
           </a:fontRef>
         </p:style>
       </p:pic>
+      <p:sp>
+        <p:nvSpPr>
+          <p:cNvPr id="7" name="6 Slayt Numarası Yer Tutucusu"/>
+          <p:cNvSpPr>
+            <a:spLocks noGrp="1"/>
+          </p:cNvSpPr>
+          <p:nvPr>
+            <p:ph type="sldNum" sz="quarter" idx="12"/>
+          </p:nvPr>
+        </p:nvSpPr>
+        <p:spPr/>
+        <p:txBody>
+          <a:bodyPr/>
+          <a:lstStyle/>
+          <a:p>
+            <a:fld id="{A1DACB16-B709-40FC-8B58-73207C3335E6}" type="slidenum">
+              <a:rPr lang="tr-TR" smtClean="0"/>
+              <a:pPr/>
+              <a:t>28</a:t>
+            </a:fld>
+            <a:endParaRPr lang="tr-TR"/>
+          </a:p>
+        </p:txBody>
+      </p:sp>
+      <p:sp>
+        <p:nvSpPr>
+          <p:cNvPr id="8" name="7 Altbilgi Yer Tutucusu"/>
+          <p:cNvSpPr>
+            <a:spLocks noGrp="1"/>
+          </p:cNvSpPr>
+          <p:nvPr>
+            <p:ph type="ftr" sz="quarter" idx="11"/>
+          </p:nvPr>
+        </p:nvSpPr>
+        <p:spPr/>
+        <p:txBody>
+          <a:bodyPr/>
+          <a:lstStyle/>
+          <a:p>
+            <a:r>
+              <a:rPr lang="en-US" smtClean="0"/>
+              <a:t>Introduction to Kotlin (c) Kerem Akkaya</a:t>
+            </a:r>
+            <a:endParaRPr lang="tr-TR"/>
+          </a:p>
+        </p:txBody>
+      </p:sp>
     </p:spTree>
   </p:cSld>
   <p:clrMapOvr>
@@ -8128,6 +9594,53 @@
           </a:fontRef>
         </p:style>
       </p:pic>
+      <p:sp>
+        <p:nvSpPr>
+          <p:cNvPr id="5" name="4 Slayt Numarası Yer Tutucusu"/>
+          <p:cNvSpPr>
+            <a:spLocks noGrp="1"/>
+          </p:cNvSpPr>
+          <p:nvPr>
+            <p:ph type="sldNum" sz="quarter" idx="12"/>
+          </p:nvPr>
+        </p:nvSpPr>
+        <p:spPr/>
+        <p:txBody>
+          <a:bodyPr/>
+          <a:lstStyle/>
+          <a:p>
+            <a:fld id="{A1DACB16-B709-40FC-8B58-73207C3335E6}" type="slidenum">
+              <a:rPr lang="tr-TR" smtClean="0"/>
+              <a:pPr/>
+              <a:t>29</a:t>
+            </a:fld>
+            <a:endParaRPr lang="tr-TR"/>
+          </a:p>
+        </p:txBody>
+      </p:sp>
+      <p:sp>
+        <p:nvSpPr>
+          <p:cNvPr id="6" name="5 Altbilgi Yer Tutucusu"/>
+          <p:cNvSpPr>
+            <a:spLocks noGrp="1"/>
+          </p:cNvSpPr>
+          <p:nvPr>
+            <p:ph type="ftr" sz="quarter" idx="11"/>
+          </p:nvPr>
+        </p:nvSpPr>
+        <p:spPr/>
+        <p:txBody>
+          <a:bodyPr/>
+          <a:lstStyle/>
+          <a:p>
+            <a:r>
+              <a:rPr lang="en-US" smtClean="0"/>
+              <a:t>Introduction to Kotlin (c) Kerem Akkaya</a:t>
+            </a:r>
+            <a:endParaRPr lang="tr-TR"/>
+          </a:p>
+        </p:txBody>
+      </p:sp>
     </p:spTree>
   </p:cSld>
   <p:clrMapOvr>
@@ -8316,6 +9829,53 @@
           </a:p>
           <a:p>
             <a:endParaRPr lang="tr-TR" dirty="0"/>
+          </a:p>
+        </p:txBody>
+      </p:sp>
+      <p:sp>
+        <p:nvSpPr>
+          <p:cNvPr id="4" name="3 Slayt Numarası Yer Tutucusu"/>
+          <p:cNvSpPr>
+            <a:spLocks noGrp="1"/>
+          </p:cNvSpPr>
+          <p:nvPr>
+            <p:ph type="sldNum" sz="quarter" idx="12"/>
+          </p:nvPr>
+        </p:nvSpPr>
+        <p:spPr/>
+        <p:txBody>
+          <a:bodyPr/>
+          <a:lstStyle/>
+          <a:p>
+            <a:fld id="{A1DACB16-B709-40FC-8B58-73207C3335E6}" type="slidenum">
+              <a:rPr lang="tr-TR" smtClean="0"/>
+              <a:pPr/>
+              <a:t>3</a:t>
+            </a:fld>
+            <a:endParaRPr lang="tr-TR"/>
+          </a:p>
+        </p:txBody>
+      </p:sp>
+      <p:sp>
+        <p:nvSpPr>
+          <p:cNvPr id="5" name="4 Altbilgi Yer Tutucusu"/>
+          <p:cNvSpPr>
+            <a:spLocks noGrp="1"/>
+          </p:cNvSpPr>
+          <p:nvPr>
+            <p:ph type="ftr" sz="quarter" idx="11"/>
+          </p:nvPr>
+        </p:nvSpPr>
+        <p:spPr/>
+        <p:txBody>
+          <a:bodyPr/>
+          <a:lstStyle/>
+          <a:p>
+            <a:r>
+              <a:rPr lang="en-US" smtClean="0"/>
+              <a:t>Introduction to Kotlin (c) Kerem Akkaya</a:t>
+            </a:r>
+            <a:endParaRPr lang="tr-TR"/>
           </a:p>
         </p:txBody>
       </p:sp>
@@ -8473,6 +10033,53 @@
           </a:fontRef>
         </p:style>
       </p:pic>
+      <p:sp>
+        <p:nvSpPr>
+          <p:cNvPr id="5" name="4 Slayt Numarası Yer Tutucusu"/>
+          <p:cNvSpPr>
+            <a:spLocks noGrp="1"/>
+          </p:cNvSpPr>
+          <p:nvPr>
+            <p:ph type="sldNum" sz="quarter" idx="12"/>
+          </p:nvPr>
+        </p:nvSpPr>
+        <p:spPr/>
+        <p:txBody>
+          <a:bodyPr/>
+          <a:lstStyle/>
+          <a:p>
+            <a:fld id="{A1DACB16-B709-40FC-8B58-73207C3335E6}" type="slidenum">
+              <a:rPr lang="tr-TR" smtClean="0"/>
+              <a:pPr/>
+              <a:t>30</a:t>
+            </a:fld>
+            <a:endParaRPr lang="tr-TR"/>
+          </a:p>
+        </p:txBody>
+      </p:sp>
+      <p:sp>
+        <p:nvSpPr>
+          <p:cNvPr id="6" name="5 Altbilgi Yer Tutucusu"/>
+          <p:cNvSpPr>
+            <a:spLocks noGrp="1"/>
+          </p:cNvSpPr>
+          <p:nvPr>
+            <p:ph type="ftr" sz="quarter" idx="11"/>
+          </p:nvPr>
+        </p:nvSpPr>
+        <p:spPr/>
+        <p:txBody>
+          <a:bodyPr/>
+          <a:lstStyle/>
+          <a:p>
+            <a:r>
+              <a:rPr lang="en-US" smtClean="0"/>
+              <a:t>Introduction to Kotlin (c) Kerem Akkaya</a:t>
+            </a:r>
+            <a:endParaRPr lang="tr-TR"/>
+          </a:p>
+        </p:txBody>
+      </p:sp>
     </p:spTree>
   </p:cSld>
   <p:clrMapOvr>
@@ -8609,6 +10216,53 @@
           </a:fontRef>
         </p:style>
       </p:pic>
+      <p:sp>
+        <p:nvSpPr>
+          <p:cNvPr id="5" name="4 Slayt Numarası Yer Tutucusu"/>
+          <p:cNvSpPr>
+            <a:spLocks noGrp="1"/>
+          </p:cNvSpPr>
+          <p:nvPr>
+            <p:ph type="sldNum" sz="quarter" idx="12"/>
+          </p:nvPr>
+        </p:nvSpPr>
+        <p:spPr/>
+        <p:txBody>
+          <a:bodyPr/>
+          <a:lstStyle/>
+          <a:p>
+            <a:fld id="{A1DACB16-B709-40FC-8B58-73207C3335E6}" type="slidenum">
+              <a:rPr lang="tr-TR" smtClean="0"/>
+              <a:pPr/>
+              <a:t>31</a:t>
+            </a:fld>
+            <a:endParaRPr lang="tr-TR"/>
+          </a:p>
+        </p:txBody>
+      </p:sp>
+      <p:sp>
+        <p:nvSpPr>
+          <p:cNvPr id="6" name="5 Altbilgi Yer Tutucusu"/>
+          <p:cNvSpPr>
+            <a:spLocks noGrp="1"/>
+          </p:cNvSpPr>
+          <p:nvPr>
+            <p:ph type="ftr" sz="quarter" idx="11"/>
+          </p:nvPr>
+        </p:nvSpPr>
+        <p:spPr/>
+        <p:txBody>
+          <a:bodyPr/>
+          <a:lstStyle/>
+          <a:p>
+            <a:r>
+              <a:rPr lang="en-US" smtClean="0"/>
+              <a:t>Introduction to Kotlin (c) Kerem Akkaya</a:t>
+            </a:r>
+            <a:endParaRPr lang="tr-TR"/>
+          </a:p>
+        </p:txBody>
+      </p:sp>
     </p:spTree>
   </p:cSld>
   <p:clrMapOvr>
@@ -8786,6 +10440,53 @@
           </a:fontRef>
         </p:style>
       </p:pic>
+      <p:sp>
+        <p:nvSpPr>
+          <p:cNvPr id="6" name="5 Slayt Numarası Yer Tutucusu"/>
+          <p:cNvSpPr>
+            <a:spLocks noGrp="1"/>
+          </p:cNvSpPr>
+          <p:nvPr>
+            <p:ph type="sldNum" sz="quarter" idx="12"/>
+          </p:nvPr>
+        </p:nvSpPr>
+        <p:spPr/>
+        <p:txBody>
+          <a:bodyPr/>
+          <a:lstStyle/>
+          <a:p>
+            <a:fld id="{A1DACB16-B709-40FC-8B58-73207C3335E6}" type="slidenum">
+              <a:rPr lang="tr-TR" smtClean="0"/>
+              <a:pPr/>
+              <a:t>32</a:t>
+            </a:fld>
+            <a:endParaRPr lang="tr-TR"/>
+          </a:p>
+        </p:txBody>
+      </p:sp>
+      <p:sp>
+        <p:nvSpPr>
+          <p:cNvPr id="7" name="6 Altbilgi Yer Tutucusu"/>
+          <p:cNvSpPr>
+            <a:spLocks noGrp="1"/>
+          </p:cNvSpPr>
+          <p:nvPr>
+            <p:ph type="ftr" sz="quarter" idx="11"/>
+          </p:nvPr>
+        </p:nvSpPr>
+        <p:spPr/>
+        <p:txBody>
+          <a:bodyPr/>
+          <a:lstStyle/>
+          <a:p>
+            <a:r>
+              <a:rPr lang="en-US" smtClean="0"/>
+              <a:t>Introduction to Kotlin (c) Kerem Akkaya</a:t>
+            </a:r>
+            <a:endParaRPr lang="tr-TR"/>
+          </a:p>
+        </p:txBody>
+      </p:sp>
     </p:spTree>
   </p:cSld>
   <p:clrMapOvr>
@@ -9019,6 +10720,53 @@
           </a:fontRef>
         </p:style>
       </p:pic>
+      <p:sp>
+        <p:nvSpPr>
+          <p:cNvPr id="7" name="6 Slayt Numarası Yer Tutucusu"/>
+          <p:cNvSpPr>
+            <a:spLocks noGrp="1"/>
+          </p:cNvSpPr>
+          <p:nvPr>
+            <p:ph type="sldNum" sz="quarter" idx="12"/>
+          </p:nvPr>
+        </p:nvSpPr>
+        <p:spPr/>
+        <p:txBody>
+          <a:bodyPr/>
+          <a:lstStyle/>
+          <a:p>
+            <a:fld id="{A1DACB16-B709-40FC-8B58-73207C3335E6}" type="slidenum">
+              <a:rPr lang="tr-TR" smtClean="0"/>
+              <a:pPr/>
+              <a:t>33</a:t>
+            </a:fld>
+            <a:endParaRPr lang="tr-TR"/>
+          </a:p>
+        </p:txBody>
+      </p:sp>
+      <p:sp>
+        <p:nvSpPr>
+          <p:cNvPr id="8" name="7 Altbilgi Yer Tutucusu"/>
+          <p:cNvSpPr>
+            <a:spLocks noGrp="1"/>
+          </p:cNvSpPr>
+          <p:nvPr>
+            <p:ph type="ftr" sz="quarter" idx="11"/>
+          </p:nvPr>
+        </p:nvSpPr>
+        <p:spPr/>
+        <p:txBody>
+          <a:bodyPr/>
+          <a:lstStyle/>
+          <a:p>
+            <a:r>
+              <a:rPr lang="en-US" smtClean="0"/>
+              <a:t>Introduction to Kotlin (c) Kerem Akkaya</a:t>
+            </a:r>
+            <a:endParaRPr lang="tr-TR"/>
+          </a:p>
+        </p:txBody>
+      </p:sp>
     </p:spTree>
   </p:cSld>
   <p:clrMapOvr>
@@ -9247,6 +10995,53 @@
           </a:fontRef>
         </p:style>
       </p:pic>
+      <p:sp>
+        <p:nvSpPr>
+          <p:cNvPr id="7" name="6 Slayt Numarası Yer Tutucusu"/>
+          <p:cNvSpPr>
+            <a:spLocks noGrp="1"/>
+          </p:cNvSpPr>
+          <p:nvPr>
+            <p:ph type="sldNum" sz="quarter" idx="12"/>
+          </p:nvPr>
+        </p:nvSpPr>
+        <p:spPr/>
+        <p:txBody>
+          <a:bodyPr/>
+          <a:lstStyle/>
+          <a:p>
+            <a:fld id="{A1DACB16-B709-40FC-8B58-73207C3335E6}" type="slidenum">
+              <a:rPr lang="tr-TR" smtClean="0"/>
+              <a:pPr/>
+              <a:t>34</a:t>
+            </a:fld>
+            <a:endParaRPr lang="tr-TR"/>
+          </a:p>
+        </p:txBody>
+      </p:sp>
+      <p:sp>
+        <p:nvSpPr>
+          <p:cNvPr id="8" name="7 Altbilgi Yer Tutucusu"/>
+          <p:cNvSpPr>
+            <a:spLocks noGrp="1"/>
+          </p:cNvSpPr>
+          <p:nvPr>
+            <p:ph type="ftr" sz="quarter" idx="11"/>
+          </p:nvPr>
+        </p:nvSpPr>
+        <p:spPr/>
+        <p:txBody>
+          <a:bodyPr/>
+          <a:lstStyle/>
+          <a:p>
+            <a:r>
+              <a:rPr lang="en-US" smtClean="0"/>
+              <a:t>Introduction to Kotlin (c) Kerem Akkaya</a:t>
+            </a:r>
+            <a:endParaRPr lang="tr-TR"/>
+          </a:p>
+        </p:txBody>
+      </p:sp>
     </p:spTree>
   </p:cSld>
   <p:clrMapOvr>
@@ -9402,6 +11197,53 @@
           </a:fontRef>
         </p:style>
       </p:pic>
+      <p:sp>
+        <p:nvSpPr>
+          <p:cNvPr id="5" name="4 Slayt Numarası Yer Tutucusu"/>
+          <p:cNvSpPr>
+            <a:spLocks noGrp="1"/>
+          </p:cNvSpPr>
+          <p:nvPr>
+            <p:ph type="sldNum" sz="quarter" idx="12"/>
+          </p:nvPr>
+        </p:nvSpPr>
+        <p:spPr/>
+        <p:txBody>
+          <a:bodyPr/>
+          <a:lstStyle/>
+          <a:p>
+            <a:fld id="{A1DACB16-B709-40FC-8B58-73207C3335E6}" type="slidenum">
+              <a:rPr lang="tr-TR" smtClean="0"/>
+              <a:pPr/>
+              <a:t>35</a:t>
+            </a:fld>
+            <a:endParaRPr lang="tr-TR"/>
+          </a:p>
+        </p:txBody>
+      </p:sp>
+      <p:sp>
+        <p:nvSpPr>
+          <p:cNvPr id="6" name="5 Altbilgi Yer Tutucusu"/>
+          <p:cNvSpPr>
+            <a:spLocks noGrp="1"/>
+          </p:cNvSpPr>
+          <p:nvPr>
+            <p:ph type="ftr" sz="quarter" idx="11"/>
+          </p:nvPr>
+        </p:nvSpPr>
+        <p:spPr/>
+        <p:txBody>
+          <a:bodyPr/>
+          <a:lstStyle/>
+          <a:p>
+            <a:r>
+              <a:rPr lang="en-US" smtClean="0"/>
+              <a:t>Introduction to Kotlin (c) Kerem Akkaya</a:t>
+            </a:r>
+            <a:endParaRPr lang="tr-TR"/>
+          </a:p>
+        </p:txBody>
+      </p:sp>
     </p:spTree>
   </p:cSld>
   <p:clrMapOvr>
@@ -9557,6 +11399,53 @@
           </a:fontRef>
         </p:style>
       </p:pic>
+      <p:sp>
+        <p:nvSpPr>
+          <p:cNvPr id="5" name="4 Slayt Numarası Yer Tutucusu"/>
+          <p:cNvSpPr>
+            <a:spLocks noGrp="1"/>
+          </p:cNvSpPr>
+          <p:nvPr>
+            <p:ph type="sldNum" sz="quarter" idx="12"/>
+          </p:nvPr>
+        </p:nvSpPr>
+        <p:spPr/>
+        <p:txBody>
+          <a:bodyPr/>
+          <a:lstStyle/>
+          <a:p>
+            <a:fld id="{A1DACB16-B709-40FC-8B58-73207C3335E6}" type="slidenum">
+              <a:rPr lang="tr-TR" smtClean="0"/>
+              <a:pPr/>
+              <a:t>36</a:t>
+            </a:fld>
+            <a:endParaRPr lang="tr-TR"/>
+          </a:p>
+        </p:txBody>
+      </p:sp>
+      <p:sp>
+        <p:nvSpPr>
+          <p:cNvPr id="6" name="5 Altbilgi Yer Tutucusu"/>
+          <p:cNvSpPr>
+            <a:spLocks noGrp="1"/>
+          </p:cNvSpPr>
+          <p:nvPr>
+            <p:ph type="ftr" sz="quarter" idx="11"/>
+          </p:nvPr>
+        </p:nvSpPr>
+        <p:spPr/>
+        <p:txBody>
+          <a:bodyPr/>
+          <a:lstStyle/>
+          <a:p>
+            <a:r>
+              <a:rPr lang="en-US" smtClean="0"/>
+              <a:t>Introduction to Kotlin (c) Kerem Akkaya</a:t>
+            </a:r>
+            <a:endParaRPr lang="tr-TR"/>
+          </a:p>
+        </p:txBody>
+      </p:sp>
     </p:spTree>
   </p:cSld>
   <p:clrMapOvr>
@@ -9695,6 +11584,53 @@
           </a:fontRef>
         </p:style>
       </p:pic>
+      <p:sp>
+        <p:nvSpPr>
+          <p:cNvPr id="5" name="4 Slayt Numarası Yer Tutucusu"/>
+          <p:cNvSpPr>
+            <a:spLocks noGrp="1"/>
+          </p:cNvSpPr>
+          <p:nvPr>
+            <p:ph type="sldNum" sz="quarter" idx="12"/>
+          </p:nvPr>
+        </p:nvSpPr>
+        <p:spPr/>
+        <p:txBody>
+          <a:bodyPr/>
+          <a:lstStyle/>
+          <a:p>
+            <a:fld id="{A1DACB16-B709-40FC-8B58-73207C3335E6}" type="slidenum">
+              <a:rPr lang="tr-TR" smtClean="0"/>
+              <a:pPr/>
+              <a:t>37</a:t>
+            </a:fld>
+            <a:endParaRPr lang="tr-TR"/>
+          </a:p>
+        </p:txBody>
+      </p:sp>
+      <p:sp>
+        <p:nvSpPr>
+          <p:cNvPr id="6" name="5 Altbilgi Yer Tutucusu"/>
+          <p:cNvSpPr>
+            <a:spLocks noGrp="1"/>
+          </p:cNvSpPr>
+          <p:nvPr>
+            <p:ph type="ftr" sz="quarter" idx="11"/>
+          </p:nvPr>
+        </p:nvSpPr>
+        <p:spPr/>
+        <p:txBody>
+          <a:bodyPr/>
+          <a:lstStyle/>
+          <a:p>
+            <a:r>
+              <a:rPr lang="en-US" smtClean="0"/>
+              <a:t>Introduction to Kotlin (c) Kerem Akkaya</a:t>
+            </a:r>
+            <a:endParaRPr lang="tr-TR"/>
+          </a:p>
+        </p:txBody>
+      </p:sp>
     </p:spTree>
   </p:cSld>
   <p:clrMapOvr>
@@ -9850,6 +11786,53 @@
           </a:fontRef>
         </p:style>
       </p:pic>
+      <p:sp>
+        <p:nvSpPr>
+          <p:cNvPr id="5" name="4 Slayt Numarası Yer Tutucusu"/>
+          <p:cNvSpPr>
+            <a:spLocks noGrp="1"/>
+          </p:cNvSpPr>
+          <p:nvPr>
+            <p:ph type="sldNum" sz="quarter" idx="12"/>
+          </p:nvPr>
+        </p:nvSpPr>
+        <p:spPr/>
+        <p:txBody>
+          <a:bodyPr/>
+          <a:lstStyle/>
+          <a:p>
+            <a:fld id="{A1DACB16-B709-40FC-8B58-73207C3335E6}" type="slidenum">
+              <a:rPr lang="tr-TR" smtClean="0"/>
+              <a:pPr/>
+              <a:t>38</a:t>
+            </a:fld>
+            <a:endParaRPr lang="tr-TR"/>
+          </a:p>
+        </p:txBody>
+      </p:sp>
+      <p:sp>
+        <p:nvSpPr>
+          <p:cNvPr id="6" name="5 Altbilgi Yer Tutucusu"/>
+          <p:cNvSpPr>
+            <a:spLocks noGrp="1"/>
+          </p:cNvSpPr>
+          <p:nvPr>
+            <p:ph type="ftr" sz="quarter" idx="11"/>
+          </p:nvPr>
+        </p:nvSpPr>
+        <p:spPr/>
+        <p:txBody>
+          <a:bodyPr/>
+          <a:lstStyle/>
+          <a:p>
+            <a:r>
+              <a:rPr lang="en-US" smtClean="0"/>
+              <a:t>Introduction to Kotlin (c) Kerem Akkaya</a:t>
+            </a:r>
+            <a:endParaRPr lang="tr-TR"/>
+          </a:p>
+        </p:txBody>
+      </p:sp>
     </p:spTree>
   </p:cSld>
   <p:clrMapOvr>
@@ -10032,6 +12015,53 @@
           </a:fontRef>
         </p:style>
       </p:pic>
+      <p:sp>
+        <p:nvSpPr>
+          <p:cNvPr id="6" name="5 Slayt Numarası Yer Tutucusu"/>
+          <p:cNvSpPr>
+            <a:spLocks noGrp="1"/>
+          </p:cNvSpPr>
+          <p:nvPr>
+            <p:ph type="sldNum" sz="quarter" idx="12"/>
+          </p:nvPr>
+        </p:nvSpPr>
+        <p:spPr/>
+        <p:txBody>
+          <a:bodyPr/>
+          <a:lstStyle/>
+          <a:p>
+            <a:fld id="{A1DACB16-B709-40FC-8B58-73207C3335E6}" type="slidenum">
+              <a:rPr lang="tr-TR" smtClean="0"/>
+              <a:pPr/>
+              <a:t>39</a:t>
+            </a:fld>
+            <a:endParaRPr lang="tr-TR"/>
+          </a:p>
+        </p:txBody>
+      </p:sp>
+      <p:sp>
+        <p:nvSpPr>
+          <p:cNvPr id="7" name="6 Altbilgi Yer Tutucusu"/>
+          <p:cNvSpPr>
+            <a:spLocks noGrp="1"/>
+          </p:cNvSpPr>
+          <p:nvPr>
+            <p:ph type="ftr" sz="quarter" idx="11"/>
+          </p:nvPr>
+        </p:nvSpPr>
+        <p:spPr/>
+        <p:txBody>
+          <a:bodyPr/>
+          <a:lstStyle/>
+          <a:p>
+            <a:r>
+              <a:rPr lang="en-US" smtClean="0"/>
+              <a:t>Introduction to Kotlin (c) Kerem Akkaya</a:t>
+            </a:r>
+            <a:endParaRPr lang="tr-TR"/>
+          </a:p>
+        </p:txBody>
+      </p:sp>
     </p:spTree>
   </p:cSld>
   <p:clrMapOvr>
@@ -10209,6 +12239,53 @@
               <a:t>Koan</a:t>
             </a:r>
             <a:endParaRPr lang="tr-TR" dirty="0"/>
+          </a:p>
+        </p:txBody>
+      </p:sp>
+      <p:sp>
+        <p:nvSpPr>
+          <p:cNvPr id="4" name="3 Slayt Numarası Yer Tutucusu"/>
+          <p:cNvSpPr>
+            <a:spLocks noGrp="1"/>
+          </p:cNvSpPr>
+          <p:nvPr>
+            <p:ph type="sldNum" sz="quarter" idx="12"/>
+          </p:nvPr>
+        </p:nvSpPr>
+        <p:spPr/>
+        <p:txBody>
+          <a:bodyPr/>
+          <a:lstStyle/>
+          <a:p>
+            <a:fld id="{A1DACB16-B709-40FC-8B58-73207C3335E6}" type="slidenum">
+              <a:rPr lang="tr-TR" smtClean="0"/>
+              <a:pPr/>
+              <a:t>4</a:t>
+            </a:fld>
+            <a:endParaRPr lang="tr-TR"/>
+          </a:p>
+        </p:txBody>
+      </p:sp>
+      <p:sp>
+        <p:nvSpPr>
+          <p:cNvPr id="5" name="4 Altbilgi Yer Tutucusu"/>
+          <p:cNvSpPr>
+            <a:spLocks noGrp="1"/>
+          </p:cNvSpPr>
+          <p:nvPr>
+            <p:ph type="ftr" sz="quarter" idx="11"/>
+          </p:nvPr>
+        </p:nvSpPr>
+        <p:spPr/>
+        <p:txBody>
+          <a:bodyPr/>
+          <a:lstStyle/>
+          <a:p>
+            <a:r>
+              <a:rPr lang="en-US" smtClean="0"/>
+              <a:t>Introduction to Kotlin (c) Kerem Akkaya</a:t>
+            </a:r>
+            <a:endParaRPr lang="tr-TR"/>
           </a:p>
         </p:txBody>
       </p:sp>
@@ -10256,8 +12333,8 @@
         </p:nvSpPr>
         <p:spPr>
           <a:xfrm>
-            <a:off x="395536" y="0"/>
-            <a:ext cx="8291264" cy="1052736"/>
+            <a:off x="251520" y="0"/>
+            <a:ext cx="8136904" cy="1052736"/>
           </a:xfrm>
         </p:spPr>
         <p:txBody>
@@ -10267,34 +12344,34 @@
           <a:lstStyle/>
           <a:p>
             <a:r>
-              <a:rPr lang="tr-TR" sz="3200" dirty="0" err="1" smtClean="0"/>
+              <a:rPr lang="tr-TR" sz="2800" dirty="0" err="1" smtClean="0"/>
               <a:t>Interfaces</a:t>
             </a:r>
             <a:r>
-              <a:rPr lang="tr-TR" sz="3200" dirty="0" smtClean="0"/>
+              <a:rPr lang="tr-TR" sz="2800" dirty="0" smtClean="0"/>
               <a:t> – </a:t>
             </a:r>
             <a:r>
-              <a:rPr lang="tr-TR" sz="3200" dirty="0" err="1" smtClean="0"/>
+              <a:rPr lang="tr-TR" sz="2800" dirty="0" err="1" smtClean="0"/>
               <a:t>Resolve</a:t>
             </a:r>
             <a:r>
-              <a:rPr lang="tr-TR" sz="3200" dirty="0" smtClean="0"/>
+              <a:rPr lang="tr-TR" sz="2800" dirty="0" smtClean="0"/>
               <a:t> </a:t>
             </a:r>
             <a:r>
-              <a:rPr lang="tr-TR" sz="3200" dirty="0" err="1" smtClean="0"/>
+              <a:rPr lang="tr-TR" sz="2800" dirty="0" err="1" smtClean="0"/>
               <a:t>Override</a:t>
             </a:r>
             <a:r>
-              <a:rPr lang="tr-TR" sz="3200" dirty="0" smtClean="0"/>
+              <a:rPr lang="tr-TR" sz="2800" dirty="0" smtClean="0"/>
               <a:t> </a:t>
             </a:r>
             <a:r>
-              <a:rPr lang="tr-TR" sz="3200" dirty="0" err="1" smtClean="0"/>
+              <a:rPr lang="tr-TR" sz="2800" dirty="0" err="1" smtClean="0"/>
               <a:t>Conflicts</a:t>
             </a:r>
-            <a:endParaRPr lang="tr-TR" sz="3200" dirty="0"/>
+            <a:endParaRPr lang="tr-TR" sz="2800" dirty="0"/>
           </a:p>
         </p:txBody>
       </p:sp>
@@ -10315,7 +12392,7 @@
         </p:blipFill>
         <p:spPr bwMode="auto">
           <a:xfrm>
-            <a:off x="2339752" y="1008413"/>
+            <a:off x="2339752" y="908720"/>
             <a:ext cx="4176464" cy="5705571"/>
           </a:xfrm>
           <a:prstGeom prst="rect">
@@ -10341,6 +12418,53 @@
           </a:fontRef>
         </p:style>
       </p:pic>
+      <p:sp>
+        <p:nvSpPr>
+          <p:cNvPr id="4" name="3 Slayt Numarası Yer Tutucusu"/>
+          <p:cNvSpPr>
+            <a:spLocks noGrp="1"/>
+          </p:cNvSpPr>
+          <p:nvPr>
+            <p:ph type="sldNum" sz="quarter" idx="12"/>
+          </p:nvPr>
+        </p:nvSpPr>
+        <p:spPr/>
+        <p:txBody>
+          <a:bodyPr/>
+          <a:lstStyle/>
+          <a:p>
+            <a:fld id="{A1DACB16-B709-40FC-8B58-73207C3335E6}" type="slidenum">
+              <a:rPr lang="tr-TR" smtClean="0"/>
+              <a:pPr/>
+              <a:t>40</a:t>
+            </a:fld>
+            <a:endParaRPr lang="tr-TR"/>
+          </a:p>
+        </p:txBody>
+      </p:sp>
+      <p:sp>
+        <p:nvSpPr>
+          <p:cNvPr id="5" name="4 Altbilgi Yer Tutucusu"/>
+          <p:cNvSpPr>
+            <a:spLocks noGrp="1"/>
+          </p:cNvSpPr>
+          <p:nvPr>
+            <p:ph type="ftr" sz="quarter" idx="11"/>
+          </p:nvPr>
+        </p:nvSpPr>
+        <p:spPr/>
+        <p:txBody>
+          <a:bodyPr/>
+          <a:lstStyle/>
+          <a:p>
+            <a:r>
+              <a:rPr lang="en-US" smtClean="0"/>
+              <a:t>Introduction to Kotlin (c) Kerem Akkaya</a:t>
+            </a:r>
+            <a:endParaRPr lang="tr-TR"/>
+          </a:p>
+        </p:txBody>
+      </p:sp>
     </p:spTree>
   </p:cSld>
   <p:clrMapOvr>
@@ -10496,6 +12620,53 @@
           </a:fontRef>
         </p:style>
       </p:pic>
+      <p:sp>
+        <p:nvSpPr>
+          <p:cNvPr id="5" name="4 Slayt Numarası Yer Tutucusu"/>
+          <p:cNvSpPr>
+            <a:spLocks noGrp="1"/>
+          </p:cNvSpPr>
+          <p:nvPr>
+            <p:ph type="sldNum" sz="quarter" idx="12"/>
+          </p:nvPr>
+        </p:nvSpPr>
+        <p:spPr/>
+        <p:txBody>
+          <a:bodyPr/>
+          <a:lstStyle/>
+          <a:p>
+            <a:fld id="{A1DACB16-B709-40FC-8B58-73207C3335E6}" type="slidenum">
+              <a:rPr lang="tr-TR" smtClean="0"/>
+              <a:pPr/>
+              <a:t>41</a:t>
+            </a:fld>
+            <a:endParaRPr lang="tr-TR"/>
+          </a:p>
+        </p:txBody>
+      </p:sp>
+      <p:sp>
+        <p:nvSpPr>
+          <p:cNvPr id="6" name="5 Altbilgi Yer Tutucusu"/>
+          <p:cNvSpPr>
+            <a:spLocks noGrp="1"/>
+          </p:cNvSpPr>
+          <p:nvPr>
+            <p:ph type="ftr" sz="quarter" idx="11"/>
+          </p:nvPr>
+        </p:nvSpPr>
+        <p:spPr/>
+        <p:txBody>
+          <a:bodyPr/>
+          <a:lstStyle/>
+          <a:p>
+            <a:r>
+              <a:rPr lang="en-US" smtClean="0"/>
+              <a:t>Introduction to Kotlin (c) Kerem Akkaya</a:t>
+            </a:r>
+            <a:endParaRPr lang="tr-TR"/>
+          </a:p>
+        </p:txBody>
+      </p:sp>
     </p:spTree>
   </p:cSld>
   <p:clrMapOvr>
@@ -10630,6 +12801,53 @@
           </a:fontRef>
         </p:style>
       </p:pic>
+      <p:sp>
+        <p:nvSpPr>
+          <p:cNvPr id="5" name="4 Slayt Numarası Yer Tutucusu"/>
+          <p:cNvSpPr>
+            <a:spLocks noGrp="1"/>
+          </p:cNvSpPr>
+          <p:nvPr>
+            <p:ph type="sldNum" sz="quarter" idx="12"/>
+          </p:nvPr>
+        </p:nvSpPr>
+        <p:spPr/>
+        <p:txBody>
+          <a:bodyPr/>
+          <a:lstStyle/>
+          <a:p>
+            <a:fld id="{A1DACB16-B709-40FC-8B58-73207C3335E6}" type="slidenum">
+              <a:rPr lang="tr-TR" smtClean="0"/>
+              <a:pPr/>
+              <a:t>42</a:t>
+            </a:fld>
+            <a:endParaRPr lang="tr-TR"/>
+          </a:p>
+        </p:txBody>
+      </p:sp>
+      <p:sp>
+        <p:nvSpPr>
+          <p:cNvPr id="6" name="5 Altbilgi Yer Tutucusu"/>
+          <p:cNvSpPr>
+            <a:spLocks noGrp="1"/>
+          </p:cNvSpPr>
+          <p:nvPr>
+            <p:ph type="ftr" sz="quarter" idx="11"/>
+          </p:nvPr>
+        </p:nvSpPr>
+        <p:spPr/>
+        <p:txBody>
+          <a:bodyPr/>
+          <a:lstStyle/>
+          <a:p>
+            <a:r>
+              <a:rPr lang="en-US" smtClean="0"/>
+              <a:t>Introduction to Kotlin (c) Kerem Akkaya</a:t>
+            </a:r>
+            <a:endParaRPr lang="tr-TR"/>
+          </a:p>
+        </p:txBody>
+      </p:sp>
     </p:spTree>
   </p:cSld>
   <p:clrMapOvr>
@@ -10815,6 +13033,53 @@
           </a:fontRef>
         </p:style>
       </p:pic>
+      <p:sp>
+        <p:nvSpPr>
+          <p:cNvPr id="6" name="5 Slayt Numarası Yer Tutucusu"/>
+          <p:cNvSpPr>
+            <a:spLocks noGrp="1"/>
+          </p:cNvSpPr>
+          <p:nvPr>
+            <p:ph type="sldNum" sz="quarter" idx="12"/>
+          </p:nvPr>
+        </p:nvSpPr>
+        <p:spPr/>
+        <p:txBody>
+          <a:bodyPr/>
+          <a:lstStyle/>
+          <a:p>
+            <a:fld id="{A1DACB16-B709-40FC-8B58-73207C3335E6}" type="slidenum">
+              <a:rPr lang="tr-TR" smtClean="0"/>
+              <a:pPr/>
+              <a:t>43</a:t>
+            </a:fld>
+            <a:endParaRPr lang="tr-TR"/>
+          </a:p>
+        </p:txBody>
+      </p:sp>
+      <p:sp>
+        <p:nvSpPr>
+          <p:cNvPr id="7" name="6 Altbilgi Yer Tutucusu"/>
+          <p:cNvSpPr>
+            <a:spLocks noGrp="1"/>
+          </p:cNvSpPr>
+          <p:nvPr>
+            <p:ph type="ftr" sz="quarter" idx="11"/>
+          </p:nvPr>
+        </p:nvSpPr>
+        <p:spPr/>
+        <p:txBody>
+          <a:bodyPr/>
+          <a:lstStyle/>
+          <a:p>
+            <a:r>
+              <a:rPr lang="en-US" smtClean="0"/>
+              <a:t>Introduction to Kotlin (c) Kerem Akkaya</a:t>
+            </a:r>
+            <a:endParaRPr lang="tr-TR"/>
+          </a:p>
+        </p:txBody>
+      </p:sp>
     </p:spTree>
   </p:cSld>
   <p:clrMapOvr>
@@ -10914,6 +13179,53 @@
           </a:fontRef>
         </p:style>
       </p:pic>
+      <p:sp>
+        <p:nvSpPr>
+          <p:cNvPr id="4" name="3 Slayt Numarası Yer Tutucusu"/>
+          <p:cNvSpPr>
+            <a:spLocks noGrp="1"/>
+          </p:cNvSpPr>
+          <p:nvPr>
+            <p:ph type="sldNum" sz="quarter" idx="12"/>
+          </p:nvPr>
+        </p:nvSpPr>
+        <p:spPr/>
+        <p:txBody>
+          <a:bodyPr/>
+          <a:lstStyle/>
+          <a:p>
+            <a:fld id="{A1DACB16-B709-40FC-8B58-73207C3335E6}" type="slidenum">
+              <a:rPr lang="tr-TR" smtClean="0"/>
+              <a:pPr/>
+              <a:t>44</a:t>
+            </a:fld>
+            <a:endParaRPr lang="tr-TR"/>
+          </a:p>
+        </p:txBody>
+      </p:sp>
+      <p:sp>
+        <p:nvSpPr>
+          <p:cNvPr id="5" name="4 Altbilgi Yer Tutucusu"/>
+          <p:cNvSpPr>
+            <a:spLocks noGrp="1"/>
+          </p:cNvSpPr>
+          <p:nvPr>
+            <p:ph type="ftr" sz="quarter" idx="11"/>
+          </p:nvPr>
+        </p:nvSpPr>
+        <p:spPr/>
+        <p:txBody>
+          <a:bodyPr/>
+          <a:lstStyle/>
+          <a:p>
+            <a:r>
+              <a:rPr lang="en-US" smtClean="0"/>
+              <a:t>Introduction to Kotlin (c) Kerem Akkaya</a:t>
+            </a:r>
+            <a:endParaRPr lang="tr-TR"/>
+          </a:p>
+        </p:txBody>
+      </p:sp>
     </p:spTree>
   </p:cSld>
   <p:clrMapOvr>
@@ -11060,6 +13372,53 @@
           </a:fontRef>
         </p:style>
       </p:pic>
+      <p:sp>
+        <p:nvSpPr>
+          <p:cNvPr id="5" name="4 Slayt Numarası Yer Tutucusu"/>
+          <p:cNvSpPr>
+            <a:spLocks noGrp="1"/>
+          </p:cNvSpPr>
+          <p:nvPr>
+            <p:ph type="sldNum" sz="quarter" idx="12"/>
+          </p:nvPr>
+        </p:nvSpPr>
+        <p:spPr/>
+        <p:txBody>
+          <a:bodyPr/>
+          <a:lstStyle/>
+          <a:p>
+            <a:fld id="{A1DACB16-B709-40FC-8B58-73207C3335E6}" type="slidenum">
+              <a:rPr lang="tr-TR" smtClean="0"/>
+              <a:pPr/>
+              <a:t>45</a:t>
+            </a:fld>
+            <a:endParaRPr lang="tr-TR"/>
+          </a:p>
+        </p:txBody>
+      </p:sp>
+      <p:sp>
+        <p:nvSpPr>
+          <p:cNvPr id="6" name="5 Altbilgi Yer Tutucusu"/>
+          <p:cNvSpPr>
+            <a:spLocks noGrp="1"/>
+          </p:cNvSpPr>
+          <p:nvPr>
+            <p:ph type="ftr" sz="quarter" idx="11"/>
+          </p:nvPr>
+        </p:nvSpPr>
+        <p:spPr/>
+        <p:txBody>
+          <a:bodyPr/>
+          <a:lstStyle/>
+          <a:p>
+            <a:r>
+              <a:rPr lang="en-US" smtClean="0"/>
+              <a:t>Introduction to Kotlin (c) Kerem Akkaya</a:t>
+            </a:r>
+            <a:endParaRPr lang="tr-TR"/>
+          </a:p>
+        </p:txBody>
+      </p:sp>
     </p:spTree>
   </p:cSld>
   <p:clrMapOvr>
@@ -11262,6 +13621,53 @@
           </a:p>
         </p:txBody>
       </p:sp>
+      <p:sp>
+        <p:nvSpPr>
+          <p:cNvPr id="7" name="6 Slayt Numarası Yer Tutucusu"/>
+          <p:cNvSpPr>
+            <a:spLocks noGrp="1"/>
+          </p:cNvSpPr>
+          <p:nvPr>
+            <p:ph type="sldNum" sz="quarter" idx="12"/>
+          </p:nvPr>
+        </p:nvSpPr>
+        <p:spPr/>
+        <p:txBody>
+          <a:bodyPr/>
+          <a:lstStyle/>
+          <a:p>
+            <a:fld id="{A1DACB16-B709-40FC-8B58-73207C3335E6}" type="slidenum">
+              <a:rPr lang="tr-TR" smtClean="0"/>
+              <a:pPr/>
+              <a:t>46</a:t>
+            </a:fld>
+            <a:endParaRPr lang="tr-TR"/>
+          </a:p>
+        </p:txBody>
+      </p:sp>
+      <p:sp>
+        <p:nvSpPr>
+          <p:cNvPr id="8" name="7 Altbilgi Yer Tutucusu"/>
+          <p:cNvSpPr>
+            <a:spLocks noGrp="1"/>
+          </p:cNvSpPr>
+          <p:nvPr>
+            <p:ph type="ftr" sz="quarter" idx="11"/>
+          </p:nvPr>
+        </p:nvSpPr>
+        <p:spPr/>
+        <p:txBody>
+          <a:bodyPr/>
+          <a:lstStyle/>
+          <a:p>
+            <a:r>
+              <a:rPr lang="en-US" smtClean="0"/>
+              <a:t>Introduction to Kotlin (c) Kerem Akkaya</a:t>
+            </a:r>
+            <a:endParaRPr lang="tr-TR"/>
+          </a:p>
+        </p:txBody>
+      </p:sp>
     </p:spTree>
   </p:cSld>
   <p:clrMapOvr>
@@ -11464,6 +13870,53 @@
           </a:fontRef>
         </p:style>
       </p:pic>
+      <p:sp>
+        <p:nvSpPr>
+          <p:cNvPr id="7" name="6 Slayt Numarası Yer Tutucusu"/>
+          <p:cNvSpPr>
+            <a:spLocks noGrp="1"/>
+          </p:cNvSpPr>
+          <p:nvPr>
+            <p:ph type="sldNum" sz="quarter" idx="12"/>
+          </p:nvPr>
+        </p:nvSpPr>
+        <p:spPr/>
+        <p:txBody>
+          <a:bodyPr/>
+          <a:lstStyle/>
+          <a:p>
+            <a:fld id="{A1DACB16-B709-40FC-8B58-73207C3335E6}" type="slidenum">
+              <a:rPr lang="tr-TR" smtClean="0"/>
+              <a:pPr/>
+              <a:t>47</a:t>
+            </a:fld>
+            <a:endParaRPr lang="tr-TR"/>
+          </a:p>
+        </p:txBody>
+      </p:sp>
+      <p:sp>
+        <p:nvSpPr>
+          <p:cNvPr id="8" name="7 Altbilgi Yer Tutucusu"/>
+          <p:cNvSpPr>
+            <a:spLocks noGrp="1"/>
+          </p:cNvSpPr>
+          <p:nvPr>
+            <p:ph type="ftr" sz="quarter" idx="11"/>
+          </p:nvPr>
+        </p:nvSpPr>
+        <p:spPr/>
+        <p:txBody>
+          <a:bodyPr/>
+          <a:lstStyle/>
+          <a:p>
+            <a:r>
+              <a:rPr lang="en-US" smtClean="0"/>
+              <a:t>Introduction to Kotlin (c) Kerem Akkaya</a:t>
+            </a:r>
+            <a:endParaRPr lang="tr-TR"/>
+          </a:p>
+        </p:txBody>
+      </p:sp>
     </p:spTree>
   </p:cSld>
   <p:clrMapOvr>
@@ -11566,6 +14019,53 @@
           </a:p>
           <a:p>
             <a:endParaRPr lang="tr-TR" dirty="0"/>
+          </a:p>
+        </p:txBody>
+      </p:sp>
+      <p:sp>
+        <p:nvSpPr>
+          <p:cNvPr id="4" name="3 Slayt Numarası Yer Tutucusu"/>
+          <p:cNvSpPr>
+            <a:spLocks noGrp="1"/>
+          </p:cNvSpPr>
+          <p:nvPr>
+            <p:ph type="sldNum" sz="quarter" idx="12"/>
+          </p:nvPr>
+        </p:nvSpPr>
+        <p:spPr/>
+        <p:txBody>
+          <a:bodyPr/>
+          <a:lstStyle/>
+          <a:p>
+            <a:fld id="{A1DACB16-B709-40FC-8B58-73207C3335E6}" type="slidenum">
+              <a:rPr lang="tr-TR" smtClean="0"/>
+              <a:pPr/>
+              <a:t>48</a:t>
+            </a:fld>
+            <a:endParaRPr lang="tr-TR"/>
+          </a:p>
+        </p:txBody>
+      </p:sp>
+      <p:sp>
+        <p:nvSpPr>
+          <p:cNvPr id="5" name="4 Altbilgi Yer Tutucusu"/>
+          <p:cNvSpPr>
+            <a:spLocks noGrp="1"/>
+          </p:cNvSpPr>
+          <p:nvPr>
+            <p:ph type="ftr" sz="quarter" idx="11"/>
+          </p:nvPr>
+        </p:nvSpPr>
+        <p:spPr/>
+        <p:txBody>
+          <a:bodyPr/>
+          <a:lstStyle/>
+          <a:p>
+            <a:r>
+              <a:rPr lang="en-US" smtClean="0"/>
+              <a:t>Introduction to Kotlin (c) Kerem Akkaya</a:t>
+            </a:r>
+            <a:endParaRPr lang="tr-TR"/>
           </a:p>
         </p:txBody>
       </p:sp>
@@ -11904,6 +14404,53 @@
               <a:t>js</a:t>
             </a:r>
             <a:endParaRPr lang="tr-TR" dirty="0"/>
+          </a:p>
+        </p:txBody>
+      </p:sp>
+      <p:sp>
+        <p:nvSpPr>
+          <p:cNvPr id="4" name="3 Slayt Numarası Yer Tutucusu"/>
+          <p:cNvSpPr>
+            <a:spLocks noGrp="1"/>
+          </p:cNvSpPr>
+          <p:nvPr>
+            <p:ph type="sldNum" sz="quarter" idx="12"/>
+          </p:nvPr>
+        </p:nvSpPr>
+        <p:spPr/>
+        <p:txBody>
+          <a:bodyPr/>
+          <a:lstStyle/>
+          <a:p>
+            <a:fld id="{A1DACB16-B709-40FC-8B58-73207C3335E6}" type="slidenum">
+              <a:rPr lang="tr-TR" smtClean="0"/>
+              <a:pPr/>
+              <a:t>5</a:t>
+            </a:fld>
+            <a:endParaRPr lang="tr-TR"/>
+          </a:p>
+        </p:txBody>
+      </p:sp>
+      <p:sp>
+        <p:nvSpPr>
+          <p:cNvPr id="5" name="4 Altbilgi Yer Tutucusu"/>
+          <p:cNvSpPr>
+            <a:spLocks noGrp="1"/>
+          </p:cNvSpPr>
+          <p:nvPr>
+            <p:ph type="ftr" sz="quarter" idx="11"/>
+          </p:nvPr>
+        </p:nvSpPr>
+        <p:spPr/>
+        <p:txBody>
+          <a:bodyPr/>
+          <a:lstStyle/>
+          <a:p>
+            <a:r>
+              <a:rPr lang="en-US" smtClean="0"/>
+              <a:t>Introduction to Kotlin (c) Kerem Akkaya</a:t>
+            </a:r>
+            <a:endParaRPr lang="tr-TR"/>
           </a:p>
         </p:txBody>
       </p:sp>
@@ -12114,6 +14661,53 @@
           </a:p>
         </p:txBody>
       </p:sp>
+      <p:sp>
+        <p:nvSpPr>
+          <p:cNvPr id="4" name="3 Slayt Numarası Yer Tutucusu"/>
+          <p:cNvSpPr>
+            <a:spLocks noGrp="1"/>
+          </p:cNvSpPr>
+          <p:nvPr>
+            <p:ph type="sldNum" sz="quarter" idx="12"/>
+          </p:nvPr>
+        </p:nvSpPr>
+        <p:spPr/>
+        <p:txBody>
+          <a:bodyPr/>
+          <a:lstStyle/>
+          <a:p>
+            <a:fld id="{A1DACB16-B709-40FC-8B58-73207C3335E6}" type="slidenum">
+              <a:rPr lang="tr-TR" smtClean="0"/>
+              <a:pPr/>
+              <a:t>6</a:t>
+            </a:fld>
+            <a:endParaRPr lang="tr-TR"/>
+          </a:p>
+        </p:txBody>
+      </p:sp>
+      <p:sp>
+        <p:nvSpPr>
+          <p:cNvPr id="5" name="4 Altbilgi Yer Tutucusu"/>
+          <p:cNvSpPr>
+            <a:spLocks noGrp="1"/>
+          </p:cNvSpPr>
+          <p:nvPr>
+            <p:ph type="ftr" sz="quarter" idx="11"/>
+          </p:nvPr>
+        </p:nvSpPr>
+        <p:spPr/>
+        <p:txBody>
+          <a:bodyPr/>
+          <a:lstStyle/>
+          <a:p>
+            <a:r>
+              <a:rPr lang="en-US" smtClean="0"/>
+              <a:t>Introduction to Kotlin (c) Kerem Akkaya</a:t>
+            </a:r>
+            <a:endParaRPr lang="tr-TR"/>
+          </a:p>
+        </p:txBody>
+      </p:sp>
     </p:spTree>
   </p:cSld>
   <p:clrMapOvr>
@@ -12271,6 +14865,53 @@
           </a:fontRef>
         </p:style>
       </p:pic>
+      <p:sp>
+        <p:nvSpPr>
+          <p:cNvPr id="5" name="4 Slayt Numarası Yer Tutucusu"/>
+          <p:cNvSpPr>
+            <a:spLocks noGrp="1"/>
+          </p:cNvSpPr>
+          <p:nvPr>
+            <p:ph type="sldNum" sz="quarter" idx="12"/>
+          </p:nvPr>
+        </p:nvSpPr>
+        <p:spPr/>
+        <p:txBody>
+          <a:bodyPr/>
+          <a:lstStyle/>
+          <a:p>
+            <a:fld id="{A1DACB16-B709-40FC-8B58-73207C3335E6}" type="slidenum">
+              <a:rPr lang="tr-TR" smtClean="0"/>
+              <a:pPr/>
+              <a:t>7</a:t>
+            </a:fld>
+            <a:endParaRPr lang="tr-TR"/>
+          </a:p>
+        </p:txBody>
+      </p:sp>
+      <p:sp>
+        <p:nvSpPr>
+          <p:cNvPr id="6" name="5 Altbilgi Yer Tutucusu"/>
+          <p:cNvSpPr>
+            <a:spLocks noGrp="1"/>
+          </p:cNvSpPr>
+          <p:nvPr>
+            <p:ph type="ftr" sz="quarter" idx="11"/>
+          </p:nvPr>
+        </p:nvSpPr>
+        <p:spPr/>
+        <p:txBody>
+          <a:bodyPr/>
+          <a:lstStyle/>
+          <a:p>
+            <a:r>
+              <a:rPr lang="en-US" smtClean="0"/>
+              <a:t>Introduction to Kotlin (c) Kerem Akkaya</a:t>
+            </a:r>
+            <a:endParaRPr lang="tr-TR"/>
+          </a:p>
+        </p:txBody>
+      </p:sp>
     </p:spTree>
   </p:cSld>
   <p:clrMapOvr>
@@ -12479,6 +15120,53 @@
           </a:fontRef>
         </p:style>
       </p:pic>
+      <p:sp>
+        <p:nvSpPr>
+          <p:cNvPr id="6" name="5 Slayt Numarası Yer Tutucusu"/>
+          <p:cNvSpPr>
+            <a:spLocks noGrp="1"/>
+          </p:cNvSpPr>
+          <p:nvPr>
+            <p:ph type="sldNum" sz="quarter" idx="12"/>
+          </p:nvPr>
+        </p:nvSpPr>
+        <p:spPr/>
+        <p:txBody>
+          <a:bodyPr/>
+          <a:lstStyle/>
+          <a:p>
+            <a:fld id="{A1DACB16-B709-40FC-8B58-73207C3335E6}" type="slidenum">
+              <a:rPr lang="tr-TR" smtClean="0"/>
+              <a:pPr/>
+              <a:t>8</a:t>
+            </a:fld>
+            <a:endParaRPr lang="tr-TR"/>
+          </a:p>
+        </p:txBody>
+      </p:sp>
+      <p:sp>
+        <p:nvSpPr>
+          <p:cNvPr id="7" name="6 Altbilgi Yer Tutucusu"/>
+          <p:cNvSpPr>
+            <a:spLocks noGrp="1"/>
+          </p:cNvSpPr>
+          <p:nvPr>
+            <p:ph type="ftr" sz="quarter" idx="11"/>
+          </p:nvPr>
+        </p:nvSpPr>
+        <p:spPr/>
+        <p:txBody>
+          <a:bodyPr/>
+          <a:lstStyle/>
+          <a:p>
+            <a:r>
+              <a:rPr lang="en-US" smtClean="0"/>
+              <a:t>Introduction to Kotlin (c) Kerem Akkaya</a:t>
+            </a:r>
+            <a:endParaRPr lang="tr-TR"/>
+          </a:p>
+        </p:txBody>
+      </p:sp>
     </p:spTree>
   </p:cSld>
   <p:clrMapOvr>
@@ -12636,6 +15324,53 @@
           </a:fontRef>
         </p:style>
       </p:pic>
+      <p:sp>
+        <p:nvSpPr>
+          <p:cNvPr id="5" name="4 Slayt Numarası Yer Tutucusu"/>
+          <p:cNvSpPr>
+            <a:spLocks noGrp="1"/>
+          </p:cNvSpPr>
+          <p:nvPr>
+            <p:ph type="sldNum" sz="quarter" idx="12"/>
+          </p:nvPr>
+        </p:nvSpPr>
+        <p:spPr/>
+        <p:txBody>
+          <a:bodyPr/>
+          <a:lstStyle/>
+          <a:p>
+            <a:fld id="{A1DACB16-B709-40FC-8B58-73207C3335E6}" type="slidenum">
+              <a:rPr lang="tr-TR" smtClean="0"/>
+              <a:pPr/>
+              <a:t>9</a:t>
+            </a:fld>
+            <a:endParaRPr lang="tr-TR"/>
+          </a:p>
+        </p:txBody>
+      </p:sp>
+      <p:sp>
+        <p:nvSpPr>
+          <p:cNvPr id="6" name="5 Altbilgi Yer Tutucusu"/>
+          <p:cNvSpPr>
+            <a:spLocks noGrp="1"/>
+          </p:cNvSpPr>
+          <p:nvPr>
+            <p:ph type="ftr" sz="quarter" idx="11"/>
+          </p:nvPr>
+        </p:nvSpPr>
+        <p:spPr/>
+        <p:txBody>
+          <a:bodyPr/>
+          <a:lstStyle/>
+          <a:p>
+            <a:r>
+              <a:rPr lang="en-US" smtClean="0"/>
+              <a:t>Introduction to Kotlin (c) Kerem Akkaya</a:t>
+            </a:r>
+            <a:endParaRPr lang="tr-TR"/>
+          </a:p>
+        </p:txBody>
+      </p:sp>
     </p:spTree>
   </p:cSld>
   <p:clrMapOvr>
@@ -12931,4 +15666,287 @@
   <a:objectDefaults/>
   <a:extraClrSchemeLst/>
 </a:theme>
+</file>
+
+<file path=ppt/theme/theme2.xml><?xml version="1.0" encoding="utf-8"?>
+<a:theme xmlns:a="http://schemas.openxmlformats.org/drawingml/2006/main" name="Ofis Teması">
+  <a:themeElements>
+    <a:clrScheme name="Ofis">
+      <a:dk1>
+        <a:sysClr val="windowText" lastClr="000000"/>
+      </a:dk1>
+      <a:lt1>
+        <a:sysClr val="window" lastClr="FFFFFF"/>
+      </a:lt1>
+      <a:dk2>
+        <a:srgbClr val="1F497D"/>
+      </a:dk2>
+      <a:lt2>
+        <a:srgbClr val="EEECE1"/>
+      </a:lt2>
+      <a:accent1>
+        <a:srgbClr val="4F81BD"/>
+      </a:accent1>
+      <a:accent2>
+        <a:srgbClr val="C0504D"/>
+      </a:accent2>
+      <a:accent3>
+        <a:srgbClr val="9BBB59"/>
+      </a:accent3>
+      <a:accent4>
+        <a:srgbClr val="8064A2"/>
+      </a:accent4>
+      <a:accent5>
+        <a:srgbClr val="4BACC6"/>
+      </a:accent5>
+      <a:accent6>
+        <a:srgbClr val="F79646"/>
+      </a:accent6>
+      <a:hlink>
+        <a:srgbClr val="0000FF"/>
+      </a:hlink>
+      <a:folHlink>
+        <a:srgbClr val="800080"/>
+      </a:folHlink>
+    </a:clrScheme>
+    <a:fontScheme name="Ofis">
+      <a:majorFont>
+        <a:latin typeface="Calibri"/>
+        <a:ea typeface=""/>
+        <a:cs typeface=""/>
+        <a:font script="Jpan" typeface="ＭＳ Ｐゴシック"/>
+        <a:font script="Hang" typeface="맑은 고딕"/>
+        <a:font script="Hans" typeface="宋体"/>
+        <a:font script="Hant" typeface="新細明體"/>
+        <a:font script="Arab" typeface="Times New Roman"/>
+        <a:font script="Hebr" typeface="Times New Roman"/>
+        <a:font script="Thai" typeface="Angsana New"/>
+        <a:font script="Ethi" typeface="Nyala"/>
+        <a:font script="Beng" typeface="Vrinda"/>
+        <a:font script="Gujr" typeface="Shruti"/>
+        <a:font script="Khmr" typeface="MoolBoran"/>
+        <a:font script="Knda" typeface="Tunga"/>
+        <a:font script="Guru" typeface="Raavi"/>
+        <a:font script="Cans" typeface="Euphemia"/>
+        <a:font script="Cher" typeface="Plantagenet Cherokee"/>
+        <a:font script="Yiii" typeface="Microsoft Yi Baiti"/>
+        <a:font script="Tibt" typeface="Microsoft Himalaya"/>
+        <a:font script="Thaa" typeface="MV Boli"/>
+        <a:font script="Deva" typeface="Mangal"/>
+        <a:font script="Telu" typeface="Gautami"/>
+        <a:font script="Taml" typeface="Latha"/>
+        <a:font script="Syrc" typeface="Estrangelo Edessa"/>
+        <a:font script="Orya" typeface="Kalinga"/>
+        <a:font script="Mlym" typeface="Kartika"/>
+        <a:font script="Laoo" typeface="DokChampa"/>
+        <a:font script="Sinh" typeface="Iskoola Pota"/>
+        <a:font script="Mong" typeface="Mongolian Baiti"/>
+        <a:font script="Viet" typeface="Times New Roman"/>
+        <a:font script="Uigh" typeface="Microsoft Uighur"/>
+      </a:majorFont>
+      <a:minorFont>
+        <a:latin typeface="Calibri"/>
+        <a:ea typeface=""/>
+        <a:cs typeface=""/>
+        <a:font script="Jpan" typeface="ＭＳ Ｐゴシック"/>
+        <a:font script="Hang" typeface="맑은 고딕"/>
+        <a:font script="Hans" typeface="宋体"/>
+        <a:font script="Hant" typeface="新細明體"/>
+        <a:font script="Arab" typeface="Arial"/>
+        <a:font script="Hebr" typeface="Arial"/>
+        <a:font script="Thai" typeface="Cordia New"/>
+        <a:font script="Ethi" typeface="Nyala"/>
+        <a:font script="Beng" typeface="Vrinda"/>
+        <a:font script="Gujr" typeface="Shruti"/>
+        <a:font script="Khmr" typeface="DaunPenh"/>
+        <a:font script="Knda" typeface="Tunga"/>
+        <a:font script="Guru" typeface="Raavi"/>
+        <a:font script="Cans" typeface="Euphemia"/>
+        <a:font script="Cher" typeface="Plantagenet Cherokee"/>
+        <a:font script="Yiii" typeface="Microsoft Yi Baiti"/>
+        <a:font script="Tibt" typeface="Microsoft Himalaya"/>
+        <a:font script="Thaa" typeface="MV Boli"/>
+        <a:font script="Deva" typeface="Mangal"/>
+        <a:font script="Telu" typeface="Gautami"/>
+        <a:font script="Taml" typeface="Latha"/>
+        <a:font script="Syrc" typeface="Estrangelo Edessa"/>
+        <a:font script="Orya" typeface="Kalinga"/>
+        <a:font script="Mlym" typeface="Kartika"/>
+        <a:font script="Laoo" typeface="DokChampa"/>
+        <a:font script="Sinh" typeface="Iskoola Pota"/>
+        <a:font script="Mong" typeface="Mongolian Baiti"/>
+        <a:font script="Viet" typeface="Arial"/>
+        <a:font script="Uigh" typeface="Microsoft Uighur"/>
+      </a:minorFont>
+    </a:fontScheme>
+    <a:fmtScheme name="Ofis">
+      <a:fillStyleLst>
+        <a:solidFill>
+          <a:schemeClr val="phClr"/>
+        </a:solidFill>
+        <a:gradFill rotWithShape="1">
+          <a:gsLst>
+            <a:gs pos="0">
+              <a:schemeClr val="phClr">
+                <a:tint val="50000"/>
+                <a:satMod val="300000"/>
+              </a:schemeClr>
+            </a:gs>
+            <a:gs pos="35000">
+              <a:schemeClr val="phClr">
+                <a:tint val="37000"/>
+                <a:satMod val="300000"/>
+              </a:schemeClr>
+            </a:gs>
+            <a:gs pos="100000">
+              <a:schemeClr val="phClr">
+                <a:tint val="15000"/>
+                <a:satMod val="350000"/>
+              </a:schemeClr>
+            </a:gs>
+          </a:gsLst>
+          <a:lin ang="16200000" scaled="1"/>
+        </a:gradFill>
+        <a:gradFill rotWithShape="1">
+          <a:gsLst>
+            <a:gs pos="0">
+              <a:schemeClr val="phClr">
+                <a:shade val="51000"/>
+                <a:satMod val="130000"/>
+              </a:schemeClr>
+            </a:gs>
+            <a:gs pos="80000">
+              <a:schemeClr val="phClr">
+                <a:shade val="93000"/>
+                <a:satMod val="130000"/>
+              </a:schemeClr>
+            </a:gs>
+            <a:gs pos="100000">
+              <a:schemeClr val="phClr">
+                <a:shade val="94000"/>
+                <a:satMod val="135000"/>
+              </a:schemeClr>
+            </a:gs>
+          </a:gsLst>
+          <a:lin ang="16200000" scaled="0"/>
+        </a:gradFill>
+      </a:fillStyleLst>
+      <a:lnStyleLst>
+        <a:ln w="9525" cap="flat" cmpd="sng" algn="ctr">
+          <a:solidFill>
+            <a:schemeClr val="phClr">
+              <a:shade val="95000"/>
+              <a:satMod val="105000"/>
+            </a:schemeClr>
+          </a:solidFill>
+          <a:prstDash val="solid"/>
+        </a:ln>
+        <a:ln w="25400" cap="flat" cmpd="sng" algn="ctr">
+          <a:solidFill>
+            <a:schemeClr val="phClr"/>
+          </a:solidFill>
+          <a:prstDash val="solid"/>
+        </a:ln>
+        <a:ln w="38100" cap="flat" cmpd="sng" algn="ctr">
+          <a:solidFill>
+            <a:schemeClr val="phClr"/>
+          </a:solidFill>
+          <a:prstDash val="solid"/>
+        </a:ln>
+      </a:lnStyleLst>
+      <a:effectStyleLst>
+        <a:effectStyle>
+          <a:effectLst>
+            <a:outerShdw blurRad="40000" dist="20000" dir="5400000" rotWithShape="0">
+              <a:srgbClr val="000000">
+                <a:alpha val="38000"/>
+              </a:srgbClr>
+            </a:outerShdw>
+          </a:effectLst>
+        </a:effectStyle>
+        <a:effectStyle>
+          <a:effectLst>
+            <a:outerShdw blurRad="40000" dist="23000" dir="5400000" rotWithShape="0">
+              <a:srgbClr val="000000">
+                <a:alpha val="35000"/>
+              </a:srgbClr>
+            </a:outerShdw>
+          </a:effectLst>
+        </a:effectStyle>
+        <a:effectStyle>
+          <a:effectLst>
+            <a:outerShdw blurRad="40000" dist="23000" dir="5400000" rotWithShape="0">
+              <a:srgbClr val="000000">
+                <a:alpha val="35000"/>
+              </a:srgbClr>
+            </a:outerShdw>
+          </a:effectLst>
+          <a:scene3d>
+            <a:camera prst="orthographicFront">
+              <a:rot lat="0" lon="0" rev="0"/>
+            </a:camera>
+            <a:lightRig rig="threePt" dir="t">
+              <a:rot lat="0" lon="0" rev="1200000"/>
+            </a:lightRig>
+          </a:scene3d>
+          <a:sp3d>
+            <a:bevelT w="63500" h="25400"/>
+          </a:sp3d>
+        </a:effectStyle>
+      </a:effectStyleLst>
+      <a:bgFillStyleLst>
+        <a:solidFill>
+          <a:schemeClr val="phClr"/>
+        </a:solidFill>
+        <a:gradFill rotWithShape="1">
+          <a:gsLst>
+            <a:gs pos="0">
+              <a:schemeClr val="phClr">
+                <a:tint val="40000"/>
+                <a:satMod val="350000"/>
+              </a:schemeClr>
+            </a:gs>
+            <a:gs pos="40000">
+              <a:schemeClr val="phClr">
+                <a:tint val="45000"/>
+                <a:shade val="99000"/>
+                <a:satMod val="350000"/>
+              </a:schemeClr>
+            </a:gs>
+            <a:gs pos="100000">
+              <a:schemeClr val="phClr">
+                <a:shade val="20000"/>
+                <a:satMod val="255000"/>
+              </a:schemeClr>
+            </a:gs>
+          </a:gsLst>
+          <a:path path="circle">
+            <a:fillToRect l="50000" t="-80000" r="50000" b="180000"/>
+          </a:path>
+        </a:gradFill>
+        <a:gradFill rotWithShape="1">
+          <a:gsLst>
+            <a:gs pos="0">
+              <a:schemeClr val="phClr">
+                <a:tint val="80000"/>
+                <a:satMod val="300000"/>
+              </a:schemeClr>
+            </a:gs>
+            <a:gs pos="100000">
+              <a:schemeClr val="phClr">
+                <a:shade val="30000"/>
+                <a:satMod val="200000"/>
+              </a:schemeClr>
+            </a:gs>
+          </a:gsLst>
+          <a:path path="circle">
+            <a:fillToRect l="50000" t="50000" r="50000" b="50000"/>
+          </a:path>
+        </a:gradFill>
+      </a:bgFillStyleLst>
+    </a:fmtScheme>
+  </a:themeElements>
+  <a:objectDefaults/>
+  <a:extraClrSchemeLst/>
+</a:theme>
 </file>